--- a/Boulder Dash.pptx
+++ b/Boulder Dash.pptx
@@ -10699,7 +10699,7 @@
             </a:pPr>
             <a:r>
               <a:rPr lang="nl"/>
-              <a:t>DKD</a:t>
+              <a:t>Klassediagram</a:t>
             </a:r>
             <a:endParaRPr/>
           </a:p>
@@ -10849,7 +10849,7 @@
             </a:pPr>
             <a:r>
               <a:rPr lang="nl"/>
-              <a:t>DKD</a:t>
+              <a:t>Klassediagram</a:t>
             </a:r>
             <a:endParaRPr/>
           </a:p>

--- a/Boulder Dash.pptx
+++ b/Boulder Dash.pptx
@@ -1,44 +1,44 @@
 
 <file path=ppt/presentation.xml><?xml version="1.0" encoding="utf-8"?>
-<p:presentation xmlns:a="http://schemas.openxmlformats.org/drawingml/2006/main" xmlns:r="http://schemas.openxmlformats.org/officeDocument/2006/relationships" xmlns:mc="http://schemas.openxmlformats.org/markup-compatibility/2006" xmlns:mv="urn:schemas-microsoft-com:mac:vml" xmlns:p="http://schemas.openxmlformats.org/presentationml/2006/main" xmlns:c="http://schemas.openxmlformats.org/drawingml/2006/chart" xmlns:dgm="http://schemas.openxmlformats.org/drawingml/2006/diagram" xmlns:o="urn:schemas-microsoft-com:office:office" xmlns:v="urn:schemas-microsoft-com:vml" xmlns:pvml="urn:schemas-microsoft-com:office:powerpoint" xmlns:com="http://schemas.openxmlformats.org/drawingml/2006/compatibility" xmlns:p14="http://schemas.microsoft.com/office/powerpoint/2010/main" xmlns:p15="http://schemas.microsoft.com/office/powerpoint/2012/main" autoCompressPictures="0" embedTrueTypeFonts="1" strictFirstAndLastChars="0" saveSubsetFonts="1">
+<p:presentation xmlns:a="http://schemas.openxmlformats.org/drawingml/2006/main" xmlns:r="http://schemas.openxmlformats.org/officeDocument/2006/relationships" xmlns:p="http://schemas.openxmlformats.org/presentationml/2006/main" strictFirstAndLastChars="0" embedTrueTypeFonts="1" saveSubsetFonts="1" autoCompressPictures="0">
   <p:sldMasterIdLst>
-    <p:sldMasterId id="2147483659" r:id="rId3"/>
+    <p:sldMasterId id="2147483659" r:id="rId1"/>
   </p:sldMasterIdLst>
   <p:notesMasterIdLst>
-    <p:notesMasterId r:id="rId4"/>
+    <p:notesMasterId r:id="rId12"/>
   </p:notesMasterIdLst>
   <p:sldIdLst>
-    <p:sldId id="256" r:id="rId5"/>
-    <p:sldId id="257" r:id="rId6"/>
-    <p:sldId id="258" r:id="rId7"/>
-    <p:sldId id="259" r:id="rId8"/>
-    <p:sldId id="260" r:id="rId9"/>
-    <p:sldId id="261" r:id="rId10"/>
-    <p:sldId id="262" r:id="rId11"/>
-    <p:sldId id="263" r:id="rId12"/>
-    <p:sldId id="264" r:id="rId13"/>
-    <p:sldId id="265" r:id="rId14"/>
+    <p:sldId id="256" r:id="rId2"/>
+    <p:sldId id="257" r:id="rId3"/>
+    <p:sldId id="258" r:id="rId4"/>
+    <p:sldId id="259" r:id="rId5"/>
+    <p:sldId id="260" r:id="rId6"/>
+    <p:sldId id="261" r:id="rId7"/>
+    <p:sldId id="262" r:id="rId8"/>
+    <p:sldId id="263" r:id="rId9"/>
+    <p:sldId id="264" r:id="rId10"/>
+    <p:sldId id="265" r:id="rId11"/>
   </p:sldIdLst>
-  <p:sldSz cy="5143500" cx="9144000"/>
+  <p:sldSz cx="9144000" cy="5143500" type="screen16x9"/>
   <p:notesSz cx="6858000" cy="9144000"/>
   <p:embeddedFontLst>
     <p:embeddedFont>
-      <p:font typeface="Montserrat"/>
-      <p:regular r:id="rId15"/>
-      <p:bold r:id="rId16"/>
-      <p:italic r:id="rId17"/>
-      <p:boldItalic r:id="rId18"/>
+      <p:font typeface="Montserrat" panose="020B0604020202020204" charset="0"/>
+      <p:regular r:id="rId13"/>
+      <p:bold r:id="rId14"/>
+      <p:italic r:id="rId15"/>
+      <p:boldItalic r:id="rId16"/>
     </p:embeddedFont>
     <p:embeddedFont>
-      <p:font typeface="Lato"/>
-      <p:regular r:id="rId19"/>
-      <p:bold r:id="rId20"/>
-      <p:italic r:id="rId21"/>
-      <p:boldItalic r:id="rId22"/>
+      <p:font typeface="Lato" panose="020B0604020202020204" charset="0"/>
+      <p:regular r:id="rId17"/>
+      <p:bold r:id="rId18"/>
+      <p:italic r:id="rId19"/>
+      <p:boldItalic r:id="rId20"/>
     </p:embeddedFont>
   </p:embeddedFontLst>
   <p:defaultTextStyle>
-    <a:defPPr lvl="0" marR="0" rtl="0" algn="l">
+    <a:defPPr marR="0" lvl="0" algn="l" rtl="0">
       <a:lnSpc>
         <a:spcPct val="100000"/>
       </a:lnSpc>
@@ -49,7 +49,7 @@
         <a:spcPts val="0"/>
       </a:spcAft>
     </a:defPPr>
-    <a:lvl1pPr lvl="0" marR="0" rtl="0" algn="l">
+    <a:lvl1pPr marR="0" lvl="0" algn="l" rtl="0">
       <a:lnSpc>
         <a:spcPct val="100000"/>
       </a:lnSpc>
@@ -63,7 +63,7 @@
         <a:srgbClr val="000000"/>
       </a:buClr>
       <a:buFont typeface="Arial"/>
-      <a:defRPr b="0" i="0" sz="1400" u="none" cap="none" strike="noStrike">
+      <a:defRPr sz="1400" b="0" i="0" u="none" strike="noStrike" cap="none">
         <a:solidFill>
           <a:srgbClr val="000000"/>
         </a:solidFill>
@@ -73,7 +73,7 @@
         <a:sym typeface="Arial"/>
       </a:defRPr>
     </a:lvl1pPr>
-    <a:lvl2pPr lvl="1" marR="0" rtl="0" algn="l">
+    <a:lvl2pPr marR="0" lvl="1" algn="l" rtl="0">
       <a:lnSpc>
         <a:spcPct val="100000"/>
       </a:lnSpc>
@@ -87,7 +87,7 @@
         <a:srgbClr val="000000"/>
       </a:buClr>
       <a:buFont typeface="Arial"/>
-      <a:defRPr b="0" i="0" sz="1400" u="none" cap="none" strike="noStrike">
+      <a:defRPr sz="1400" b="0" i="0" u="none" strike="noStrike" cap="none">
         <a:solidFill>
           <a:srgbClr val="000000"/>
         </a:solidFill>
@@ -97,7 +97,7 @@
         <a:sym typeface="Arial"/>
       </a:defRPr>
     </a:lvl2pPr>
-    <a:lvl3pPr lvl="2" marR="0" rtl="0" algn="l">
+    <a:lvl3pPr marR="0" lvl="2" algn="l" rtl="0">
       <a:lnSpc>
         <a:spcPct val="100000"/>
       </a:lnSpc>
@@ -111,7 +111,7 @@
         <a:srgbClr val="000000"/>
       </a:buClr>
       <a:buFont typeface="Arial"/>
-      <a:defRPr b="0" i="0" sz="1400" u="none" cap="none" strike="noStrike">
+      <a:defRPr sz="1400" b="0" i="0" u="none" strike="noStrike" cap="none">
         <a:solidFill>
           <a:srgbClr val="000000"/>
         </a:solidFill>
@@ -121,7 +121,7 @@
         <a:sym typeface="Arial"/>
       </a:defRPr>
     </a:lvl3pPr>
-    <a:lvl4pPr lvl="3" marR="0" rtl="0" algn="l">
+    <a:lvl4pPr marR="0" lvl="3" algn="l" rtl="0">
       <a:lnSpc>
         <a:spcPct val="100000"/>
       </a:lnSpc>
@@ -135,7 +135,7 @@
         <a:srgbClr val="000000"/>
       </a:buClr>
       <a:buFont typeface="Arial"/>
-      <a:defRPr b="0" i="0" sz="1400" u="none" cap="none" strike="noStrike">
+      <a:defRPr sz="1400" b="0" i="0" u="none" strike="noStrike" cap="none">
         <a:solidFill>
           <a:srgbClr val="000000"/>
         </a:solidFill>
@@ -145,7 +145,7 @@
         <a:sym typeface="Arial"/>
       </a:defRPr>
     </a:lvl4pPr>
-    <a:lvl5pPr lvl="4" marR="0" rtl="0" algn="l">
+    <a:lvl5pPr marR="0" lvl="4" algn="l" rtl="0">
       <a:lnSpc>
         <a:spcPct val="100000"/>
       </a:lnSpc>
@@ -159,7 +159,7 @@
         <a:srgbClr val="000000"/>
       </a:buClr>
       <a:buFont typeface="Arial"/>
-      <a:defRPr b="0" i="0" sz="1400" u="none" cap="none" strike="noStrike">
+      <a:defRPr sz="1400" b="0" i="0" u="none" strike="noStrike" cap="none">
         <a:solidFill>
           <a:srgbClr val="000000"/>
         </a:solidFill>
@@ -169,7 +169,7 @@
         <a:sym typeface="Arial"/>
       </a:defRPr>
     </a:lvl5pPr>
-    <a:lvl6pPr lvl="5" marR="0" rtl="0" algn="l">
+    <a:lvl6pPr marR="0" lvl="5" algn="l" rtl="0">
       <a:lnSpc>
         <a:spcPct val="100000"/>
       </a:lnSpc>
@@ -183,7 +183,7 @@
         <a:srgbClr val="000000"/>
       </a:buClr>
       <a:buFont typeface="Arial"/>
-      <a:defRPr b="0" i="0" sz="1400" u="none" cap="none" strike="noStrike">
+      <a:defRPr sz="1400" b="0" i="0" u="none" strike="noStrike" cap="none">
         <a:solidFill>
           <a:srgbClr val="000000"/>
         </a:solidFill>
@@ -193,7 +193,7 @@
         <a:sym typeface="Arial"/>
       </a:defRPr>
     </a:lvl6pPr>
-    <a:lvl7pPr lvl="6" marR="0" rtl="0" algn="l">
+    <a:lvl7pPr marR="0" lvl="6" algn="l" rtl="0">
       <a:lnSpc>
         <a:spcPct val="100000"/>
       </a:lnSpc>
@@ -207,7 +207,7 @@
         <a:srgbClr val="000000"/>
       </a:buClr>
       <a:buFont typeface="Arial"/>
-      <a:defRPr b="0" i="0" sz="1400" u="none" cap="none" strike="noStrike">
+      <a:defRPr sz="1400" b="0" i="0" u="none" strike="noStrike" cap="none">
         <a:solidFill>
           <a:srgbClr val="000000"/>
         </a:solidFill>
@@ -217,7 +217,7 @@
         <a:sym typeface="Arial"/>
       </a:defRPr>
     </a:lvl7pPr>
-    <a:lvl8pPr lvl="7" marR="0" rtl="0" algn="l">
+    <a:lvl8pPr marR="0" lvl="7" algn="l" rtl="0">
       <a:lnSpc>
         <a:spcPct val="100000"/>
       </a:lnSpc>
@@ -231,7 +231,7 @@
         <a:srgbClr val="000000"/>
       </a:buClr>
       <a:buFont typeface="Arial"/>
-      <a:defRPr b="0" i="0" sz="1400" u="none" cap="none" strike="noStrike">
+      <a:defRPr sz="1400" b="0" i="0" u="none" strike="noStrike" cap="none">
         <a:solidFill>
           <a:srgbClr val="000000"/>
         </a:solidFill>
@@ -241,7 +241,7 @@
         <a:sym typeface="Arial"/>
       </a:defRPr>
     </a:lvl8pPr>
-    <a:lvl9pPr lvl="8" marR="0" rtl="0" algn="l">
+    <a:lvl9pPr marR="0" lvl="8" algn="l" rtl="0">
       <a:lnSpc>
         <a:spcPct val="100000"/>
       </a:lnSpc>
@@ -255,7 +255,7 @@
         <a:srgbClr val="000000"/>
       </a:buClr>
       <a:buFont typeface="Arial"/>
-      <a:defRPr b="0" i="0" sz="1400" u="none" cap="none" strike="noStrike">
+      <a:defRPr sz="1400" b="0" i="0" u="none" strike="noStrike" cap="none">
         <a:solidFill>
           <a:srgbClr val="000000"/>
         </a:solidFill>
@@ -270,11 +270,16 @@
 </file>
 
 <file path=ppt/notesMasters/notesMaster1.xml><?xml version="1.0" encoding="utf-8"?>
-<p:notesMaster xmlns:a="http://schemas.openxmlformats.org/drawingml/2006/main" xmlns:r="http://schemas.openxmlformats.org/officeDocument/2006/relationships" xmlns:mc="http://schemas.openxmlformats.org/markup-compatibility/2006" xmlns:mv="urn:schemas-microsoft-com:mac:vml" xmlns:p="http://schemas.openxmlformats.org/presentationml/2006/main" xmlns:c="http://schemas.openxmlformats.org/drawingml/2006/chart" xmlns:dgm="http://schemas.openxmlformats.org/drawingml/2006/diagram" xmlns:o="urn:schemas-microsoft-com:office:office" xmlns:v="urn:schemas-microsoft-com:vml" xmlns:pvml="urn:schemas-microsoft-com:office:powerpoint" xmlns:com="http://schemas.openxmlformats.org/drawingml/2006/compatibility" xmlns:p14="http://schemas.microsoft.com/office/powerpoint/2010/main" xmlns:p15="http://schemas.microsoft.com/office/powerpoint/2012/main">
+<p:notesMaster xmlns:a="http://schemas.openxmlformats.org/drawingml/2006/main" xmlns:r="http://schemas.openxmlformats.org/officeDocument/2006/relationships" xmlns:p="http://schemas.openxmlformats.org/presentationml/2006/main">
   <p:cSld>
+    <p:bg>
+      <p:bgRef idx="1001">
+        <a:schemeClr val="bg1"/>
+      </p:bgRef>
+    </p:bg>
     <p:spTree>
       <p:nvGrpSpPr>
-        <p:cNvPr id="2" name="Shape 2"/>
+        <p:cNvPr id="1" name="Shape 2"/>
         <p:cNvGrpSpPr/>
         <p:nvPr/>
       </p:nvGrpSpPr>
@@ -289,9 +294,11 @@
       <p:sp>
         <p:nvSpPr>
           <p:cNvPr id="3" name="Google Shape;3;n"/>
-          <p:cNvSpPr/>
+          <p:cNvSpPr>
+            <a:spLocks noGrp="1" noRot="1" noChangeAspect="1"/>
+          </p:cNvSpPr>
           <p:nvPr>
-            <p:ph idx="2" type="sldImg"/>
+            <p:ph type="sldImg" idx="2"/>
           </p:nvPr>
         </p:nvSpPr>
         <p:spPr>
@@ -300,9 +307,13 @@
             <a:ext cx="6096075" cy="3429000"/>
           </a:xfrm>
           <a:custGeom>
-            <a:rect b="b" l="l" r="r" t="t"/>
+            <a:avLst/>
+            <a:gdLst/>
+            <a:ahLst/>
+            <a:cxnLst/>
+            <a:rect l="l" t="t" r="r" b="b"/>
             <a:pathLst>
-              <a:path extrusionOk="0" h="120000" w="120000">
+              <a:path w="120000" h="120000" extrusionOk="0">
                 <a:moveTo>
                   <a:pt x="0" y="0"/>
                 </a:moveTo>
@@ -320,23 +331,25 @@
             </a:pathLst>
           </a:custGeom>
           <a:noFill/>
-          <a:ln cap="flat" cmpd="sng" w="9525">
+          <a:ln w="9525" cap="flat" cmpd="sng">
             <a:solidFill>
               <a:srgbClr val="000000"/>
             </a:solidFill>
             <a:prstDash val="solid"/>
             <a:round/>
-            <a:headEnd len="sm" w="sm" type="none"/>
-            <a:tailEnd len="sm" w="sm" type="none"/>
+            <a:headEnd type="none" w="sm" len="sm"/>
+            <a:tailEnd type="none" w="sm" len="sm"/>
           </a:ln>
         </p:spPr>
       </p:sp>
       <p:sp>
         <p:nvSpPr>
           <p:cNvPr id="4" name="Google Shape;4;n"/>
-          <p:cNvSpPr txBox="1"/>
+          <p:cNvSpPr txBox="1">
+            <a:spLocks noGrp="1"/>
+          </p:cNvSpPr>
           <p:nvPr>
-            <p:ph idx="1" type="body"/>
+            <p:ph type="body" idx="1"/>
           </p:nvPr>
         </p:nvSpPr>
         <p:spPr>
@@ -353,9 +366,9 @@
           </a:ln>
         </p:spPr>
         <p:txBody>
-          <a:bodyPr anchorCtr="0" anchor="t" bIns="91425" lIns="91425" spcFirstLastPara="1" rIns="91425" wrap="square" tIns="91425"/>
+          <a:bodyPr spcFirstLastPara="1" wrap="square" lIns="91425" tIns="91425" rIns="91425" bIns="91425" anchor="t" anchorCtr="0"/>
           <a:lstStyle>
-            <a:lvl1pPr indent="-298450" lvl="0" marL="457200">
+            <a:lvl1pPr marL="457200" lvl="0" indent="-298450">
               <a:spcBef>
                 <a:spcPts val="0"/>
               </a:spcBef>
@@ -366,7 +379,7 @@
               <a:buChar char="●"/>
               <a:defRPr sz="1100"/>
             </a:lvl1pPr>
-            <a:lvl2pPr indent="-298450" lvl="1" marL="914400">
+            <a:lvl2pPr marL="914400" lvl="1" indent="-298450">
               <a:spcBef>
                 <a:spcPts val="0"/>
               </a:spcBef>
@@ -377,7 +390,7 @@
               <a:buChar char="○"/>
               <a:defRPr sz="1100"/>
             </a:lvl2pPr>
-            <a:lvl3pPr indent="-298450" lvl="2" marL="1371600">
+            <a:lvl3pPr marL="1371600" lvl="2" indent="-298450">
               <a:spcBef>
                 <a:spcPts val="0"/>
               </a:spcBef>
@@ -388,7 +401,7 @@
               <a:buChar char="■"/>
               <a:defRPr sz="1100"/>
             </a:lvl3pPr>
-            <a:lvl4pPr indent="-298450" lvl="3" marL="1828800">
+            <a:lvl4pPr marL="1828800" lvl="3" indent="-298450">
               <a:spcBef>
                 <a:spcPts val="0"/>
               </a:spcBef>
@@ -399,7 +412,7 @@
               <a:buChar char="●"/>
               <a:defRPr sz="1100"/>
             </a:lvl4pPr>
-            <a:lvl5pPr indent="-298450" lvl="4" marL="2286000">
+            <a:lvl5pPr marL="2286000" lvl="4" indent="-298450">
               <a:spcBef>
                 <a:spcPts val="0"/>
               </a:spcBef>
@@ -410,7 +423,7 @@
               <a:buChar char="○"/>
               <a:defRPr sz="1100"/>
             </a:lvl5pPr>
-            <a:lvl6pPr indent="-298450" lvl="5" marL="2743200">
+            <a:lvl6pPr marL="2743200" lvl="5" indent="-298450">
               <a:spcBef>
                 <a:spcPts val="0"/>
               </a:spcBef>
@@ -421,7 +434,7 @@
               <a:buChar char="■"/>
               <a:defRPr sz="1100"/>
             </a:lvl6pPr>
-            <a:lvl7pPr indent="-298450" lvl="6" marL="3200400">
+            <a:lvl7pPr marL="3200400" lvl="6" indent="-298450">
               <a:spcBef>
                 <a:spcPts val="0"/>
               </a:spcBef>
@@ -432,7 +445,7 @@
               <a:buChar char="●"/>
               <a:defRPr sz="1100"/>
             </a:lvl7pPr>
-            <a:lvl8pPr indent="-298450" lvl="7" marL="3657600">
+            <a:lvl8pPr marL="3657600" lvl="7" indent="-298450">
               <a:spcBef>
                 <a:spcPts val="0"/>
               </a:spcBef>
@@ -443,7 +456,7 @@
               <a:buChar char="○"/>
               <a:defRPr sz="1100"/>
             </a:lvl8pPr>
-            <a:lvl9pPr indent="-298450" lvl="8" marL="4114800">
+            <a:lvl9pPr marL="4114800" lvl="8" indent="-298450">
               <a:spcBef>
                 <a:spcPts val="0"/>
               </a:spcBef>
@@ -455,14 +468,16 @@
               <a:defRPr sz="1100"/>
             </a:lvl9pPr>
           </a:lstStyle>
-          <a:p/>
+          <a:p>
+            <a:endParaRPr/>
+          </a:p>
         </p:txBody>
       </p:sp>
     </p:spTree>
   </p:cSld>
-  <p:clrMap accent1="accent1" accent2="accent2" accent3="accent3" accent4="accent4" accent5="accent5" accent6="accent6" bg1="lt1" bg2="dk2" tx1="dk1" tx2="lt2" folHlink="folHlink" hlink="hlink"/>
+  <p:clrMap bg1="lt1" tx1="dk1" bg2="dk2" tx2="lt2" accent1="accent1" accent2="accent2" accent3="accent3" accent4="accent4" accent5="accent5" accent6="accent6" hlink="hlink" folHlink="folHlink"/>
   <p:notesStyle>
-    <a:defPPr lvl="0" marR="0" rtl="0" algn="l">
+    <a:defPPr marR="0" lvl="0" algn="l" rtl="0">
       <a:lnSpc>
         <a:spcPct val="100000"/>
       </a:lnSpc>
@@ -473,7 +488,7 @@
         <a:spcPts val="0"/>
       </a:spcAft>
     </a:defPPr>
-    <a:lvl1pPr lvl="0" marR="0" rtl="0" algn="l">
+    <a:lvl1pPr marR="0" lvl="0" algn="l" rtl="0">
       <a:lnSpc>
         <a:spcPct val="100000"/>
       </a:lnSpc>
@@ -487,7 +502,7 @@
         <a:srgbClr val="000000"/>
       </a:buClr>
       <a:buFont typeface="Arial"/>
-      <a:defRPr b="0" i="0" sz="1400" u="none" cap="none" strike="noStrike">
+      <a:defRPr sz="1400" b="0" i="0" u="none" strike="noStrike" cap="none">
         <a:solidFill>
           <a:srgbClr val="000000"/>
         </a:solidFill>
@@ -497,7 +512,7 @@
         <a:sym typeface="Arial"/>
       </a:defRPr>
     </a:lvl1pPr>
-    <a:lvl2pPr lvl="1" marR="0" rtl="0" algn="l">
+    <a:lvl2pPr marR="0" lvl="1" algn="l" rtl="0">
       <a:lnSpc>
         <a:spcPct val="100000"/>
       </a:lnSpc>
@@ -511,7 +526,7 @@
         <a:srgbClr val="000000"/>
       </a:buClr>
       <a:buFont typeface="Arial"/>
-      <a:defRPr b="0" i="0" sz="1400" u="none" cap="none" strike="noStrike">
+      <a:defRPr sz="1400" b="0" i="0" u="none" strike="noStrike" cap="none">
         <a:solidFill>
           <a:srgbClr val="000000"/>
         </a:solidFill>
@@ -521,7 +536,7 @@
         <a:sym typeface="Arial"/>
       </a:defRPr>
     </a:lvl2pPr>
-    <a:lvl3pPr lvl="2" marR="0" rtl="0" algn="l">
+    <a:lvl3pPr marR="0" lvl="2" algn="l" rtl="0">
       <a:lnSpc>
         <a:spcPct val="100000"/>
       </a:lnSpc>
@@ -535,7 +550,7 @@
         <a:srgbClr val="000000"/>
       </a:buClr>
       <a:buFont typeface="Arial"/>
-      <a:defRPr b="0" i="0" sz="1400" u="none" cap="none" strike="noStrike">
+      <a:defRPr sz="1400" b="0" i="0" u="none" strike="noStrike" cap="none">
         <a:solidFill>
           <a:srgbClr val="000000"/>
         </a:solidFill>
@@ -545,7 +560,7 @@
         <a:sym typeface="Arial"/>
       </a:defRPr>
     </a:lvl3pPr>
-    <a:lvl4pPr lvl="3" marR="0" rtl="0" algn="l">
+    <a:lvl4pPr marR="0" lvl="3" algn="l" rtl="0">
       <a:lnSpc>
         <a:spcPct val="100000"/>
       </a:lnSpc>
@@ -559,7 +574,7 @@
         <a:srgbClr val="000000"/>
       </a:buClr>
       <a:buFont typeface="Arial"/>
-      <a:defRPr b="0" i="0" sz="1400" u="none" cap="none" strike="noStrike">
+      <a:defRPr sz="1400" b="0" i="0" u="none" strike="noStrike" cap="none">
         <a:solidFill>
           <a:srgbClr val="000000"/>
         </a:solidFill>
@@ -569,7 +584,7 @@
         <a:sym typeface="Arial"/>
       </a:defRPr>
     </a:lvl4pPr>
-    <a:lvl5pPr lvl="4" marR="0" rtl="0" algn="l">
+    <a:lvl5pPr marR="0" lvl="4" algn="l" rtl="0">
       <a:lnSpc>
         <a:spcPct val="100000"/>
       </a:lnSpc>
@@ -583,7 +598,7 @@
         <a:srgbClr val="000000"/>
       </a:buClr>
       <a:buFont typeface="Arial"/>
-      <a:defRPr b="0" i="0" sz="1400" u="none" cap="none" strike="noStrike">
+      <a:defRPr sz="1400" b="0" i="0" u="none" strike="noStrike" cap="none">
         <a:solidFill>
           <a:srgbClr val="000000"/>
         </a:solidFill>
@@ -593,7 +608,7 @@
         <a:sym typeface="Arial"/>
       </a:defRPr>
     </a:lvl5pPr>
-    <a:lvl6pPr lvl="5" marR="0" rtl="0" algn="l">
+    <a:lvl6pPr marR="0" lvl="5" algn="l" rtl="0">
       <a:lnSpc>
         <a:spcPct val="100000"/>
       </a:lnSpc>
@@ -607,7 +622,7 @@
         <a:srgbClr val="000000"/>
       </a:buClr>
       <a:buFont typeface="Arial"/>
-      <a:defRPr b="0" i="0" sz="1400" u="none" cap="none" strike="noStrike">
+      <a:defRPr sz="1400" b="0" i="0" u="none" strike="noStrike" cap="none">
         <a:solidFill>
           <a:srgbClr val="000000"/>
         </a:solidFill>
@@ -617,7 +632,7 @@
         <a:sym typeface="Arial"/>
       </a:defRPr>
     </a:lvl6pPr>
-    <a:lvl7pPr lvl="6" marR="0" rtl="0" algn="l">
+    <a:lvl7pPr marR="0" lvl="6" algn="l" rtl="0">
       <a:lnSpc>
         <a:spcPct val="100000"/>
       </a:lnSpc>
@@ -631,7 +646,7 @@
         <a:srgbClr val="000000"/>
       </a:buClr>
       <a:buFont typeface="Arial"/>
-      <a:defRPr b="0" i="0" sz="1400" u="none" cap="none" strike="noStrike">
+      <a:defRPr sz="1400" b="0" i="0" u="none" strike="noStrike" cap="none">
         <a:solidFill>
           <a:srgbClr val="000000"/>
         </a:solidFill>
@@ -641,7 +656,7 @@
         <a:sym typeface="Arial"/>
       </a:defRPr>
     </a:lvl7pPr>
-    <a:lvl8pPr lvl="7" marR="0" rtl="0" algn="l">
+    <a:lvl8pPr marR="0" lvl="7" algn="l" rtl="0">
       <a:lnSpc>
         <a:spcPct val="100000"/>
       </a:lnSpc>
@@ -655,7 +670,7 @@
         <a:srgbClr val="000000"/>
       </a:buClr>
       <a:buFont typeface="Arial"/>
-      <a:defRPr b="0" i="0" sz="1400" u="none" cap="none" strike="noStrike">
+      <a:defRPr sz="1400" b="0" i="0" u="none" strike="noStrike" cap="none">
         <a:solidFill>
           <a:srgbClr val="000000"/>
         </a:solidFill>
@@ -665,7 +680,7 @@
         <a:sym typeface="Arial"/>
       </a:defRPr>
     </a:lvl8pPr>
-    <a:lvl9pPr lvl="8" marR="0" rtl="0" algn="l">
+    <a:lvl9pPr marR="0" lvl="8" algn="l" rtl="0">
       <a:lnSpc>
         <a:spcPct val="100000"/>
       </a:lnSpc>
@@ -679,7 +694,7 @@
         <a:srgbClr val="000000"/>
       </a:buClr>
       <a:buFont typeface="Arial"/>
-      <a:defRPr b="0" i="0" sz="1400" u="none" cap="none" strike="noStrike">
+      <a:defRPr sz="1400" b="0" i="0" u="none" strike="noStrike" cap="none">
         <a:solidFill>
           <a:srgbClr val="000000"/>
         </a:solidFill>
@@ -694,11 +709,11 @@
 </file>
 
 <file path=ppt/notesSlides/notesSlide1.xml><?xml version="1.0" encoding="utf-8"?>
-<p:notes xmlns:a="http://schemas.openxmlformats.org/drawingml/2006/main" xmlns:r="http://schemas.openxmlformats.org/officeDocument/2006/relationships" xmlns:mc="http://schemas.openxmlformats.org/markup-compatibility/2006" xmlns:mv="urn:schemas-microsoft-com:mac:vml" xmlns:p="http://schemas.openxmlformats.org/presentationml/2006/main" xmlns:c="http://schemas.openxmlformats.org/drawingml/2006/chart" xmlns:dgm="http://schemas.openxmlformats.org/drawingml/2006/diagram" xmlns:o="urn:schemas-microsoft-com:office:office" xmlns:v="urn:schemas-microsoft-com:vml" xmlns:pvml="urn:schemas-microsoft-com:office:powerpoint" xmlns:com="http://schemas.openxmlformats.org/drawingml/2006/compatibility" xmlns:p14="http://schemas.microsoft.com/office/powerpoint/2010/main" xmlns:p15="http://schemas.microsoft.com/office/powerpoint/2012/main" showMasterPhAnim="0" showMasterSp="0">
+<p:notes xmlns:a="http://schemas.openxmlformats.org/drawingml/2006/main" xmlns:r="http://schemas.openxmlformats.org/officeDocument/2006/relationships" xmlns:p="http://schemas.openxmlformats.org/presentationml/2006/main" showMasterSp="0" showMasterPhAnim="0">
   <p:cSld>
     <p:spTree>
       <p:nvGrpSpPr>
-        <p:cNvPr id="130" name="Shape 130"/>
+        <p:cNvPr id="1" name="Shape 130"/>
         <p:cNvGrpSpPr/>
         <p:nvPr/>
       </p:nvGrpSpPr>
@@ -713,20 +728,26 @@
       <p:sp>
         <p:nvSpPr>
           <p:cNvPr id="131" name="Google Shape;131;p:notes"/>
-          <p:cNvSpPr/>
+          <p:cNvSpPr>
+            <a:spLocks noGrp="1" noRot="1" noChangeAspect="1"/>
+          </p:cNvSpPr>
           <p:nvPr>
-            <p:ph idx="2" type="sldImg"/>
+            <p:ph type="sldImg" idx="2"/>
           </p:nvPr>
         </p:nvSpPr>
         <p:spPr>
           <a:xfrm>
-            <a:off x="381300" y="685800"/>
-            <a:ext cx="6096075" cy="3429000"/>
+            <a:off x="381000" y="685800"/>
+            <a:ext cx="6096000" cy="3429000"/>
           </a:xfrm>
           <a:custGeom>
-            <a:rect b="b" l="l" r="r" t="t"/>
+            <a:avLst/>
+            <a:gdLst/>
+            <a:ahLst/>
+            <a:cxnLst/>
+            <a:rect l="l" t="t" r="r" b="b"/>
             <a:pathLst>
-              <a:path extrusionOk="0" h="120000" w="120000">
+              <a:path w="120000" h="120000" extrusionOk="0">
                 <a:moveTo>
                   <a:pt x="0" y="0"/>
                 </a:moveTo>
@@ -748,9 +769,11 @@
       <p:sp>
         <p:nvSpPr>
           <p:cNvPr id="132" name="Google Shape;132;p:notes"/>
-          <p:cNvSpPr txBox="1"/>
+          <p:cNvSpPr txBox="1">
+            <a:spLocks noGrp="1"/>
+          </p:cNvSpPr>
           <p:nvPr>
-            <p:ph idx="1" type="body"/>
+            <p:ph type="body" idx="1"/>
           </p:nvPr>
         </p:nvSpPr>
         <p:spPr>
@@ -763,12 +786,12 @@
           </a:prstGeom>
         </p:spPr>
         <p:txBody>
-          <a:bodyPr anchorCtr="0" anchor="t" bIns="91425" lIns="91425" spcFirstLastPara="1" rIns="91425" wrap="square" tIns="91425">
+          <a:bodyPr spcFirstLastPara="1" wrap="square" lIns="91425" tIns="91425" rIns="91425" bIns="91425" anchor="t" anchorCtr="0">
             <a:noAutofit/>
           </a:bodyPr>
           <a:lstStyle/>
           <a:p>
-            <a:pPr indent="0" lvl="0" marL="0" rtl="0" algn="l">
+            <a:pPr marL="0" lvl="0" indent="0" algn="l" rtl="0">
               <a:spcBef>
                 <a:spcPts val="0"/>
               </a:spcBef>
@@ -784,7 +807,7 @@
             <a:endParaRPr/>
           </a:p>
           <a:p>
-            <a:pPr indent="0" lvl="0" marL="0" rtl="0" algn="l">
+            <a:pPr marL="0" lvl="0" indent="0" algn="l" rtl="0">
               <a:spcBef>
                 <a:spcPts val="0"/>
               </a:spcBef>
@@ -793,13 +816,10 @@
               </a:spcAft>
               <a:buNone/>
             </a:pPr>
-            <a:r>
-              <a:t/>
-            </a:r>
             <a:endParaRPr/>
           </a:p>
           <a:p>
-            <a:pPr indent="0" lvl="0" marL="0" rtl="0" algn="l">
+            <a:pPr marL="0" lvl="0" indent="0" algn="l" rtl="0">
               <a:spcBef>
                 <a:spcPts val="0"/>
               </a:spcBef>
@@ -825,11 +845,11 @@
 </file>
 
 <file path=ppt/notesSlides/notesSlide10.xml><?xml version="1.0" encoding="utf-8"?>
-<p:notes xmlns:a="http://schemas.openxmlformats.org/drawingml/2006/main" xmlns:r="http://schemas.openxmlformats.org/officeDocument/2006/relationships" xmlns:mc="http://schemas.openxmlformats.org/markup-compatibility/2006" xmlns:mv="urn:schemas-microsoft-com:mac:vml" xmlns:p="http://schemas.openxmlformats.org/presentationml/2006/main" xmlns:c="http://schemas.openxmlformats.org/drawingml/2006/chart" xmlns:dgm="http://schemas.openxmlformats.org/drawingml/2006/diagram" xmlns:o="urn:schemas-microsoft-com:office:office" xmlns:v="urn:schemas-microsoft-com:vml" xmlns:pvml="urn:schemas-microsoft-com:office:powerpoint" xmlns:com="http://schemas.openxmlformats.org/drawingml/2006/compatibility" xmlns:p14="http://schemas.microsoft.com/office/powerpoint/2010/main" xmlns:p15="http://schemas.microsoft.com/office/powerpoint/2012/main" showMasterPhAnim="0" showMasterSp="0">
+<p:notes xmlns:a="http://schemas.openxmlformats.org/drawingml/2006/main" xmlns:r="http://schemas.openxmlformats.org/officeDocument/2006/relationships" xmlns:p="http://schemas.openxmlformats.org/presentationml/2006/main" showMasterSp="0" showMasterPhAnim="0">
   <p:cSld>
     <p:spTree>
       <p:nvGrpSpPr>
-        <p:cNvPr id="188" name="Shape 188"/>
+        <p:cNvPr id="1" name="Shape 188"/>
         <p:cNvGrpSpPr/>
         <p:nvPr/>
       </p:nvGrpSpPr>
@@ -844,20 +864,26 @@
       <p:sp>
         <p:nvSpPr>
           <p:cNvPr id="189" name="Google Shape;189;g4aece32f78_0_260:notes"/>
-          <p:cNvSpPr/>
+          <p:cNvSpPr>
+            <a:spLocks noGrp="1" noRot="1" noChangeAspect="1"/>
+          </p:cNvSpPr>
           <p:nvPr>
-            <p:ph idx="2" type="sldImg"/>
+            <p:ph type="sldImg" idx="2"/>
           </p:nvPr>
         </p:nvSpPr>
         <p:spPr>
           <a:xfrm>
-            <a:off x="381300" y="685800"/>
+            <a:off x="381000" y="685800"/>
             <a:ext cx="6096000" cy="3429000"/>
           </a:xfrm>
           <a:custGeom>
-            <a:rect b="b" l="l" r="r" t="t"/>
+            <a:avLst/>
+            <a:gdLst/>
+            <a:ahLst/>
+            <a:cxnLst/>
+            <a:rect l="l" t="t" r="r" b="b"/>
             <a:pathLst>
-              <a:path extrusionOk="0" h="120000" w="120000">
+              <a:path w="120000" h="120000" extrusionOk="0">
                 <a:moveTo>
                   <a:pt x="0" y="0"/>
                 </a:moveTo>
@@ -879,9 +905,11 @@
       <p:sp>
         <p:nvSpPr>
           <p:cNvPr id="190" name="Google Shape;190;g4aece32f78_0_260:notes"/>
-          <p:cNvSpPr txBox="1"/>
+          <p:cNvSpPr txBox="1">
+            <a:spLocks noGrp="1"/>
+          </p:cNvSpPr>
           <p:nvPr>
-            <p:ph idx="1" type="body"/>
+            <p:ph type="body" idx="1"/>
           </p:nvPr>
         </p:nvSpPr>
         <p:spPr>
@@ -894,12 +922,12 @@
           </a:prstGeom>
         </p:spPr>
         <p:txBody>
-          <a:bodyPr anchorCtr="0" anchor="t" bIns="91425" lIns="91425" spcFirstLastPara="1" rIns="91425" wrap="square" tIns="91425">
+          <a:bodyPr spcFirstLastPara="1" wrap="square" lIns="91425" tIns="91425" rIns="91425" bIns="91425" anchor="t" anchorCtr="0">
             <a:noAutofit/>
           </a:bodyPr>
           <a:lstStyle/>
           <a:p>
-            <a:pPr indent="0" lvl="0" marL="0" rtl="0" algn="l">
+            <a:pPr marL="0" lvl="0" indent="0" algn="l" rtl="0">
               <a:spcBef>
                 <a:spcPts val="0"/>
               </a:spcBef>
@@ -915,7 +943,7 @@
             <a:endParaRPr/>
           </a:p>
           <a:p>
-            <a:pPr indent="0" lvl="0" marL="0" rtl="0" algn="l">
+            <a:pPr marL="0" lvl="0" indent="0" algn="l" rtl="0">
               <a:spcBef>
                 <a:spcPts val="0"/>
               </a:spcBef>
@@ -924,13 +952,10 @@
               </a:spcAft>
               <a:buNone/>
             </a:pPr>
-            <a:r>
-              <a:t/>
-            </a:r>
             <a:endParaRPr/>
           </a:p>
           <a:p>
-            <a:pPr indent="0" lvl="0" marL="0" rtl="0" algn="l">
+            <a:pPr marL="0" lvl="0" indent="0" algn="l" rtl="0">
               <a:spcBef>
                 <a:spcPts val="0"/>
               </a:spcBef>
@@ -961,11 +986,11 @@
 </file>
 
 <file path=ppt/notesSlides/notesSlide2.xml><?xml version="1.0" encoding="utf-8"?>
-<p:notes xmlns:a="http://schemas.openxmlformats.org/drawingml/2006/main" xmlns:r="http://schemas.openxmlformats.org/officeDocument/2006/relationships" xmlns:mc="http://schemas.openxmlformats.org/markup-compatibility/2006" xmlns:mv="urn:schemas-microsoft-com:mac:vml" xmlns:p="http://schemas.openxmlformats.org/presentationml/2006/main" xmlns:c="http://schemas.openxmlformats.org/drawingml/2006/chart" xmlns:dgm="http://schemas.openxmlformats.org/drawingml/2006/diagram" xmlns:o="urn:schemas-microsoft-com:office:office" xmlns:v="urn:schemas-microsoft-com:vml" xmlns:pvml="urn:schemas-microsoft-com:office:powerpoint" xmlns:com="http://schemas.openxmlformats.org/drawingml/2006/compatibility" xmlns:p14="http://schemas.microsoft.com/office/powerpoint/2010/main" xmlns:p15="http://schemas.microsoft.com/office/powerpoint/2012/main" showMasterPhAnim="0" showMasterSp="0">
+<p:notes xmlns:a="http://schemas.openxmlformats.org/drawingml/2006/main" xmlns:r="http://schemas.openxmlformats.org/officeDocument/2006/relationships" xmlns:p="http://schemas.openxmlformats.org/presentationml/2006/main" showMasterSp="0" showMasterPhAnim="0">
   <p:cSld>
     <p:spTree>
       <p:nvGrpSpPr>
-        <p:cNvPr id="136" name="Shape 136"/>
+        <p:cNvPr id="1" name="Shape 136"/>
         <p:cNvGrpSpPr/>
         <p:nvPr/>
       </p:nvGrpSpPr>
@@ -980,20 +1005,26 @@
       <p:sp>
         <p:nvSpPr>
           <p:cNvPr id="137" name="Google Shape;137;g4aece32f78_0_63:notes"/>
-          <p:cNvSpPr/>
+          <p:cNvSpPr>
+            <a:spLocks noGrp="1" noRot="1" noChangeAspect="1"/>
+          </p:cNvSpPr>
           <p:nvPr>
-            <p:ph idx="2" type="sldImg"/>
+            <p:ph type="sldImg" idx="2"/>
           </p:nvPr>
         </p:nvSpPr>
         <p:spPr>
           <a:xfrm>
-            <a:off x="381300" y="685800"/>
+            <a:off x="381000" y="685800"/>
             <a:ext cx="6096000" cy="3429000"/>
           </a:xfrm>
           <a:custGeom>
-            <a:rect b="b" l="l" r="r" t="t"/>
+            <a:avLst/>
+            <a:gdLst/>
+            <a:ahLst/>
+            <a:cxnLst/>
+            <a:rect l="l" t="t" r="r" b="b"/>
             <a:pathLst>
-              <a:path extrusionOk="0" h="120000" w="120000">
+              <a:path w="120000" h="120000" extrusionOk="0">
                 <a:moveTo>
                   <a:pt x="0" y="0"/>
                 </a:moveTo>
@@ -1015,9 +1046,11 @@
       <p:sp>
         <p:nvSpPr>
           <p:cNvPr id="138" name="Google Shape;138;g4aece32f78_0_63:notes"/>
-          <p:cNvSpPr txBox="1"/>
+          <p:cNvSpPr txBox="1">
+            <a:spLocks noGrp="1"/>
+          </p:cNvSpPr>
           <p:nvPr>
-            <p:ph idx="1" type="body"/>
+            <p:ph type="body" idx="1"/>
           </p:nvPr>
         </p:nvSpPr>
         <p:spPr>
@@ -1030,12 +1063,12 @@
           </a:prstGeom>
         </p:spPr>
         <p:txBody>
-          <a:bodyPr anchorCtr="0" anchor="t" bIns="91425" lIns="91425" spcFirstLastPara="1" rIns="91425" wrap="square" tIns="91425">
+          <a:bodyPr spcFirstLastPara="1" wrap="square" lIns="91425" tIns="91425" rIns="91425" bIns="91425" anchor="t" anchorCtr="0">
             <a:noAutofit/>
           </a:bodyPr>
           <a:lstStyle/>
           <a:p>
-            <a:pPr indent="0" lvl="0" marL="0" rtl="0" algn="l">
+            <a:pPr marL="0" lvl="0" indent="0" algn="l" rtl="0">
               <a:spcBef>
                 <a:spcPts val="0"/>
               </a:spcBef>
@@ -1051,7 +1084,7 @@
             <a:endParaRPr/>
           </a:p>
           <a:p>
-            <a:pPr indent="0" lvl="0" marL="0" rtl="0" algn="l">
+            <a:pPr marL="0" lvl="0" indent="0" algn="l" rtl="0">
               <a:spcBef>
                 <a:spcPts val="0"/>
               </a:spcBef>
@@ -1060,13 +1093,10 @@
               </a:spcAft>
               <a:buNone/>
             </a:pPr>
-            <a:r>
-              <a:t/>
-            </a:r>
             <a:endParaRPr/>
           </a:p>
           <a:p>
-            <a:pPr indent="0" lvl="0" marL="0" rtl="0" algn="l">
+            <a:pPr marL="0" lvl="0" indent="0" algn="l" rtl="0">
               <a:spcBef>
                 <a:spcPts val="0"/>
               </a:spcBef>
@@ -1097,11 +1127,11 @@
 </file>
 
 <file path=ppt/notesSlides/notesSlide3.xml><?xml version="1.0" encoding="utf-8"?>
-<p:notes xmlns:a="http://schemas.openxmlformats.org/drawingml/2006/main" xmlns:r="http://schemas.openxmlformats.org/officeDocument/2006/relationships" xmlns:mc="http://schemas.openxmlformats.org/markup-compatibility/2006" xmlns:mv="urn:schemas-microsoft-com:mac:vml" xmlns:p="http://schemas.openxmlformats.org/presentationml/2006/main" xmlns:c="http://schemas.openxmlformats.org/drawingml/2006/chart" xmlns:dgm="http://schemas.openxmlformats.org/drawingml/2006/diagram" xmlns:o="urn:schemas-microsoft-com:office:office" xmlns:v="urn:schemas-microsoft-com:vml" xmlns:pvml="urn:schemas-microsoft-com:office:powerpoint" xmlns:com="http://schemas.openxmlformats.org/drawingml/2006/compatibility" xmlns:p14="http://schemas.microsoft.com/office/powerpoint/2010/main" xmlns:p15="http://schemas.microsoft.com/office/powerpoint/2012/main" showMasterPhAnim="0" showMasterSp="0">
+<p:notes xmlns:a="http://schemas.openxmlformats.org/drawingml/2006/main" xmlns:r="http://schemas.openxmlformats.org/officeDocument/2006/relationships" xmlns:p="http://schemas.openxmlformats.org/presentationml/2006/main" showMasterSp="0" showMasterPhAnim="0">
   <p:cSld>
     <p:spTree>
       <p:nvGrpSpPr>
-        <p:cNvPr id="142" name="Shape 142"/>
+        <p:cNvPr id="1" name="Shape 142"/>
         <p:cNvGrpSpPr/>
         <p:nvPr/>
       </p:nvGrpSpPr>
@@ -1116,20 +1146,26 @@
       <p:sp>
         <p:nvSpPr>
           <p:cNvPr id="143" name="Google Shape;143;g4aece32f78_0_68:notes"/>
-          <p:cNvSpPr/>
+          <p:cNvSpPr>
+            <a:spLocks noGrp="1" noRot="1" noChangeAspect="1"/>
+          </p:cNvSpPr>
           <p:nvPr>
-            <p:ph idx="2" type="sldImg"/>
+            <p:ph type="sldImg" idx="2"/>
           </p:nvPr>
         </p:nvSpPr>
         <p:spPr>
           <a:xfrm>
-            <a:off x="381300" y="685800"/>
+            <a:off x="381000" y="685800"/>
             <a:ext cx="6096000" cy="3429000"/>
           </a:xfrm>
           <a:custGeom>
-            <a:rect b="b" l="l" r="r" t="t"/>
+            <a:avLst/>
+            <a:gdLst/>
+            <a:ahLst/>
+            <a:cxnLst/>
+            <a:rect l="l" t="t" r="r" b="b"/>
             <a:pathLst>
-              <a:path extrusionOk="0" h="120000" w="120000">
+              <a:path w="120000" h="120000" extrusionOk="0">
                 <a:moveTo>
                   <a:pt x="0" y="0"/>
                 </a:moveTo>
@@ -1151,9 +1187,11 @@
       <p:sp>
         <p:nvSpPr>
           <p:cNvPr id="144" name="Google Shape;144;g4aece32f78_0_68:notes"/>
-          <p:cNvSpPr txBox="1"/>
+          <p:cNvSpPr txBox="1">
+            <a:spLocks noGrp="1"/>
+          </p:cNvSpPr>
           <p:nvPr>
-            <p:ph idx="1" type="body"/>
+            <p:ph type="body" idx="1"/>
           </p:nvPr>
         </p:nvSpPr>
         <p:spPr>
@@ -1166,12 +1204,12 @@
           </a:prstGeom>
         </p:spPr>
         <p:txBody>
-          <a:bodyPr anchorCtr="0" anchor="t" bIns="91425" lIns="91425" spcFirstLastPara="1" rIns="91425" wrap="square" tIns="91425">
+          <a:bodyPr spcFirstLastPara="1" wrap="square" lIns="91425" tIns="91425" rIns="91425" bIns="91425" anchor="t" anchorCtr="0">
             <a:noAutofit/>
           </a:bodyPr>
           <a:lstStyle/>
           <a:p>
-            <a:pPr indent="0" lvl="0" marL="0" rtl="0" algn="l">
+            <a:pPr marL="0" lvl="0" indent="0" algn="l" rtl="0">
               <a:spcBef>
                 <a:spcPts val="0"/>
               </a:spcBef>
@@ -1187,7 +1225,7 @@
             <a:endParaRPr/>
           </a:p>
           <a:p>
-            <a:pPr indent="0" lvl="0" marL="0" rtl="0" algn="l">
+            <a:pPr marL="0" lvl="0" indent="0" algn="l" rtl="0">
               <a:spcBef>
                 <a:spcPts val="0"/>
               </a:spcBef>
@@ -1196,13 +1234,10 @@
               </a:spcAft>
               <a:buNone/>
             </a:pPr>
-            <a:r>
-              <a:t/>
-            </a:r>
             <a:endParaRPr/>
           </a:p>
           <a:p>
-            <a:pPr indent="0" lvl="0" marL="0" rtl="0" algn="l">
+            <a:pPr marL="0" lvl="0" indent="0" algn="l" rtl="0">
               <a:spcBef>
                 <a:spcPts val="0"/>
               </a:spcBef>
@@ -1218,7 +1253,7 @@
             <a:endParaRPr/>
           </a:p>
           <a:p>
-            <a:pPr indent="0" lvl="0" marL="0" rtl="0" algn="l">
+            <a:pPr marL="0" lvl="0" indent="0" algn="l" rtl="0">
               <a:spcBef>
                 <a:spcPts val="0"/>
               </a:spcBef>
@@ -1234,7 +1269,7 @@
             <a:endParaRPr/>
           </a:p>
           <a:p>
-            <a:pPr indent="0" lvl="0" marL="0" rtl="0" algn="l">
+            <a:pPr marL="0" lvl="0" indent="0" algn="l" rtl="0">
               <a:spcBef>
                 <a:spcPts val="0"/>
               </a:spcBef>
@@ -1250,7 +1285,7 @@
             <a:endParaRPr/>
           </a:p>
           <a:p>
-            <a:pPr indent="0" lvl="0" marL="0" rtl="0" algn="l">
+            <a:pPr marL="0" lvl="0" indent="0" algn="l" rtl="0">
               <a:spcBef>
                 <a:spcPts val="0"/>
               </a:spcBef>
@@ -1259,13 +1294,10 @@
               </a:spcAft>
               <a:buNone/>
             </a:pPr>
-            <a:r>
-              <a:t/>
-            </a:r>
             <a:endParaRPr/>
           </a:p>
           <a:p>
-            <a:pPr indent="0" lvl="0" marL="0" rtl="0" algn="l">
+            <a:pPr marL="0" lvl="0" indent="0" algn="l" rtl="0">
               <a:spcBef>
                 <a:spcPts val="0"/>
               </a:spcBef>
@@ -1296,11 +1328,11 @@
 </file>
 
 <file path=ppt/notesSlides/notesSlide4.xml><?xml version="1.0" encoding="utf-8"?>
-<p:notes xmlns:a="http://schemas.openxmlformats.org/drawingml/2006/main" xmlns:r="http://schemas.openxmlformats.org/officeDocument/2006/relationships" xmlns:mc="http://schemas.openxmlformats.org/markup-compatibility/2006" xmlns:mv="urn:schemas-microsoft-com:mac:vml" xmlns:p="http://schemas.openxmlformats.org/presentationml/2006/main" xmlns:c="http://schemas.openxmlformats.org/drawingml/2006/chart" xmlns:dgm="http://schemas.openxmlformats.org/drawingml/2006/diagram" xmlns:o="urn:schemas-microsoft-com:office:office" xmlns:v="urn:schemas-microsoft-com:vml" xmlns:pvml="urn:schemas-microsoft-com:office:powerpoint" xmlns:com="http://schemas.openxmlformats.org/drawingml/2006/compatibility" xmlns:p14="http://schemas.microsoft.com/office/powerpoint/2010/main" xmlns:p15="http://schemas.microsoft.com/office/powerpoint/2012/main" showMasterPhAnim="0" showMasterSp="0">
+<p:notes xmlns:a="http://schemas.openxmlformats.org/drawingml/2006/main" xmlns:r="http://schemas.openxmlformats.org/officeDocument/2006/relationships" xmlns:p="http://schemas.openxmlformats.org/presentationml/2006/main" showMasterSp="0" showMasterPhAnim="0">
   <p:cSld>
     <p:spTree>
       <p:nvGrpSpPr>
-        <p:cNvPr id="149" name="Shape 149"/>
+        <p:cNvPr id="1" name="Shape 149"/>
         <p:cNvGrpSpPr/>
         <p:nvPr/>
       </p:nvGrpSpPr>
@@ -1315,20 +1347,26 @@
       <p:sp>
         <p:nvSpPr>
           <p:cNvPr id="150" name="Google Shape;150;g4aece32f78_0_73:notes"/>
-          <p:cNvSpPr/>
+          <p:cNvSpPr>
+            <a:spLocks noGrp="1" noRot="1" noChangeAspect="1"/>
+          </p:cNvSpPr>
           <p:nvPr>
-            <p:ph idx="2" type="sldImg"/>
+            <p:ph type="sldImg" idx="2"/>
           </p:nvPr>
         </p:nvSpPr>
         <p:spPr>
           <a:xfrm>
-            <a:off x="381300" y="685800"/>
+            <a:off x="381000" y="685800"/>
             <a:ext cx="6096000" cy="3429000"/>
           </a:xfrm>
           <a:custGeom>
-            <a:rect b="b" l="l" r="r" t="t"/>
+            <a:avLst/>
+            <a:gdLst/>
+            <a:ahLst/>
+            <a:cxnLst/>
+            <a:rect l="l" t="t" r="r" b="b"/>
             <a:pathLst>
-              <a:path extrusionOk="0" h="120000" w="120000">
+              <a:path w="120000" h="120000" extrusionOk="0">
                 <a:moveTo>
                   <a:pt x="0" y="0"/>
                 </a:moveTo>
@@ -1350,9 +1388,11 @@
       <p:sp>
         <p:nvSpPr>
           <p:cNvPr id="151" name="Google Shape;151;g4aece32f78_0_73:notes"/>
-          <p:cNvSpPr txBox="1"/>
+          <p:cNvSpPr txBox="1">
+            <a:spLocks noGrp="1"/>
+          </p:cNvSpPr>
           <p:nvPr>
-            <p:ph idx="1" type="body"/>
+            <p:ph type="body" idx="1"/>
           </p:nvPr>
         </p:nvSpPr>
         <p:spPr>
@@ -1365,12 +1405,12 @@
           </a:prstGeom>
         </p:spPr>
         <p:txBody>
-          <a:bodyPr anchorCtr="0" anchor="t" bIns="91425" lIns="91425" spcFirstLastPara="1" rIns="91425" wrap="square" tIns="91425">
+          <a:bodyPr spcFirstLastPara="1" wrap="square" lIns="91425" tIns="91425" rIns="91425" bIns="91425" anchor="t" anchorCtr="0">
             <a:noAutofit/>
           </a:bodyPr>
           <a:lstStyle/>
           <a:p>
-            <a:pPr indent="0" lvl="0" marL="0" rtl="0" algn="l">
+            <a:pPr marL="0" lvl="0" indent="0" algn="l" rtl="0">
               <a:spcBef>
                 <a:spcPts val="0"/>
               </a:spcBef>
@@ -1401,11 +1441,11 @@
 </file>
 
 <file path=ppt/notesSlides/notesSlide5.xml><?xml version="1.0" encoding="utf-8"?>
-<p:notes xmlns:a="http://schemas.openxmlformats.org/drawingml/2006/main" xmlns:r="http://schemas.openxmlformats.org/officeDocument/2006/relationships" xmlns:mc="http://schemas.openxmlformats.org/markup-compatibility/2006" xmlns:mv="urn:schemas-microsoft-com:mac:vml" xmlns:p="http://schemas.openxmlformats.org/presentationml/2006/main" xmlns:c="http://schemas.openxmlformats.org/drawingml/2006/chart" xmlns:dgm="http://schemas.openxmlformats.org/drawingml/2006/diagram" xmlns:o="urn:schemas-microsoft-com:office:office" xmlns:v="urn:schemas-microsoft-com:vml" xmlns:pvml="urn:schemas-microsoft-com:office:powerpoint" xmlns:com="http://schemas.openxmlformats.org/drawingml/2006/compatibility" xmlns:p14="http://schemas.microsoft.com/office/powerpoint/2010/main" xmlns:p15="http://schemas.microsoft.com/office/powerpoint/2012/main" showMasterPhAnim="0" showMasterSp="0">
+<p:notes xmlns:a="http://schemas.openxmlformats.org/drawingml/2006/main" xmlns:r="http://schemas.openxmlformats.org/officeDocument/2006/relationships" xmlns:p="http://schemas.openxmlformats.org/presentationml/2006/main" showMasterSp="0" showMasterPhAnim="0">
   <p:cSld>
     <p:spTree>
       <p:nvGrpSpPr>
-        <p:cNvPr id="155" name="Shape 155"/>
+        <p:cNvPr id="1" name="Shape 155"/>
         <p:cNvGrpSpPr/>
         <p:nvPr/>
       </p:nvGrpSpPr>
@@ -1420,20 +1460,26 @@
       <p:sp>
         <p:nvSpPr>
           <p:cNvPr id="156" name="Google Shape;156;g4aef2229ac_1_2:notes"/>
-          <p:cNvSpPr/>
+          <p:cNvSpPr>
+            <a:spLocks noGrp="1" noRot="1" noChangeAspect="1"/>
+          </p:cNvSpPr>
           <p:nvPr>
-            <p:ph idx="2" type="sldImg"/>
+            <p:ph type="sldImg" idx="2"/>
           </p:nvPr>
         </p:nvSpPr>
         <p:spPr>
           <a:xfrm>
-            <a:off x="381300" y="685800"/>
+            <a:off x="381000" y="685800"/>
             <a:ext cx="6096000" cy="3429000"/>
           </a:xfrm>
           <a:custGeom>
-            <a:rect b="b" l="l" r="r" t="t"/>
+            <a:avLst/>
+            <a:gdLst/>
+            <a:ahLst/>
+            <a:cxnLst/>
+            <a:rect l="l" t="t" r="r" b="b"/>
             <a:pathLst>
-              <a:path extrusionOk="0" h="120000" w="120000">
+              <a:path w="120000" h="120000" extrusionOk="0">
                 <a:moveTo>
                   <a:pt x="0" y="0"/>
                 </a:moveTo>
@@ -1455,9 +1501,11 @@
       <p:sp>
         <p:nvSpPr>
           <p:cNvPr id="157" name="Google Shape;157;g4aef2229ac_1_2:notes"/>
-          <p:cNvSpPr txBox="1"/>
+          <p:cNvSpPr txBox="1">
+            <a:spLocks noGrp="1"/>
+          </p:cNvSpPr>
           <p:nvPr>
-            <p:ph idx="1" type="body"/>
+            <p:ph type="body" idx="1"/>
           </p:nvPr>
         </p:nvSpPr>
         <p:spPr>
@@ -1470,12 +1518,12 @@
           </a:prstGeom>
         </p:spPr>
         <p:txBody>
-          <a:bodyPr anchorCtr="0" anchor="t" bIns="91425" lIns="91425" spcFirstLastPara="1" rIns="91425" wrap="square" tIns="91425">
+          <a:bodyPr spcFirstLastPara="1" wrap="square" lIns="91425" tIns="91425" rIns="91425" bIns="91425" anchor="t" anchorCtr="0">
             <a:noAutofit/>
           </a:bodyPr>
           <a:lstStyle/>
           <a:p>
-            <a:pPr indent="0" lvl="0" marL="0" rtl="0" algn="l">
+            <a:pPr marL="0" lvl="0" indent="0" algn="l" rtl="0">
               <a:spcBef>
                 <a:spcPts val="0"/>
               </a:spcBef>
@@ -1506,11 +1554,11 @@
 </file>
 
 <file path=ppt/notesSlides/notesSlide6.xml><?xml version="1.0" encoding="utf-8"?>
-<p:notes xmlns:a="http://schemas.openxmlformats.org/drawingml/2006/main" xmlns:r="http://schemas.openxmlformats.org/officeDocument/2006/relationships" xmlns:mc="http://schemas.openxmlformats.org/markup-compatibility/2006" xmlns:mv="urn:schemas-microsoft-com:mac:vml" xmlns:p="http://schemas.openxmlformats.org/presentationml/2006/main" xmlns:c="http://schemas.openxmlformats.org/drawingml/2006/chart" xmlns:dgm="http://schemas.openxmlformats.org/drawingml/2006/diagram" xmlns:o="urn:schemas-microsoft-com:office:office" xmlns:v="urn:schemas-microsoft-com:vml" xmlns:pvml="urn:schemas-microsoft-com:office:powerpoint" xmlns:com="http://schemas.openxmlformats.org/drawingml/2006/compatibility" xmlns:p14="http://schemas.microsoft.com/office/powerpoint/2010/main" xmlns:p15="http://schemas.microsoft.com/office/powerpoint/2012/main" showMasterPhAnim="0" showMasterSp="0">
+<p:notes xmlns:a="http://schemas.openxmlformats.org/drawingml/2006/main" xmlns:r="http://schemas.openxmlformats.org/officeDocument/2006/relationships" xmlns:p="http://schemas.openxmlformats.org/presentationml/2006/main" showMasterSp="0" showMasterPhAnim="0">
   <p:cSld>
     <p:spTree>
       <p:nvGrpSpPr>
-        <p:cNvPr id="161" name="Shape 161"/>
+        <p:cNvPr id="1" name="Shape 161"/>
         <p:cNvGrpSpPr/>
         <p:nvPr/>
       </p:nvGrpSpPr>
@@ -1525,20 +1573,26 @@
       <p:sp>
         <p:nvSpPr>
           <p:cNvPr id="162" name="Google Shape;162;g4aef2229ac_4_1:notes"/>
-          <p:cNvSpPr/>
+          <p:cNvSpPr>
+            <a:spLocks noGrp="1" noRot="1" noChangeAspect="1"/>
+          </p:cNvSpPr>
           <p:nvPr>
-            <p:ph idx="2" type="sldImg"/>
+            <p:ph type="sldImg" idx="2"/>
           </p:nvPr>
         </p:nvSpPr>
         <p:spPr>
           <a:xfrm>
-            <a:off x="381300" y="685800"/>
+            <a:off x="381000" y="685800"/>
             <a:ext cx="6096000" cy="3429000"/>
           </a:xfrm>
           <a:custGeom>
-            <a:rect b="b" l="l" r="r" t="t"/>
+            <a:avLst/>
+            <a:gdLst/>
+            <a:ahLst/>
+            <a:cxnLst/>
+            <a:rect l="l" t="t" r="r" b="b"/>
             <a:pathLst>
-              <a:path extrusionOk="0" h="120000" w="120000">
+              <a:path w="120000" h="120000" extrusionOk="0">
                 <a:moveTo>
                   <a:pt x="0" y="0"/>
                 </a:moveTo>
@@ -1560,9 +1614,11 @@
       <p:sp>
         <p:nvSpPr>
           <p:cNvPr id="163" name="Google Shape;163;g4aef2229ac_4_1:notes"/>
-          <p:cNvSpPr txBox="1"/>
+          <p:cNvSpPr txBox="1">
+            <a:spLocks noGrp="1"/>
+          </p:cNvSpPr>
           <p:nvPr>
-            <p:ph idx="1" type="body"/>
+            <p:ph type="body" idx="1"/>
           </p:nvPr>
         </p:nvSpPr>
         <p:spPr>
@@ -1575,12 +1631,12 @@
           </a:prstGeom>
         </p:spPr>
         <p:txBody>
-          <a:bodyPr anchorCtr="0" anchor="t" bIns="91425" lIns="91425" spcFirstLastPara="1" rIns="91425" wrap="square" tIns="91425">
+          <a:bodyPr spcFirstLastPara="1" wrap="square" lIns="91425" tIns="91425" rIns="91425" bIns="91425" anchor="t" anchorCtr="0">
             <a:noAutofit/>
           </a:bodyPr>
           <a:lstStyle/>
           <a:p>
-            <a:pPr indent="0" lvl="0" marL="0" rtl="0" algn="l">
+            <a:pPr marL="0" lvl="0" indent="0" algn="l" rtl="0">
               <a:spcBef>
                 <a:spcPts val="0"/>
               </a:spcBef>
@@ -1611,11 +1667,11 @@
 </file>
 
 <file path=ppt/notesSlides/notesSlide7.xml><?xml version="1.0" encoding="utf-8"?>
-<p:notes xmlns:a="http://schemas.openxmlformats.org/drawingml/2006/main" xmlns:r="http://schemas.openxmlformats.org/officeDocument/2006/relationships" xmlns:mc="http://schemas.openxmlformats.org/markup-compatibility/2006" xmlns:mv="urn:schemas-microsoft-com:mac:vml" xmlns:p="http://schemas.openxmlformats.org/presentationml/2006/main" xmlns:c="http://schemas.openxmlformats.org/drawingml/2006/chart" xmlns:dgm="http://schemas.openxmlformats.org/drawingml/2006/diagram" xmlns:o="urn:schemas-microsoft-com:office:office" xmlns:v="urn:schemas-microsoft-com:vml" xmlns:pvml="urn:schemas-microsoft-com:office:powerpoint" xmlns:com="http://schemas.openxmlformats.org/drawingml/2006/compatibility" xmlns:p14="http://schemas.microsoft.com/office/powerpoint/2010/main" xmlns:p15="http://schemas.microsoft.com/office/powerpoint/2012/main" showMasterPhAnim="0" showMasterSp="0">
+<p:notes xmlns:a="http://schemas.openxmlformats.org/drawingml/2006/main" xmlns:r="http://schemas.openxmlformats.org/officeDocument/2006/relationships" xmlns:p="http://schemas.openxmlformats.org/presentationml/2006/main" showMasterSp="0" showMasterPhAnim="0">
   <p:cSld>
     <p:spTree>
       <p:nvGrpSpPr>
-        <p:cNvPr id="167" name="Shape 167"/>
+        <p:cNvPr id="1" name="Shape 167"/>
         <p:cNvGrpSpPr/>
         <p:nvPr/>
       </p:nvGrpSpPr>
@@ -1630,20 +1686,26 @@
       <p:sp>
         <p:nvSpPr>
           <p:cNvPr id="168" name="Google Shape;168;g4aece32f78_0_78:notes"/>
-          <p:cNvSpPr/>
+          <p:cNvSpPr>
+            <a:spLocks noGrp="1" noRot="1" noChangeAspect="1"/>
+          </p:cNvSpPr>
           <p:nvPr>
-            <p:ph idx="2" type="sldImg"/>
+            <p:ph type="sldImg" idx="2"/>
           </p:nvPr>
         </p:nvSpPr>
         <p:spPr>
           <a:xfrm>
-            <a:off x="381300" y="685800"/>
+            <a:off x="381000" y="685800"/>
             <a:ext cx="6096000" cy="3429000"/>
           </a:xfrm>
           <a:custGeom>
-            <a:rect b="b" l="l" r="r" t="t"/>
+            <a:avLst/>
+            <a:gdLst/>
+            <a:ahLst/>
+            <a:cxnLst/>
+            <a:rect l="l" t="t" r="r" b="b"/>
             <a:pathLst>
-              <a:path extrusionOk="0" h="120000" w="120000">
+              <a:path w="120000" h="120000" extrusionOk="0">
                 <a:moveTo>
                   <a:pt x="0" y="0"/>
                 </a:moveTo>
@@ -1665,9 +1727,11 @@
       <p:sp>
         <p:nvSpPr>
           <p:cNvPr id="169" name="Google Shape;169;g4aece32f78_0_78:notes"/>
-          <p:cNvSpPr txBox="1"/>
+          <p:cNvSpPr txBox="1">
+            <a:spLocks noGrp="1"/>
+          </p:cNvSpPr>
           <p:nvPr>
-            <p:ph idx="1" type="body"/>
+            <p:ph type="body" idx="1"/>
           </p:nvPr>
         </p:nvSpPr>
         <p:spPr>
@@ -1680,12 +1744,12 @@
           </a:prstGeom>
         </p:spPr>
         <p:txBody>
-          <a:bodyPr anchorCtr="0" anchor="t" bIns="91425" lIns="91425" spcFirstLastPara="1" rIns="91425" wrap="square" tIns="91425">
+          <a:bodyPr spcFirstLastPara="1" wrap="square" lIns="91425" tIns="91425" rIns="91425" bIns="91425" anchor="t" anchorCtr="0">
             <a:noAutofit/>
           </a:bodyPr>
           <a:lstStyle/>
           <a:p>
-            <a:pPr indent="0" lvl="0" marL="0" rtl="0" algn="l">
+            <a:pPr marL="0" lvl="0" indent="0" algn="l" rtl="0">
               <a:spcBef>
                 <a:spcPts val="0"/>
               </a:spcBef>
@@ -1706,7 +1770,7 @@
             <a:endParaRPr/>
           </a:p>
           <a:p>
-            <a:pPr indent="0" lvl="0" marL="0" rtl="0" algn="l">
+            <a:pPr marL="0" lvl="0" indent="0" algn="l" rtl="0">
               <a:spcBef>
                 <a:spcPts val="0"/>
               </a:spcBef>
@@ -1715,13 +1779,10 @@
               </a:spcAft>
               <a:buNone/>
             </a:pPr>
-            <a:r>
-              <a:t/>
-            </a:r>
             <a:endParaRPr/>
           </a:p>
           <a:p>
-            <a:pPr indent="0" lvl="0" marL="0" rtl="0" algn="l">
+            <a:pPr marL="0" lvl="0" indent="0" algn="l" rtl="0">
               <a:spcBef>
                 <a:spcPts val="0"/>
               </a:spcBef>
@@ -1737,7 +1798,7 @@
             <a:endParaRPr/>
           </a:p>
           <a:p>
-            <a:pPr indent="0" lvl="0" marL="0" rtl="0" algn="l">
+            <a:pPr marL="0" lvl="0" indent="0" algn="l" rtl="0">
               <a:spcBef>
                 <a:spcPts val="0"/>
               </a:spcBef>
@@ -1753,7 +1814,7 @@
             <a:endParaRPr/>
           </a:p>
           <a:p>
-            <a:pPr indent="0" lvl="0" marL="0" rtl="0" algn="l">
+            <a:pPr marL="0" lvl="0" indent="0" algn="l" rtl="0">
               <a:spcBef>
                 <a:spcPts val="0"/>
               </a:spcBef>
@@ -1769,7 +1830,7 @@
             <a:endParaRPr/>
           </a:p>
           <a:p>
-            <a:pPr indent="0" lvl="0" marL="0" rtl="0" algn="l">
+            <a:pPr marL="0" lvl="0" indent="0" algn="l" rtl="0">
               <a:spcBef>
                 <a:spcPts val="0"/>
               </a:spcBef>
@@ -1785,7 +1846,7 @@
             <a:endParaRPr/>
           </a:p>
           <a:p>
-            <a:pPr indent="0" lvl="0" marL="0" rtl="0" algn="l">
+            <a:pPr marL="0" lvl="0" indent="0" algn="l" rtl="0">
               <a:spcBef>
                 <a:spcPts val="0"/>
               </a:spcBef>
@@ -1794,13 +1855,10 @@
               </a:spcAft>
               <a:buNone/>
             </a:pPr>
-            <a:r>
-              <a:t/>
-            </a:r>
             <a:endParaRPr/>
           </a:p>
           <a:p>
-            <a:pPr indent="0" lvl="0" marL="0" rtl="0" algn="l">
+            <a:pPr marL="0" lvl="0" indent="0" algn="l" rtl="0">
               <a:spcBef>
                 <a:spcPts val="0"/>
               </a:spcBef>
@@ -1816,7 +1874,7 @@
             <a:endParaRPr/>
           </a:p>
           <a:p>
-            <a:pPr indent="0" lvl="0" marL="0" rtl="0" algn="l">
+            <a:pPr marL="0" lvl="0" indent="0" algn="l" rtl="0">
               <a:spcBef>
                 <a:spcPts val="0"/>
               </a:spcBef>
@@ -1832,7 +1890,7 @@
             <a:endParaRPr/>
           </a:p>
           <a:p>
-            <a:pPr indent="0" lvl="0" marL="0" rtl="0" algn="l">
+            <a:pPr marL="0" lvl="0" indent="0" algn="l" rtl="0">
               <a:spcBef>
                 <a:spcPts val="0"/>
               </a:spcBef>
@@ -1858,11 +1916,11 @@
 </file>
 
 <file path=ppt/notesSlides/notesSlide8.xml><?xml version="1.0" encoding="utf-8"?>
-<p:notes xmlns:a="http://schemas.openxmlformats.org/drawingml/2006/main" xmlns:r="http://schemas.openxmlformats.org/officeDocument/2006/relationships" xmlns:mc="http://schemas.openxmlformats.org/markup-compatibility/2006" xmlns:mv="urn:schemas-microsoft-com:mac:vml" xmlns:p="http://schemas.openxmlformats.org/presentationml/2006/main" xmlns:c="http://schemas.openxmlformats.org/drawingml/2006/chart" xmlns:dgm="http://schemas.openxmlformats.org/drawingml/2006/diagram" xmlns:o="urn:schemas-microsoft-com:office:office" xmlns:v="urn:schemas-microsoft-com:vml" xmlns:pvml="urn:schemas-microsoft-com:office:powerpoint" xmlns:com="http://schemas.openxmlformats.org/drawingml/2006/compatibility" xmlns:p14="http://schemas.microsoft.com/office/powerpoint/2010/main" xmlns:p15="http://schemas.microsoft.com/office/powerpoint/2012/main" showMasterPhAnim="0" showMasterSp="0">
+<p:notes xmlns:a="http://schemas.openxmlformats.org/drawingml/2006/main" xmlns:r="http://schemas.openxmlformats.org/officeDocument/2006/relationships" xmlns:p="http://schemas.openxmlformats.org/presentationml/2006/main" showMasterSp="0" showMasterPhAnim="0">
   <p:cSld>
     <p:spTree>
       <p:nvGrpSpPr>
-        <p:cNvPr id="174" name="Shape 174"/>
+        <p:cNvPr id="1" name="Shape 174"/>
         <p:cNvGrpSpPr/>
         <p:nvPr/>
       </p:nvGrpSpPr>
@@ -1877,20 +1935,26 @@
       <p:sp>
         <p:nvSpPr>
           <p:cNvPr id="175" name="Google Shape;175;g4aef2229ac_4_12:notes"/>
-          <p:cNvSpPr/>
+          <p:cNvSpPr>
+            <a:spLocks noGrp="1" noRot="1" noChangeAspect="1"/>
+          </p:cNvSpPr>
           <p:nvPr>
-            <p:ph idx="2" type="sldImg"/>
+            <p:ph type="sldImg" idx="2"/>
           </p:nvPr>
         </p:nvSpPr>
         <p:spPr>
           <a:xfrm>
-            <a:off x="381300" y="685800"/>
+            <a:off x="381000" y="685800"/>
             <a:ext cx="6096000" cy="3429000"/>
           </a:xfrm>
           <a:custGeom>
-            <a:rect b="b" l="l" r="r" t="t"/>
+            <a:avLst/>
+            <a:gdLst/>
+            <a:ahLst/>
+            <a:cxnLst/>
+            <a:rect l="l" t="t" r="r" b="b"/>
             <a:pathLst>
-              <a:path extrusionOk="0" h="120000" w="120000">
+              <a:path w="120000" h="120000" extrusionOk="0">
                 <a:moveTo>
                   <a:pt x="0" y="0"/>
                 </a:moveTo>
@@ -1912,9 +1976,11 @@
       <p:sp>
         <p:nvSpPr>
           <p:cNvPr id="176" name="Google Shape;176;g4aef2229ac_4_12:notes"/>
-          <p:cNvSpPr txBox="1"/>
+          <p:cNvSpPr txBox="1">
+            <a:spLocks noGrp="1"/>
+          </p:cNvSpPr>
           <p:nvPr>
-            <p:ph idx="1" type="body"/>
+            <p:ph type="body" idx="1"/>
           </p:nvPr>
         </p:nvSpPr>
         <p:spPr>
@@ -1927,12 +1993,12 @@
           </a:prstGeom>
         </p:spPr>
         <p:txBody>
-          <a:bodyPr anchorCtr="0" anchor="t" bIns="91425" lIns="91425" spcFirstLastPara="1" rIns="91425" wrap="square" tIns="91425">
+          <a:bodyPr spcFirstLastPara="1" wrap="square" lIns="91425" tIns="91425" rIns="91425" bIns="91425" anchor="t" anchorCtr="0">
             <a:noAutofit/>
           </a:bodyPr>
           <a:lstStyle/>
           <a:p>
-            <a:pPr indent="0" lvl="0" marL="0" rtl="0" algn="l">
+            <a:pPr marL="0" lvl="0" indent="0" algn="l" rtl="0">
               <a:spcBef>
                 <a:spcPts val="0"/>
               </a:spcBef>
@@ -1953,7 +2019,7 @@
             <a:endParaRPr/>
           </a:p>
           <a:p>
-            <a:pPr indent="0" lvl="0" marL="0" rtl="0" algn="l">
+            <a:pPr marL="0" lvl="0" indent="0" algn="l" rtl="0">
               <a:spcBef>
                 <a:spcPts val="0"/>
               </a:spcBef>
@@ -1962,13 +2028,10 @@
               </a:spcAft>
               <a:buNone/>
             </a:pPr>
-            <a:r>
-              <a:t/>
-            </a:r>
             <a:endParaRPr/>
           </a:p>
           <a:p>
-            <a:pPr indent="0" lvl="0" marL="0" rtl="0" algn="l">
+            <a:pPr marL="0" lvl="0" indent="0" algn="l" rtl="0">
               <a:spcBef>
                 <a:spcPts val="0"/>
               </a:spcBef>
@@ -1984,7 +2047,7 @@
             <a:endParaRPr/>
           </a:p>
           <a:p>
-            <a:pPr indent="0" lvl="0" marL="0" rtl="0" algn="l">
+            <a:pPr marL="0" lvl="0" indent="0" algn="l" rtl="0">
               <a:spcBef>
                 <a:spcPts val="0"/>
               </a:spcBef>
@@ -1993,13 +2056,10 @@
               </a:spcAft>
               <a:buNone/>
             </a:pPr>
-            <a:r>
-              <a:t/>
-            </a:r>
             <a:endParaRPr/>
           </a:p>
           <a:p>
-            <a:pPr indent="0" lvl="0" marL="0" rtl="0" algn="l">
+            <a:pPr marL="0" lvl="0" indent="0" algn="l" rtl="0">
               <a:spcBef>
                 <a:spcPts val="0"/>
               </a:spcBef>
@@ -2015,7 +2075,7 @@
             <a:endParaRPr/>
           </a:p>
           <a:p>
-            <a:pPr indent="0" lvl="0" marL="0" rtl="0" algn="l">
+            <a:pPr marL="0" lvl="0" indent="0" algn="l" rtl="0">
               <a:spcBef>
                 <a:spcPts val="0"/>
               </a:spcBef>
@@ -2031,7 +2091,7 @@
             <a:endParaRPr/>
           </a:p>
           <a:p>
-            <a:pPr indent="0" lvl="0" marL="0" rtl="0" algn="l">
+            <a:pPr marL="0" lvl="0" indent="0" algn="l" rtl="0">
               <a:spcBef>
                 <a:spcPts val="0"/>
               </a:spcBef>
@@ -2057,11 +2117,11 @@
 </file>
 
 <file path=ppt/notesSlides/notesSlide9.xml><?xml version="1.0" encoding="utf-8"?>
-<p:notes xmlns:a="http://schemas.openxmlformats.org/drawingml/2006/main" xmlns:r="http://schemas.openxmlformats.org/officeDocument/2006/relationships" xmlns:mc="http://schemas.openxmlformats.org/markup-compatibility/2006" xmlns:mv="urn:schemas-microsoft-com:mac:vml" xmlns:p="http://schemas.openxmlformats.org/presentationml/2006/main" xmlns:c="http://schemas.openxmlformats.org/drawingml/2006/chart" xmlns:dgm="http://schemas.openxmlformats.org/drawingml/2006/diagram" xmlns:o="urn:schemas-microsoft-com:office:office" xmlns:v="urn:schemas-microsoft-com:vml" xmlns:pvml="urn:schemas-microsoft-com:office:powerpoint" xmlns:com="http://schemas.openxmlformats.org/drawingml/2006/compatibility" xmlns:p14="http://schemas.microsoft.com/office/powerpoint/2010/main" xmlns:p15="http://schemas.microsoft.com/office/powerpoint/2012/main" showMasterPhAnim="0" showMasterSp="0">
+<p:notes xmlns:a="http://schemas.openxmlformats.org/drawingml/2006/main" xmlns:r="http://schemas.openxmlformats.org/officeDocument/2006/relationships" xmlns:p="http://schemas.openxmlformats.org/presentationml/2006/main" showMasterSp="0" showMasterPhAnim="0">
   <p:cSld>
     <p:spTree>
       <p:nvGrpSpPr>
-        <p:cNvPr id="181" name="Shape 181"/>
+        <p:cNvPr id="1" name="Shape 181"/>
         <p:cNvGrpSpPr/>
         <p:nvPr/>
       </p:nvGrpSpPr>
@@ -2076,20 +2136,26 @@
       <p:sp>
         <p:nvSpPr>
           <p:cNvPr id="182" name="Google Shape;182;g4aece32f78_0_84:notes"/>
-          <p:cNvSpPr/>
+          <p:cNvSpPr>
+            <a:spLocks noGrp="1" noRot="1" noChangeAspect="1"/>
+          </p:cNvSpPr>
           <p:nvPr>
-            <p:ph idx="2" type="sldImg"/>
+            <p:ph type="sldImg" idx="2"/>
           </p:nvPr>
         </p:nvSpPr>
         <p:spPr>
           <a:xfrm>
-            <a:off x="381300" y="685800"/>
+            <a:off x="381000" y="685800"/>
             <a:ext cx="6096000" cy="3429000"/>
           </a:xfrm>
           <a:custGeom>
-            <a:rect b="b" l="l" r="r" t="t"/>
+            <a:avLst/>
+            <a:gdLst/>
+            <a:ahLst/>
+            <a:cxnLst/>
+            <a:rect l="l" t="t" r="r" b="b"/>
             <a:pathLst>
-              <a:path extrusionOk="0" h="120000" w="120000">
+              <a:path w="120000" h="120000" extrusionOk="0">
                 <a:moveTo>
                   <a:pt x="0" y="0"/>
                 </a:moveTo>
@@ -2111,9 +2177,11 @@
       <p:sp>
         <p:nvSpPr>
           <p:cNvPr id="183" name="Google Shape;183;g4aece32f78_0_84:notes"/>
-          <p:cNvSpPr txBox="1"/>
+          <p:cNvSpPr txBox="1">
+            <a:spLocks noGrp="1"/>
+          </p:cNvSpPr>
           <p:nvPr>
-            <p:ph idx="1" type="body"/>
+            <p:ph type="body" idx="1"/>
           </p:nvPr>
         </p:nvSpPr>
         <p:spPr>
@@ -2126,12 +2194,12 @@
           </a:prstGeom>
         </p:spPr>
         <p:txBody>
-          <a:bodyPr anchorCtr="0" anchor="t" bIns="91425" lIns="91425" spcFirstLastPara="1" rIns="91425" wrap="square" tIns="91425">
+          <a:bodyPr spcFirstLastPara="1" wrap="square" lIns="91425" tIns="91425" rIns="91425" bIns="91425" anchor="t" anchorCtr="0">
             <a:noAutofit/>
           </a:bodyPr>
           <a:lstStyle/>
           <a:p>
-            <a:pPr indent="0" lvl="0" marL="0" rtl="0" algn="l">
+            <a:pPr marL="0" lvl="0" indent="0" algn="l" rtl="0">
               <a:spcBef>
                 <a:spcPts val="0"/>
               </a:spcBef>
@@ -2152,7 +2220,7 @@
             <a:endParaRPr/>
           </a:p>
           <a:p>
-            <a:pPr indent="0" lvl="0" marL="0" rtl="0" algn="l">
+            <a:pPr marL="0" lvl="0" indent="0" algn="l" rtl="0">
               <a:spcBef>
                 <a:spcPts val="0"/>
               </a:spcBef>
@@ -2161,13 +2229,10 @@
               </a:spcAft>
               <a:buNone/>
             </a:pPr>
-            <a:r>
-              <a:t/>
-            </a:r>
             <a:endParaRPr/>
           </a:p>
           <a:p>
-            <a:pPr indent="0" lvl="0" marL="0" rtl="0" algn="l">
+            <a:pPr marL="0" lvl="0" indent="0" algn="l" rtl="0">
               <a:spcBef>
                 <a:spcPts val="0"/>
               </a:spcBef>
@@ -2183,7 +2248,7 @@
             <a:endParaRPr/>
           </a:p>
           <a:p>
-            <a:pPr indent="0" lvl="0" marL="0" rtl="0" algn="l">
+            <a:pPr marL="0" lvl="0" indent="0" algn="l" rtl="0">
               <a:spcBef>
                 <a:spcPts val="0"/>
               </a:spcBef>
@@ -2199,7 +2264,7 @@
             <a:endParaRPr/>
           </a:p>
           <a:p>
-            <a:pPr indent="0" lvl="0" marL="0" rtl="0" algn="l">
+            <a:pPr marL="0" lvl="0" indent="0" algn="l" rtl="0">
               <a:spcBef>
                 <a:spcPts val="0"/>
               </a:spcBef>
@@ -2208,13 +2273,10 @@
               </a:spcAft>
               <a:buNone/>
             </a:pPr>
-            <a:r>
-              <a:t/>
-            </a:r>
             <a:endParaRPr/>
           </a:p>
           <a:p>
-            <a:pPr indent="0" lvl="0" marL="0" rtl="0" algn="l">
+            <a:pPr marL="0" lvl="0" indent="0" algn="l" rtl="0">
               <a:spcBef>
                 <a:spcPts val="0"/>
               </a:spcBef>
@@ -2230,7 +2292,7 @@
             <a:endParaRPr/>
           </a:p>
           <a:p>
-            <a:pPr indent="0" lvl="0" marL="0" rtl="0" algn="l">
+            <a:pPr marL="0" lvl="0" indent="0" algn="l" rtl="0">
               <a:spcBef>
                 <a:spcPts val="0"/>
               </a:spcBef>
@@ -2256,11 +2318,11 @@
 </file>
 
 <file path=ppt/slideLayouts/slideLayout1.xml><?xml version="1.0" encoding="utf-8"?>
-<p:sldLayout xmlns:a="http://schemas.openxmlformats.org/drawingml/2006/main" xmlns:r="http://schemas.openxmlformats.org/officeDocument/2006/relationships" xmlns:mc="http://schemas.openxmlformats.org/markup-compatibility/2006" xmlns:mv="urn:schemas-microsoft-com:mac:vml" xmlns:p="http://schemas.openxmlformats.org/presentationml/2006/main" xmlns:c="http://schemas.openxmlformats.org/drawingml/2006/chart" xmlns:dgm="http://schemas.openxmlformats.org/drawingml/2006/diagram" xmlns:o="urn:schemas-microsoft-com:office:office" xmlns:v="urn:schemas-microsoft-com:vml" xmlns:pvml="urn:schemas-microsoft-com:office:powerpoint" xmlns:com="http://schemas.openxmlformats.org/drawingml/2006/compatibility" xmlns:p14="http://schemas.microsoft.com/office/powerpoint/2010/main" xmlns:p15="http://schemas.microsoft.com/office/powerpoint/2012/main" matchingName="Title slide" type="title">
+<p:sldLayout xmlns:a="http://schemas.openxmlformats.org/drawingml/2006/main" xmlns:r="http://schemas.openxmlformats.org/officeDocument/2006/relationships" xmlns:p="http://schemas.openxmlformats.org/presentationml/2006/main" matchingName="Title slide" type="title">
   <p:cSld name="TITLE">
     <p:spTree>
       <p:nvGrpSpPr>
-        <p:cNvPr id="9" name="Shape 9"/>
+        <p:cNvPr id="1" name="Shape 9"/>
         <p:cNvGrpSpPr/>
         <p:nvPr/>
       </p:nvGrpSpPr>
@@ -2285,7 +2347,7 @@
           </a:xfrm>
           <a:prstGeom prst="diagStripe">
             <a:avLst>
-              <a:gd fmla="val 0" name="adj"/>
+              <a:gd name="adj" fmla="val 0"/>
             </a:avLst>
           </a:prstGeom>
           <a:solidFill>
@@ -2298,12 +2360,12 @@
           </a:ln>
         </p:spPr>
         <p:txBody>
-          <a:bodyPr anchorCtr="0" anchor="ctr" bIns="91425" lIns="91425" spcFirstLastPara="1" rIns="91425" wrap="square" tIns="91425">
+          <a:bodyPr spcFirstLastPara="1" wrap="square" lIns="91425" tIns="91425" rIns="91425" bIns="91425" anchor="ctr" anchorCtr="0">
             <a:noAutofit/>
           </a:bodyPr>
           <a:lstStyle/>
           <a:p>
-            <a:pPr indent="0" lvl="0" marL="0" rtl="0" algn="l">
+            <a:pPr marL="0" lvl="0" indent="0" algn="l" rtl="0">
               <a:spcBef>
                 <a:spcPts val="0"/>
               </a:spcBef>
@@ -2312,9 +2374,6 @@
               </a:spcAft>
               <a:buNone/>
             </a:pPr>
-            <a:r>
-              <a:t/>
-            </a:r>
             <a:endParaRPr/>
           </a:p>
         </p:txBody>
@@ -2346,7 +2405,7 @@
             </a:xfrm>
             <a:prstGeom prst="diagStripe">
               <a:avLst>
-                <a:gd fmla="val 50000" name="adj"/>
+                <a:gd name="adj" fmla="val 50000"/>
               </a:avLst>
             </a:prstGeom>
             <a:solidFill>
@@ -2359,12 +2418,12 @@
             </a:ln>
           </p:spPr>
           <p:txBody>
-            <a:bodyPr anchorCtr="0" anchor="ctr" bIns="91425" lIns="91425" spcFirstLastPara="1" rIns="91425" wrap="square" tIns="91425">
+            <a:bodyPr spcFirstLastPara="1" wrap="square" lIns="91425" tIns="91425" rIns="91425" bIns="91425" anchor="ctr" anchorCtr="0">
               <a:noAutofit/>
             </a:bodyPr>
             <a:lstStyle/>
             <a:p>
-              <a:pPr indent="0" lvl="0" marL="0" rtl="0" algn="l">
+              <a:pPr marL="0" lvl="0" indent="0" algn="l" rtl="0">
                 <a:spcBef>
                   <a:spcPts val="0"/>
                 </a:spcBef>
@@ -2373,9 +2432,6 @@
                 </a:spcAft>
                 <a:buNone/>
               </a:pPr>
-              <a:r>
-                <a:t/>
-              </a:r>
               <a:endParaRPr/>
             </a:p>
           </p:txBody>
@@ -2393,7 +2449,7 @@
             </a:xfrm>
             <a:prstGeom prst="diagStripe">
               <a:avLst>
-                <a:gd fmla="val 58774" name="adj"/>
+                <a:gd name="adj" fmla="val 58774"/>
               </a:avLst>
             </a:prstGeom>
             <a:solidFill>
@@ -2406,12 +2462,12 @@
             </a:ln>
           </p:spPr>
           <p:txBody>
-            <a:bodyPr anchorCtr="0" anchor="ctr" bIns="91425" lIns="91425" spcFirstLastPara="1" rIns="91425" wrap="square" tIns="91425">
+            <a:bodyPr spcFirstLastPara="1" wrap="square" lIns="91425" tIns="91425" rIns="91425" bIns="91425" anchor="ctr" anchorCtr="0">
               <a:noAutofit/>
             </a:bodyPr>
             <a:lstStyle/>
             <a:p>
-              <a:pPr indent="0" lvl="0" marL="0" rtl="0" algn="l">
+              <a:pPr marL="0" lvl="0" indent="0" algn="l" rtl="0">
                 <a:spcBef>
                   <a:spcPts val="0"/>
                 </a:spcBef>
@@ -2420,9 +2476,6 @@
                 </a:spcAft>
                 <a:buNone/>
               </a:pPr>
-              <a:r>
-                <a:t/>
-              </a:r>
               <a:endParaRPr/>
             </a:p>
           </p:txBody>
@@ -2440,7 +2493,7 @@
             </a:xfrm>
             <a:prstGeom prst="diagStripe">
               <a:avLst>
-                <a:gd fmla="val 50000" name="adj"/>
+                <a:gd name="adj" fmla="val 50000"/>
               </a:avLst>
             </a:prstGeom>
             <a:solidFill>
@@ -2451,12 +2504,12 @@
             </a:ln>
           </p:spPr>
           <p:txBody>
-            <a:bodyPr anchorCtr="0" anchor="ctr" bIns="91425" lIns="91425" spcFirstLastPara="1" rIns="91425" wrap="square" tIns="91425">
+            <a:bodyPr spcFirstLastPara="1" wrap="square" lIns="91425" tIns="91425" rIns="91425" bIns="91425" anchor="ctr" anchorCtr="0">
               <a:noAutofit/>
             </a:bodyPr>
             <a:lstStyle/>
             <a:p>
-              <a:pPr indent="0" lvl="0" marL="0" rtl="0" algn="l">
+              <a:pPr marL="0" lvl="0" indent="0" algn="l" rtl="0">
                 <a:spcBef>
                   <a:spcPts val="0"/>
                 </a:spcBef>
@@ -2465,9 +2518,6 @@
                 </a:spcAft>
                 <a:buNone/>
               </a:pPr>
-              <a:r>
-                <a:t/>
-              </a:r>
               <a:endParaRPr/>
             </a:p>
           </p:txBody>
@@ -2485,7 +2535,7 @@
             </a:xfrm>
             <a:prstGeom prst="diagStripe">
               <a:avLst>
-                <a:gd fmla="val 50000" name="adj"/>
+                <a:gd name="adj" fmla="val 50000"/>
               </a:avLst>
             </a:prstGeom>
             <a:solidFill>
@@ -2496,12 +2546,12 @@
             </a:ln>
           </p:spPr>
           <p:txBody>
-            <a:bodyPr anchorCtr="0" anchor="ctr" bIns="91425" lIns="91425" spcFirstLastPara="1" rIns="91425" wrap="square" tIns="91425">
+            <a:bodyPr spcFirstLastPara="1" wrap="square" lIns="91425" tIns="91425" rIns="91425" bIns="91425" anchor="ctr" anchorCtr="0">
               <a:noAutofit/>
             </a:bodyPr>
             <a:lstStyle/>
             <a:p>
-              <a:pPr indent="0" lvl="0" marL="0" rtl="0" algn="l">
+              <a:pPr marL="0" lvl="0" indent="0" algn="l" rtl="0">
                 <a:spcBef>
                   <a:spcPts val="0"/>
                 </a:spcBef>
@@ -2510,9 +2560,6 @@
                 </a:spcAft>
                 <a:buNone/>
               </a:pPr>
-              <a:r>
-                <a:t/>
-              </a:r>
               <a:endParaRPr/>
             </a:p>
           </p:txBody>
@@ -2521,7 +2568,9 @@
       <p:sp>
         <p:nvSpPr>
           <p:cNvPr id="16" name="Google Shape;16;p2"/>
-          <p:cNvSpPr txBox="1"/>
+          <p:cNvSpPr txBox="1">
+            <a:spLocks noGrp="1"/>
+          </p:cNvSpPr>
           <p:nvPr>
             <p:ph type="ctrTitle"/>
           </p:nvPr>
@@ -2536,7 +2585,7 @@
           </a:prstGeom>
         </p:spPr>
         <p:txBody>
-          <a:bodyPr anchorCtr="0" anchor="t" bIns="91425" lIns="91425" spcFirstLastPara="1" rIns="91425" wrap="square" tIns="91425"/>
+          <a:bodyPr spcFirstLastPara="1" wrap="square" lIns="91425" tIns="91425" rIns="91425" bIns="91425" anchor="t" anchorCtr="0"/>
           <a:lstStyle>
             <a:lvl1pPr lvl="0">
               <a:spcBef>
@@ -2638,15 +2687,19 @@
               <a:defRPr sz="4000"/>
             </a:lvl9pPr>
           </a:lstStyle>
-          <a:p/>
+          <a:p>
+            <a:endParaRPr/>
+          </a:p>
         </p:txBody>
       </p:sp>
       <p:sp>
         <p:nvSpPr>
           <p:cNvPr id="17" name="Google Shape;17;p2"/>
-          <p:cNvSpPr txBox="1"/>
+          <p:cNvSpPr txBox="1">
+            <a:spLocks noGrp="1"/>
+          </p:cNvSpPr>
           <p:nvPr>
-            <p:ph idx="1" type="subTitle"/>
+            <p:ph type="subTitle" idx="1"/>
           </p:nvPr>
         </p:nvSpPr>
         <p:spPr>
@@ -2659,7 +2712,7 @@
           </a:prstGeom>
         </p:spPr>
         <p:txBody>
-          <a:bodyPr anchorCtr="0" anchor="t" bIns="91425" lIns="91425" spcFirstLastPara="1" rIns="91425" wrap="square" tIns="91425"/>
+          <a:bodyPr spcFirstLastPara="1" wrap="square" lIns="91425" tIns="91425" rIns="91425" bIns="91425" anchor="t" anchorCtr="0"/>
           <a:lstStyle>
             <a:lvl1pPr lvl="0">
               <a:lnSpc>
@@ -2788,15 +2841,19 @@
               <a:defRPr sz="1300"/>
             </a:lvl9pPr>
           </a:lstStyle>
-          <a:p/>
+          <a:p>
+            <a:endParaRPr/>
+          </a:p>
         </p:txBody>
       </p:sp>
       <p:sp>
         <p:nvSpPr>
           <p:cNvPr id="18" name="Google Shape;18;p2"/>
-          <p:cNvSpPr txBox="1"/>
+          <p:cNvSpPr txBox="1">
+            <a:spLocks noGrp="1"/>
+          </p:cNvSpPr>
           <p:nvPr>
-            <p:ph idx="12" type="sldNum"/>
+            <p:ph type="sldNum" idx="12"/>
           </p:nvPr>
         </p:nvSpPr>
         <p:spPr>
@@ -2809,7 +2866,7 @@
           </a:prstGeom>
         </p:spPr>
         <p:txBody>
-          <a:bodyPr anchorCtr="0" anchor="ctr" bIns="91425" lIns="91425" spcFirstLastPara="1" rIns="91425" wrap="square" tIns="91425">
+          <a:bodyPr spcFirstLastPara="1" wrap="square" lIns="91425" tIns="91425" rIns="91425" bIns="91425" anchor="ctr" anchorCtr="0">
             <a:noAutofit/>
           </a:bodyPr>
           <a:lstStyle>
@@ -2851,7 +2908,7 @@
             </a:lvl9pPr>
           </a:lstStyle>
           <a:p>
-            <a:pPr indent="0" lvl="0" marL="0" rtl="0" algn="r">
+            <a:pPr marL="0" lvl="0" indent="0" algn="r" rtl="0">
               <a:spcBef>
                 <a:spcPts val="0"/>
               </a:spcBef>
@@ -2862,7 +2919,7 @@
             </a:pPr>
             <a:fld id="{00000000-1234-1234-1234-123412341234}" type="slidenum">
               <a:rPr lang="nl"/>
-              <a:t>‹#›</a:t>
+              <a:t>‹nr.›</a:t>
             </a:fld>
             <a:endParaRPr/>
           </a:p>
@@ -2877,11 +2934,11 @@
 </file>
 
 <file path=ppt/slideLayouts/slideLayout10.xml><?xml version="1.0" encoding="utf-8"?>
-<p:sldLayout xmlns:a="http://schemas.openxmlformats.org/drawingml/2006/main" xmlns:r="http://schemas.openxmlformats.org/officeDocument/2006/relationships" xmlns:mc="http://schemas.openxmlformats.org/markup-compatibility/2006" xmlns:mv="urn:schemas-microsoft-com:mac:vml" xmlns:p="http://schemas.openxmlformats.org/presentationml/2006/main" xmlns:c="http://schemas.openxmlformats.org/drawingml/2006/chart" xmlns:dgm="http://schemas.openxmlformats.org/drawingml/2006/diagram" xmlns:o="urn:schemas-microsoft-com:office:office" xmlns:v="urn:schemas-microsoft-com:vml" xmlns:pvml="urn:schemas-microsoft-com:office:powerpoint" xmlns:com="http://schemas.openxmlformats.org/drawingml/2006/compatibility" xmlns:p14="http://schemas.microsoft.com/office/powerpoint/2010/main" xmlns:p15="http://schemas.microsoft.com/office/powerpoint/2012/main" matchingName="Big number">
+<p:sldLayout xmlns:a="http://schemas.openxmlformats.org/drawingml/2006/main" xmlns:r="http://schemas.openxmlformats.org/officeDocument/2006/relationships" xmlns:p="http://schemas.openxmlformats.org/presentationml/2006/main" matchingName="Big number">
   <p:cSld name="BIG_NUMBER">
     <p:spTree>
       <p:nvGrpSpPr>
-        <p:cNvPr id="105" name="Shape 105"/>
+        <p:cNvPr id="1" name="Shape 105"/>
         <p:cNvGrpSpPr/>
         <p:nvPr/>
       </p:nvGrpSpPr>
@@ -2920,7 +2977,7 @@
             </a:xfrm>
             <a:prstGeom prst="diagStripe">
               <a:avLst>
-                <a:gd fmla="val 49469" name="adj"/>
+                <a:gd name="adj" fmla="val 49469"/>
               </a:avLst>
             </a:prstGeom>
             <a:solidFill>
@@ -2933,12 +2990,12 @@
             </a:ln>
           </p:spPr>
           <p:txBody>
-            <a:bodyPr anchorCtr="0" anchor="ctr" bIns="91425" lIns="91425" spcFirstLastPara="1" rIns="91425" wrap="square" tIns="91425">
+            <a:bodyPr spcFirstLastPara="1" wrap="square" lIns="91425" tIns="91425" rIns="91425" bIns="91425" anchor="ctr" anchorCtr="0">
               <a:noAutofit/>
             </a:bodyPr>
             <a:lstStyle/>
             <a:p>
-              <a:pPr indent="0" lvl="0" marL="0" rtl="0" algn="l">
+              <a:pPr marL="0" lvl="0" indent="0" algn="l" rtl="0">
                 <a:spcBef>
                   <a:spcPts val="0"/>
                 </a:spcBef>
@@ -2947,9 +3004,6 @@
                 </a:spcAft>
                 <a:buNone/>
               </a:pPr>
-              <a:r>
-                <a:t/>
-              </a:r>
               <a:endParaRPr/>
             </a:p>
           </p:txBody>
@@ -2967,7 +3021,7 @@
             </a:xfrm>
             <a:prstGeom prst="diagStripe">
               <a:avLst>
-                <a:gd fmla="val 0" name="adj"/>
+                <a:gd name="adj" fmla="val 0"/>
               </a:avLst>
             </a:prstGeom>
             <a:solidFill>
@@ -2980,12 +3034,12 @@
             </a:ln>
           </p:spPr>
           <p:txBody>
-            <a:bodyPr anchorCtr="0" anchor="ctr" bIns="91425" lIns="91425" spcFirstLastPara="1" rIns="91425" wrap="square" tIns="91425">
+            <a:bodyPr spcFirstLastPara="1" wrap="square" lIns="91425" tIns="91425" rIns="91425" bIns="91425" anchor="ctr" anchorCtr="0">
               <a:noAutofit/>
             </a:bodyPr>
             <a:lstStyle/>
             <a:p>
-              <a:pPr indent="0" lvl="0" marL="0" rtl="0" algn="l">
+              <a:pPr marL="0" lvl="0" indent="0" algn="l" rtl="0">
                 <a:spcBef>
                   <a:spcPts val="0"/>
                 </a:spcBef>
@@ -2994,9 +3048,6 @@
                 </a:spcAft>
                 <a:buNone/>
               </a:pPr>
-              <a:r>
-                <a:t/>
-              </a:r>
               <a:endParaRPr/>
             </a:p>
           </p:txBody>
@@ -3014,7 +3065,7 @@
             </a:xfrm>
             <a:prstGeom prst="diagStripe">
               <a:avLst>
-                <a:gd fmla="val 50000" name="adj"/>
+                <a:gd name="adj" fmla="val 50000"/>
               </a:avLst>
             </a:prstGeom>
             <a:solidFill>
@@ -3027,12 +3078,12 @@
             </a:ln>
           </p:spPr>
           <p:txBody>
-            <a:bodyPr anchorCtr="0" anchor="ctr" bIns="91425" lIns="91425" spcFirstLastPara="1" rIns="91425" wrap="square" tIns="91425">
+            <a:bodyPr spcFirstLastPara="1" wrap="square" lIns="91425" tIns="91425" rIns="91425" bIns="91425" anchor="ctr" anchorCtr="0">
               <a:noAutofit/>
             </a:bodyPr>
             <a:lstStyle/>
             <a:p>
-              <a:pPr indent="0" lvl="0" marL="0" rtl="0" algn="l">
+              <a:pPr marL="0" lvl="0" indent="0" algn="l" rtl="0">
                 <a:spcBef>
                   <a:spcPts val="0"/>
                 </a:spcBef>
@@ -3041,9 +3092,6 @@
                 </a:spcAft>
                 <a:buNone/>
               </a:pPr>
-              <a:r>
-                <a:t/>
-              </a:r>
               <a:endParaRPr/>
             </a:p>
           </p:txBody>
@@ -3061,7 +3109,7 @@
             </a:xfrm>
             <a:prstGeom prst="diagStripe">
               <a:avLst>
-                <a:gd fmla="val 50000" name="adj"/>
+                <a:gd name="adj" fmla="val 50000"/>
               </a:avLst>
             </a:prstGeom>
             <a:solidFill>
@@ -3074,12 +3122,12 @@
             </a:ln>
           </p:spPr>
           <p:txBody>
-            <a:bodyPr anchorCtr="0" anchor="ctr" bIns="91425" lIns="91425" spcFirstLastPara="1" rIns="91425" wrap="square" tIns="91425">
+            <a:bodyPr spcFirstLastPara="1" wrap="square" lIns="91425" tIns="91425" rIns="91425" bIns="91425" anchor="ctr" anchorCtr="0">
               <a:noAutofit/>
             </a:bodyPr>
             <a:lstStyle/>
             <a:p>
-              <a:pPr indent="0" lvl="0" marL="0" rtl="0" algn="l">
+              <a:pPr marL="0" lvl="0" indent="0" algn="l" rtl="0">
                 <a:spcBef>
                   <a:spcPts val="0"/>
                 </a:spcBef>
@@ -3088,9 +3136,6 @@
                 </a:spcAft>
                 <a:buNone/>
               </a:pPr>
-              <a:r>
-                <a:t/>
-              </a:r>
               <a:endParaRPr/>
             </a:p>
           </p:txBody>
@@ -3108,7 +3153,7 @@
             </a:xfrm>
             <a:prstGeom prst="diagStripe">
               <a:avLst>
-                <a:gd fmla="val 50000" name="adj"/>
+                <a:gd name="adj" fmla="val 50000"/>
               </a:avLst>
             </a:prstGeom>
             <a:solidFill>
@@ -3121,12 +3166,12 @@
             </a:ln>
           </p:spPr>
           <p:txBody>
-            <a:bodyPr anchorCtr="0" anchor="ctr" bIns="91425" lIns="91425" spcFirstLastPara="1" rIns="91425" wrap="square" tIns="91425">
+            <a:bodyPr spcFirstLastPara="1" wrap="square" lIns="91425" tIns="91425" rIns="91425" bIns="91425" anchor="ctr" anchorCtr="0">
               <a:noAutofit/>
             </a:bodyPr>
             <a:lstStyle/>
             <a:p>
-              <a:pPr indent="0" lvl="0" marL="0" rtl="0" algn="l">
+              <a:pPr marL="0" lvl="0" indent="0" algn="l" rtl="0">
                 <a:spcBef>
                   <a:spcPts val="0"/>
                 </a:spcBef>
@@ -3135,9 +3180,6 @@
                 </a:spcAft>
                 <a:buNone/>
               </a:pPr>
-              <a:r>
-                <a:t/>
-              </a:r>
               <a:endParaRPr/>
             </a:p>
           </p:txBody>
@@ -3155,7 +3197,7 @@
             </a:xfrm>
             <a:prstGeom prst="diagStripe">
               <a:avLst>
-                <a:gd fmla="val 50000" name="adj"/>
+                <a:gd name="adj" fmla="val 50000"/>
               </a:avLst>
             </a:prstGeom>
             <a:solidFill>
@@ -3168,12 +3210,12 @@
             </a:ln>
           </p:spPr>
           <p:txBody>
-            <a:bodyPr anchorCtr="0" anchor="ctr" bIns="91425" lIns="91425" spcFirstLastPara="1" rIns="91425" wrap="square" tIns="91425">
+            <a:bodyPr spcFirstLastPara="1" wrap="square" lIns="91425" tIns="91425" rIns="91425" bIns="91425" anchor="ctr" anchorCtr="0">
               <a:noAutofit/>
             </a:bodyPr>
             <a:lstStyle/>
             <a:p>
-              <a:pPr indent="0" lvl="0" marL="0" rtl="0" algn="l">
+              <a:pPr marL="0" lvl="0" indent="0" algn="l" rtl="0">
                 <a:spcBef>
                   <a:spcPts val="0"/>
                 </a:spcBef>
@@ -3182,9 +3224,6 @@
                 </a:spcAft>
                 <a:buNone/>
               </a:pPr>
-              <a:r>
-                <a:t/>
-              </a:r>
               <a:endParaRPr/>
             </a:p>
           </p:txBody>
@@ -3202,7 +3241,7 @@
             </a:xfrm>
             <a:prstGeom prst="diagStripe">
               <a:avLst>
-                <a:gd fmla="val 50000" name="adj"/>
+                <a:gd name="adj" fmla="val 50000"/>
               </a:avLst>
             </a:prstGeom>
             <a:solidFill>
@@ -3215,12 +3254,12 @@
             </a:ln>
           </p:spPr>
           <p:txBody>
-            <a:bodyPr anchorCtr="0" anchor="ctr" bIns="91425" lIns="91425" spcFirstLastPara="1" rIns="91425" wrap="square" tIns="91425">
+            <a:bodyPr spcFirstLastPara="1" wrap="square" lIns="91425" tIns="91425" rIns="91425" bIns="91425" anchor="ctr" anchorCtr="0">
               <a:noAutofit/>
             </a:bodyPr>
             <a:lstStyle/>
             <a:p>
-              <a:pPr indent="0" lvl="0" marL="0" rtl="0" algn="l">
+              <a:pPr marL="0" lvl="0" indent="0" algn="l" rtl="0">
                 <a:spcBef>
                   <a:spcPts val="0"/>
                 </a:spcBef>
@@ -3229,9 +3268,6 @@
                 </a:spcAft>
                 <a:buNone/>
               </a:pPr>
-              <a:r>
-                <a:t/>
-              </a:r>
               <a:endParaRPr/>
             </a:p>
           </p:txBody>
@@ -3249,7 +3285,7 @@
             </a:xfrm>
             <a:prstGeom prst="diagStripe">
               <a:avLst>
-                <a:gd fmla="val 50000" name="adj"/>
+                <a:gd name="adj" fmla="val 50000"/>
               </a:avLst>
             </a:prstGeom>
             <a:solidFill>
@@ -3260,12 +3296,12 @@
             </a:ln>
           </p:spPr>
           <p:txBody>
-            <a:bodyPr anchorCtr="0" anchor="ctr" bIns="91425" lIns="91425" spcFirstLastPara="1" rIns="91425" wrap="square" tIns="91425">
+            <a:bodyPr spcFirstLastPara="1" wrap="square" lIns="91425" tIns="91425" rIns="91425" bIns="91425" anchor="ctr" anchorCtr="0">
               <a:noAutofit/>
             </a:bodyPr>
             <a:lstStyle/>
             <a:p>
-              <a:pPr indent="0" lvl="0" marL="0" rtl="0" algn="l">
+              <a:pPr marL="0" lvl="0" indent="0" algn="l" rtl="0">
                 <a:spcBef>
                   <a:spcPts val="0"/>
                 </a:spcBef>
@@ -3274,9 +3310,6 @@
                 </a:spcAft>
                 <a:buNone/>
               </a:pPr>
-              <a:r>
-                <a:t/>
-              </a:r>
               <a:endParaRPr/>
             </a:p>
           </p:txBody>
@@ -3294,7 +3327,7 @@
             </a:xfrm>
             <a:prstGeom prst="diagStripe">
               <a:avLst>
-                <a:gd fmla="val 50000" name="adj"/>
+                <a:gd name="adj" fmla="val 50000"/>
               </a:avLst>
             </a:prstGeom>
             <a:solidFill>
@@ -3307,12 +3340,12 @@
             </a:ln>
           </p:spPr>
           <p:txBody>
-            <a:bodyPr anchorCtr="0" anchor="ctr" bIns="91425" lIns="91425" spcFirstLastPara="1" rIns="91425" wrap="square" tIns="91425">
+            <a:bodyPr spcFirstLastPara="1" wrap="square" lIns="91425" tIns="91425" rIns="91425" bIns="91425" anchor="ctr" anchorCtr="0">
               <a:noAutofit/>
             </a:bodyPr>
             <a:lstStyle/>
             <a:p>
-              <a:pPr indent="0" lvl="0" marL="0" rtl="0" algn="l">
+              <a:pPr marL="0" lvl="0" indent="0" algn="l" rtl="0">
                 <a:spcBef>
                   <a:spcPts val="0"/>
                 </a:spcBef>
@@ -3321,9 +3354,6 @@
                 </a:spcAft>
                 <a:buNone/>
               </a:pPr>
-              <a:r>
-                <a:t/>
-              </a:r>
               <a:endParaRPr/>
             </a:p>
           </p:txBody>
@@ -3341,7 +3371,7 @@
             </a:xfrm>
             <a:prstGeom prst="diagStripe">
               <a:avLst>
-                <a:gd fmla="val 50000" name="adj"/>
+                <a:gd name="adj" fmla="val 50000"/>
               </a:avLst>
             </a:prstGeom>
             <a:solidFill>
@@ -3354,12 +3384,12 @@
             </a:ln>
           </p:spPr>
           <p:txBody>
-            <a:bodyPr anchorCtr="0" anchor="ctr" bIns="91425" lIns="91425" spcFirstLastPara="1" rIns="91425" wrap="square" tIns="91425">
+            <a:bodyPr spcFirstLastPara="1" wrap="square" lIns="91425" tIns="91425" rIns="91425" bIns="91425" anchor="ctr" anchorCtr="0">
               <a:noAutofit/>
             </a:bodyPr>
             <a:lstStyle/>
             <a:p>
-              <a:pPr indent="0" lvl="0" marL="0" rtl="0" algn="l">
+              <a:pPr marL="0" lvl="0" indent="0" algn="l" rtl="0">
                 <a:spcBef>
                   <a:spcPts val="0"/>
                 </a:spcBef>
@@ -3368,9 +3398,6 @@
                 </a:spcAft>
                 <a:buNone/>
               </a:pPr>
-              <a:r>
-                <a:t/>
-              </a:r>
               <a:endParaRPr/>
             </a:p>
           </p:txBody>
@@ -3388,7 +3415,7 @@
             </a:xfrm>
             <a:prstGeom prst="diagStripe">
               <a:avLst>
-                <a:gd fmla="val 50000" name="adj"/>
+                <a:gd name="adj" fmla="val 50000"/>
               </a:avLst>
             </a:prstGeom>
             <a:solidFill>
@@ -3401,12 +3428,12 @@
             </a:ln>
           </p:spPr>
           <p:txBody>
-            <a:bodyPr anchorCtr="0" anchor="ctr" bIns="91425" lIns="91425" spcFirstLastPara="1" rIns="91425" wrap="square" tIns="91425">
+            <a:bodyPr spcFirstLastPara="1" wrap="square" lIns="91425" tIns="91425" rIns="91425" bIns="91425" anchor="ctr" anchorCtr="0">
               <a:noAutofit/>
             </a:bodyPr>
             <a:lstStyle/>
             <a:p>
-              <a:pPr indent="0" lvl="0" marL="0" rtl="0" algn="l">
+              <a:pPr marL="0" lvl="0" indent="0" algn="l" rtl="0">
                 <a:spcBef>
                   <a:spcPts val="0"/>
                 </a:spcBef>
@@ -3415,9 +3442,6 @@
                 </a:spcAft>
                 <a:buNone/>
               </a:pPr>
-              <a:r>
-                <a:t/>
-              </a:r>
               <a:endParaRPr/>
             </a:p>
           </p:txBody>
@@ -3435,7 +3459,7 @@
             </a:xfrm>
             <a:prstGeom prst="diagStripe">
               <a:avLst>
-                <a:gd fmla="val 50000" name="adj"/>
+                <a:gd name="adj" fmla="val 50000"/>
               </a:avLst>
             </a:prstGeom>
             <a:solidFill>
@@ -3448,12 +3472,12 @@
             </a:ln>
           </p:spPr>
           <p:txBody>
-            <a:bodyPr anchorCtr="0" anchor="ctr" bIns="91425" lIns="91425" spcFirstLastPara="1" rIns="91425" wrap="square" tIns="91425">
+            <a:bodyPr spcFirstLastPara="1" wrap="square" lIns="91425" tIns="91425" rIns="91425" bIns="91425" anchor="ctr" anchorCtr="0">
               <a:noAutofit/>
             </a:bodyPr>
             <a:lstStyle/>
             <a:p>
-              <a:pPr indent="0" lvl="0" marL="0" rtl="0" algn="l">
+              <a:pPr marL="0" lvl="0" indent="0" algn="l" rtl="0">
                 <a:spcBef>
                   <a:spcPts val="0"/>
                 </a:spcBef>
@@ -3462,9 +3486,6 @@
                 </a:spcAft>
                 <a:buNone/>
               </a:pPr>
-              <a:r>
-                <a:t/>
-              </a:r>
               <a:endParaRPr/>
             </a:p>
           </p:txBody>
@@ -3482,7 +3503,7 @@
             </a:xfrm>
             <a:prstGeom prst="diagStripe">
               <a:avLst>
-                <a:gd fmla="val 50000" name="adj"/>
+                <a:gd name="adj" fmla="val 50000"/>
               </a:avLst>
             </a:prstGeom>
             <a:solidFill>
@@ -3495,12 +3516,12 @@
             </a:ln>
           </p:spPr>
           <p:txBody>
-            <a:bodyPr anchorCtr="0" anchor="ctr" bIns="91425" lIns="91425" spcFirstLastPara="1" rIns="91425" wrap="square" tIns="91425">
+            <a:bodyPr spcFirstLastPara="1" wrap="square" lIns="91425" tIns="91425" rIns="91425" bIns="91425" anchor="ctr" anchorCtr="0">
               <a:noAutofit/>
             </a:bodyPr>
             <a:lstStyle/>
             <a:p>
-              <a:pPr indent="0" lvl="0" marL="0" rtl="0" algn="l">
+              <a:pPr marL="0" lvl="0" indent="0" algn="l" rtl="0">
                 <a:spcBef>
                   <a:spcPts val="0"/>
                 </a:spcBef>
@@ -3509,9 +3530,6 @@
                 </a:spcAft>
                 <a:buNone/>
               </a:pPr>
-              <a:r>
-                <a:t/>
-              </a:r>
               <a:endParaRPr/>
             </a:p>
           </p:txBody>
@@ -3529,7 +3547,7 @@
             </a:xfrm>
             <a:prstGeom prst="diagStripe">
               <a:avLst>
-                <a:gd fmla="val 50000" name="adj"/>
+                <a:gd name="adj" fmla="val 50000"/>
               </a:avLst>
             </a:prstGeom>
             <a:solidFill>
@@ -3540,12 +3558,12 @@
             </a:ln>
           </p:spPr>
           <p:txBody>
-            <a:bodyPr anchorCtr="0" anchor="ctr" bIns="91425" lIns="91425" spcFirstLastPara="1" rIns="91425" wrap="square" tIns="91425">
+            <a:bodyPr spcFirstLastPara="1" wrap="square" lIns="91425" tIns="91425" rIns="91425" bIns="91425" anchor="ctr" anchorCtr="0">
               <a:noAutofit/>
             </a:bodyPr>
             <a:lstStyle/>
             <a:p>
-              <a:pPr indent="0" lvl="0" marL="0" rtl="0" algn="l">
+              <a:pPr marL="0" lvl="0" indent="0" algn="l" rtl="0">
                 <a:spcBef>
                   <a:spcPts val="0"/>
                 </a:spcBef>
@@ -3554,9 +3572,6 @@
                 </a:spcAft>
                 <a:buNone/>
               </a:pPr>
-              <a:r>
-                <a:t/>
-              </a:r>
               <a:endParaRPr/>
             </a:p>
           </p:txBody>
@@ -3574,7 +3589,7 @@
             </a:xfrm>
             <a:prstGeom prst="diagStripe">
               <a:avLst>
-                <a:gd fmla="val 50000" name="adj"/>
+                <a:gd name="adj" fmla="val 50000"/>
               </a:avLst>
             </a:prstGeom>
             <a:solidFill>
@@ -3587,12 +3602,12 @@
             </a:ln>
           </p:spPr>
           <p:txBody>
-            <a:bodyPr anchorCtr="0" anchor="ctr" bIns="91425" lIns="91425" spcFirstLastPara="1" rIns="91425" wrap="square" tIns="91425">
+            <a:bodyPr spcFirstLastPara="1" wrap="square" lIns="91425" tIns="91425" rIns="91425" bIns="91425" anchor="ctr" anchorCtr="0">
               <a:noAutofit/>
             </a:bodyPr>
             <a:lstStyle/>
             <a:p>
-              <a:pPr indent="0" lvl="0" marL="0" rtl="0" algn="l">
+              <a:pPr marL="0" lvl="0" indent="0" algn="l" rtl="0">
                 <a:spcBef>
                   <a:spcPts val="0"/>
                 </a:spcBef>
@@ -3601,9 +3616,6 @@
                 </a:spcAft>
                 <a:buNone/>
               </a:pPr>
-              <a:r>
-                <a:t/>
-              </a:r>
               <a:endParaRPr/>
             </a:p>
           </p:txBody>
@@ -3621,7 +3633,7 @@
             </a:xfrm>
             <a:prstGeom prst="diagStripe">
               <a:avLst>
-                <a:gd fmla="val 50000" name="adj"/>
+                <a:gd name="adj" fmla="val 50000"/>
               </a:avLst>
             </a:prstGeom>
             <a:solidFill>
@@ -3634,12 +3646,12 @@
             </a:ln>
           </p:spPr>
           <p:txBody>
-            <a:bodyPr anchorCtr="0" anchor="ctr" bIns="91425" lIns="91425" spcFirstLastPara="1" rIns="91425" wrap="square" tIns="91425">
+            <a:bodyPr spcFirstLastPara="1" wrap="square" lIns="91425" tIns="91425" rIns="91425" bIns="91425" anchor="ctr" anchorCtr="0">
               <a:noAutofit/>
             </a:bodyPr>
             <a:lstStyle/>
             <a:p>
-              <a:pPr indent="0" lvl="0" marL="0" rtl="0" algn="l">
+              <a:pPr marL="0" lvl="0" indent="0" algn="l" rtl="0">
                 <a:spcBef>
                   <a:spcPts val="0"/>
                 </a:spcBef>
@@ -3648,9 +3660,6 @@
                 </a:spcAft>
                 <a:buNone/>
               </a:pPr>
-              <a:r>
-                <a:t/>
-              </a:r>
               <a:endParaRPr/>
             </a:p>
           </p:txBody>
@@ -3668,7 +3677,7 @@
             </a:xfrm>
             <a:prstGeom prst="diagStripe">
               <a:avLst>
-                <a:gd fmla="val 50000" name="adj"/>
+                <a:gd name="adj" fmla="val 50000"/>
               </a:avLst>
             </a:prstGeom>
             <a:solidFill>
@@ -3681,12 +3690,12 @@
             </a:ln>
           </p:spPr>
           <p:txBody>
-            <a:bodyPr anchorCtr="0" anchor="ctr" bIns="91425" lIns="91425" spcFirstLastPara="1" rIns="91425" wrap="square" tIns="91425">
+            <a:bodyPr spcFirstLastPara="1" wrap="square" lIns="91425" tIns="91425" rIns="91425" bIns="91425" anchor="ctr" anchorCtr="0">
               <a:noAutofit/>
             </a:bodyPr>
             <a:lstStyle/>
             <a:p>
-              <a:pPr indent="0" lvl="0" marL="0" rtl="0" algn="l">
+              <a:pPr marL="0" lvl="0" indent="0" algn="l" rtl="0">
                 <a:spcBef>
                   <a:spcPts val="0"/>
                 </a:spcBef>
@@ -3695,9 +3704,6 @@
                 </a:spcAft>
                 <a:buNone/>
               </a:pPr>
-              <a:r>
-                <a:t/>
-              </a:r>
               <a:endParaRPr/>
             </a:p>
           </p:txBody>
@@ -3715,7 +3721,7 @@
             </a:xfrm>
             <a:prstGeom prst="diagStripe">
               <a:avLst>
-                <a:gd fmla="val 50000" name="adj"/>
+                <a:gd name="adj" fmla="val 50000"/>
               </a:avLst>
             </a:prstGeom>
             <a:solidFill>
@@ -3728,12 +3734,12 @@
             </a:ln>
           </p:spPr>
           <p:txBody>
-            <a:bodyPr anchorCtr="0" anchor="ctr" bIns="91425" lIns="91425" spcFirstLastPara="1" rIns="91425" wrap="square" tIns="91425">
+            <a:bodyPr spcFirstLastPara="1" wrap="square" lIns="91425" tIns="91425" rIns="91425" bIns="91425" anchor="ctr" anchorCtr="0">
               <a:noAutofit/>
             </a:bodyPr>
             <a:lstStyle/>
             <a:p>
-              <a:pPr indent="0" lvl="0" marL="0" rtl="0" algn="l">
+              <a:pPr marL="0" lvl="0" indent="0" algn="l" rtl="0">
                 <a:spcBef>
                   <a:spcPts val="0"/>
                 </a:spcBef>
@@ -3742,9 +3748,6 @@
                 </a:spcAft>
                 <a:buNone/>
               </a:pPr>
-              <a:r>
-                <a:t/>
-              </a:r>
               <a:endParaRPr/>
             </a:p>
           </p:txBody>
@@ -3753,9 +3756,11 @@
       <p:sp>
         <p:nvSpPr>
           <p:cNvPr id="125" name="Google Shape;125;p11"/>
-          <p:cNvSpPr txBox="1"/>
+          <p:cNvSpPr txBox="1">
+            <a:spLocks noGrp="1"/>
+          </p:cNvSpPr>
           <p:nvPr>
-            <p:ph hasCustomPrompt="1" type="title"/>
+            <p:ph type="title" hasCustomPrompt="1"/>
           </p:nvPr>
         </p:nvSpPr>
         <p:spPr>
@@ -3768,7 +3773,7 @@
           </a:prstGeom>
         </p:spPr>
         <p:txBody>
-          <a:bodyPr anchorCtr="0" anchor="t" bIns="91425" lIns="91425" spcFirstLastPara="1" rIns="91425" wrap="square" tIns="91425"/>
+          <a:bodyPr spcFirstLastPara="1" wrap="square" lIns="91425" tIns="91425" rIns="91425" bIns="91425" anchor="t" anchorCtr="0"/>
           <a:lstStyle>
             <a:lvl1pPr lvl="0">
               <a:spcBef>
@@ -3880,9 +3885,11 @@
       <p:sp>
         <p:nvSpPr>
           <p:cNvPr id="126" name="Google Shape;126;p11"/>
-          <p:cNvSpPr txBox="1"/>
+          <p:cNvSpPr txBox="1">
+            <a:spLocks noGrp="1"/>
+          </p:cNvSpPr>
           <p:nvPr>
-            <p:ph idx="1" type="body"/>
+            <p:ph type="body" idx="1"/>
           </p:nvPr>
         </p:nvSpPr>
         <p:spPr>
@@ -3895,9 +3902,9 @@
           </a:prstGeom>
         </p:spPr>
         <p:txBody>
-          <a:bodyPr anchorCtr="0" anchor="t" bIns="91425" lIns="91425" spcFirstLastPara="1" rIns="91425" wrap="square" tIns="91425"/>
+          <a:bodyPr spcFirstLastPara="1" wrap="square" lIns="91425" tIns="91425" rIns="91425" bIns="91425" anchor="t" anchorCtr="0"/>
           <a:lstStyle>
-            <a:lvl1pPr indent="-311150" lvl="0" marL="457200">
+            <a:lvl1pPr marL="457200" lvl="0" indent="-311150">
               <a:spcBef>
                 <a:spcPts val="0"/>
               </a:spcBef>
@@ -3908,7 +3915,7 @@
               <a:buChar char="●"/>
               <a:defRPr/>
             </a:lvl1pPr>
-            <a:lvl2pPr indent="-298450" lvl="1" marL="914400">
+            <a:lvl2pPr marL="914400" lvl="1" indent="-298450">
               <a:spcBef>
                 <a:spcPts val="1600"/>
               </a:spcBef>
@@ -3919,7 +3926,7 @@
               <a:buChar char="○"/>
               <a:defRPr/>
             </a:lvl2pPr>
-            <a:lvl3pPr indent="-298450" lvl="2" marL="1371600">
+            <a:lvl3pPr marL="1371600" lvl="2" indent="-298450">
               <a:spcBef>
                 <a:spcPts val="1600"/>
               </a:spcBef>
@@ -3930,7 +3937,7 @@
               <a:buChar char="■"/>
               <a:defRPr/>
             </a:lvl3pPr>
-            <a:lvl4pPr indent="-298450" lvl="3" marL="1828800">
+            <a:lvl4pPr marL="1828800" lvl="3" indent="-298450">
               <a:spcBef>
                 <a:spcPts val="1600"/>
               </a:spcBef>
@@ -3941,7 +3948,7 @@
               <a:buChar char="●"/>
               <a:defRPr/>
             </a:lvl4pPr>
-            <a:lvl5pPr indent="-298450" lvl="4" marL="2286000">
+            <a:lvl5pPr marL="2286000" lvl="4" indent="-298450">
               <a:spcBef>
                 <a:spcPts val="1600"/>
               </a:spcBef>
@@ -3952,7 +3959,7 @@
               <a:buChar char="○"/>
               <a:defRPr/>
             </a:lvl5pPr>
-            <a:lvl6pPr indent="-298450" lvl="5" marL="2743200">
+            <a:lvl6pPr marL="2743200" lvl="5" indent="-298450">
               <a:spcBef>
                 <a:spcPts val="1600"/>
               </a:spcBef>
@@ -3963,7 +3970,7 @@
               <a:buChar char="■"/>
               <a:defRPr/>
             </a:lvl6pPr>
-            <a:lvl7pPr indent="-298450" lvl="6" marL="3200400">
+            <a:lvl7pPr marL="3200400" lvl="6" indent="-298450">
               <a:spcBef>
                 <a:spcPts val="1600"/>
               </a:spcBef>
@@ -3974,7 +3981,7 @@
               <a:buChar char="●"/>
               <a:defRPr/>
             </a:lvl7pPr>
-            <a:lvl8pPr indent="-298450" lvl="7" marL="3657600">
+            <a:lvl8pPr marL="3657600" lvl="7" indent="-298450">
               <a:spcBef>
                 <a:spcPts val="1600"/>
               </a:spcBef>
@@ -3985,7 +3992,7 @@
               <a:buChar char="○"/>
               <a:defRPr/>
             </a:lvl8pPr>
-            <a:lvl9pPr indent="-298450" lvl="8" marL="4114800">
+            <a:lvl9pPr marL="4114800" lvl="8" indent="-298450">
               <a:spcBef>
                 <a:spcPts val="1600"/>
               </a:spcBef>
@@ -3997,15 +4004,19 @@
               <a:defRPr/>
             </a:lvl9pPr>
           </a:lstStyle>
-          <a:p/>
+          <a:p>
+            <a:endParaRPr/>
+          </a:p>
         </p:txBody>
       </p:sp>
       <p:sp>
         <p:nvSpPr>
           <p:cNvPr id="127" name="Google Shape;127;p11"/>
-          <p:cNvSpPr txBox="1"/>
+          <p:cNvSpPr txBox="1">
+            <a:spLocks noGrp="1"/>
+          </p:cNvSpPr>
           <p:nvPr>
-            <p:ph idx="12" type="sldNum"/>
+            <p:ph type="sldNum" idx="12"/>
           </p:nvPr>
         </p:nvSpPr>
         <p:spPr>
@@ -4018,7 +4029,7 @@
           </a:prstGeom>
         </p:spPr>
         <p:txBody>
-          <a:bodyPr anchorCtr="0" anchor="ctr" bIns="91425" lIns="91425" spcFirstLastPara="1" rIns="91425" wrap="square" tIns="91425">
+          <a:bodyPr spcFirstLastPara="1" wrap="square" lIns="91425" tIns="91425" rIns="91425" bIns="91425" anchor="ctr" anchorCtr="0">
             <a:noAutofit/>
           </a:bodyPr>
           <a:lstStyle>
@@ -4060,7 +4071,7 @@
             </a:lvl9pPr>
           </a:lstStyle>
           <a:p>
-            <a:pPr indent="0" lvl="0" marL="0" rtl="0" algn="r">
+            <a:pPr marL="0" lvl="0" indent="0" algn="r" rtl="0">
               <a:spcBef>
                 <a:spcPts val="0"/>
               </a:spcBef>
@@ -4071,7 +4082,7 @@
             </a:pPr>
             <a:fld id="{00000000-1234-1234-1234-123412341234}" type="slidenum">
               <a:rPr lang="nl"/>
-              <a:t>‹#›</a:t>
+              <a:t>‹nr.›</a:t>
             </a:fld>
             <a:endParaRPr/>
           </a:p>
@@ -4086,11 +4097,11 @@
 </file>
 
 <file path=ppt/slideLayouts/slideLayout11.xml><?xml version="1.0" encoding="utf-8"?>
-<p:sldLayout xmlns:a="http://schemas.openxmlformats.org/drawingml/2006/main" xmlns:r="http://schemas.openxmlformats.org/officeDocument/2006/relationships" xmlns:mc="http://schemas.openxmlformats.org/markup-compatibility/2006" xmlns:mv="urn:schemas-microsoft-com:mac:vml" xmlns:p="http://schemas.openxmlformats.org/presentationml/2006/main" xmlns:c="http://schemas.openxmlformats.org/drawingml/2006/chart" xmlns:dgm="http://schemas.openxmlformats.org/drawingml/2006/diagram" xmlns:o="urn:schemas-microsoft-com:office:office" xmlns:v="urn:schemas-microsoft-com:vml" xmlns:pvml="urn:schemas-microsoft-com:office:powerpoint" xmlns:com="http://schemas.openxmlformats.org/drawingml/2006/compatibility" xmlns:p14="http://schemas.microsoft.com/office/powerpoint/2010/main" xmlns:p15="http://schemas.microsoft.com/office/powerpoint/2012/main" matchingName="Blank" type="blank">
+<p:sldLayout xmlns:a="http://schemas.openxmlformats.org/drawingml/2006/main" xmlns:r="http://schemas.openxmlformats.org/officeDocument/2006/relationships" xmlns:p="http://schemas.openxmlformats.org/presentationml/2006/main" matchingName="Blank" type="blank">
   <p:cSld name="BLANK">
     <p:spTree>
       <p:nvGrpSpPr>
-        <p:cNvPr id="128" name="Shape 128"/>
+        <p:cNvPr id="1" name="Shape 128"/>
         <p:cNvGrpSpPr/>
         <p:nvPr/>
       </p:nvGrpSpPr>
@@ -4105,9 +4116,11 @@
       <p:sp>
         <p:nvSpPr>
           <p:cNvPr id="129" name="Google Shape;129;p12"/>
-          <p:cNvSpPr txBox="1"/>
+          <p:cNvSpPr txBox="1">
+            <a:spLocks noGrp="1"/>
+          </p:cNvSpPr>
           <p:nvPr>
-            <p:ph idx="12" type="sldNum"/>
+            <p:ph type="sldNum" idx="12"/>
           </p:nvPr>
         </p:nvSpPr>
         <p:spPr>
@@ -4120,7 +4133,7 @@
           </a:prstGeom>
         </p:spPr>
         <p:txBody>
-          <a:bodyPr anchorCtr="0" anchor="ctr" bIns="91425" lIns="91425" spcFirstLastPara="1" rIns="91425" wrap="square" tIns="91425">
+          <a:bodyPr spcFirstLastPara="1" wrap="square" lIns="91425" tIns="91425" rIns="91425" bIns="91425" anchor="ctr" anchorCtr="0">
             <a:noAutofit/>
           </a:bodyPr>
           <a:lstStyle>
@@ -4162,7 +4175,7 @@
             </a:lvl9pPr>
           </a:lstStyle>
           <a:p>
-            <a:pPr indent="0" lvl="0" marL="0" rtl="0" algn="r">
+            <a:pPr marL="0" lvl="0" indent="0" algn="r" rtl="0">
               <a:spcBef>
                 <a:spcPts val="0"/>
               </a:spcBef>
@@ -4173,7 +4186,7 @@
             </a:pPr>
             <a:fld id="{00000000-1234-1234-1234-123412341234}" type="slidenum">
               <a:rPr lang="nl"/>
-              <a:t>‹#›</a:t>
+              <a:t>‹nr.›</a:t>
             </a:fld>
             <a:endParaRPr/>
           </a:p>
@@ -4188,11 +4201,11 @@
 </file>
 
 <file path=ppt/slideLayouts/slideLayout2.xml><?xml version="1.0" encoding="utf-8"?>
-<p:sldLayout xmlns:a="http://schemas.openxmlformats.org/drawingml/2006/main" xmlns:r="http://schemas.openxmlformats.org/officeDocument/2006/relationships" xmlns:mc="http://schemas.openxmlformats.org/markup-compatibility/2006" xmlns:mv="urn:schemas-microsoft-com:mac:vml" xmlns:p="http://schemas.openxmlformats.org/presentationml/2006/main" xmlns:c="http://schemas.openxmlformats.org/drawingml/2006/chart" xmlns:dgm="http://schemas.openxmlformats.org/drawingml/2006/diagram" xmlns:o="urn:schemas-microsoft-com:office:office" xmlns:v="urn:schemas-microsoft-com:vml" xmlns:pvml="urn:schemas-microsoft-com:office:powerpoint" xmlns:com="http://schemas.openxmlformats.org/drawingml/2006/compatibility" xmlns:p14="http://schemas.microsoft.com/office/powerpoint/2010/main" xmlns:p15="http://schemas.microsoft.com/office/powerpoint/2012/main" matchingName="Section header" type="secHead">
+<p:sldLayout xmlns:a="http://schemas.openxmlformats.org/drawingml/2006/main" xmlns:r="http://schemas.openxmlformats.org/officeDocument/2006/relationships" xmlns:p="http://schemas.openxmlformats.org/presentationml/2006/main" matchingName="Section header" type="secHead">
   <p:cSld name="SECTION_HEADER">
     <p:spTree>
       <p:nvGrpSpPr>
-        <p:cNvPr id="19" name="Shape 19"/>
+        <p:cNvPr id="1" name="Shape 19"/>
         <p:cNvGrpSpPr/>
         <p:nvPr/>
       </p:nvGrpSpPr>
@@ -4231,7 +4244,7 @@
             </a:xfrm>
             <a:prstGeom prst="diagStripe">
               <a:avLst>
-                <a:gd fmla="val 49469" name="adj"/>
+                <a:gd name="adj" fmla="val 49469"/>
               </a:avLst>
             </a:prstGeom>
             <a:solidFill>
@@ -4244,12 +4257,12 @@
             </a:ln>
           </p:spPr>
           <p:txBody>
-            <a:bodyPr anchorCtr="0" anchor="ctr" bIns="91425" lIns="91425" spcFirstLastPara="1" rIns="91425" wrap="square" tIns="91425">
+            <a:bodyPr spcFirstLastPara="1" wrap="square" lIns="91425" tIns="91425" rIns="91425" bIns="91425" anchor="ctr" anchorCtr="0">
               <a:noAutofit/>
             </a:bodyPr>
             <a:lstStyle/>
             <a:p>
-              <a:pPr indent="0" lvl="0" marL="0" rtl="0" algn="l">
+              <a:pPr marL="0" lvl="0" indent="0" algn="l" rtl="0">
                 <a:spcBef>
                   <a:spcPts val="0"/>
                 </a:spcBef>
@@ -4258,9 +4271,6 @@
                 </a:spcAft>
                 <a:buNone/>
               </a:pPr>
-              <a:r>
-                <a:t/>
-              </a:r>
               <a:endParaRPr/>
             </a:p>
           </p:txBody>
@@ -4278,7 +4288,7 @@
             </a:xfrm>
             <a:prstGeom prst="diagStripe">
               <a:avLst>
-                <a:gd fmla="val 0" name="adj"/>
+                <a:gd name="adj" fmla="val 0"/>
               </a:avLst>
             </a:prstGeom>
             <a:solidFill>
@@ -4291,12 +4301,12 @@
             </a:ln>
           </p:spPr>
           <p:txBody>
-            <a:bodyPr anchorCtr="0" anchor="ctr" bIns="91425" lIns="91425" spcFirstLastPara="1" rIns="91425" wrap="square" tIns="91425">
+            <a:bodyPr spcFirstLastPara="1" wrap="square" lIns="91425" tIns="91425" rIns="91425" bIns="91425" anchor="ctr" anchorCtr="0">
               <a:noAutofit/>
             </a:bodyPr>
             <a:lstStyle/>
             <a:p>
-              <a:pPr indent="0" lvl="0" marL="0" rtl="0" algn="l">
+              <a:pPr marL="0" lvl="0" indent="0" algn="l" rtl="0">
                 <a:spcBef>
                   <a:spcPts val="0"/>
                 </a:spcBef>
@@ -4305,9 +4315,6 @@
                 </a:spcAft>
                 <a:buNone/>
               </a:pPr>
-              <a:r>
-                <a:t/>
-              </a:r>
               <a:endParaRPr/>
             </a:p>
           </p:txBody>
@@ -4325,7 +4332,7 @@
             </a:xfrm>
             <a:prstGeom prst="diagStripe">
               <a:avLst>
-                <a:gd fmla="val 50000" name="adj"/>
+                <a:gd name="adj" fmla="val 50000"/>
               </a:avLst>
             </a:prstGeom>
             <a:solidFill>
@@ -4338,12 +4345,12 @@
             </a:ln>
           </p:spPr>
           <p:txBody>
-            <a:bodyPr anchorCtr="0" anchor="ctr" bIns="91425" lIns="91425" spcFirstLastPara="1" rIns="91425" wrap="square" tIns="91425">
+            <a:bodyPr spcFirstLastPara="1" wrap="square" lIns="91425" tIns="91425" rIns="91425" bIns="91425" anchor="ctr" anchorCtr="0">
               <a:noAutofit/>
             </a:bodyPr>
             <a:lstStyle/>
             <a:p>
-              <a:pPr indent="0" lvl="0" marL="0" rtl="0" algn="l">
+              <a:pPr marL="0" lvl="0" indent="0" algn="l" rtl="0">
                 <a:spcBef>
                   <a:spcPts val="0"/>
                 </a:spcBef>
@@ -4352,9 +4359,6 @@
                 </a:spcAft>
                 <a:buNone/>
               </a:pPr>
-              <a:r>
-                <a:t/>
-              </a:r>
               <a:endParaRPr/>
             </a:p>
           </p:txBody>
@@ -4372,7 +4376,7 @@
             </a:xfrm>
             <a:prstGeom prst="diagStripe">
               <a:avLst>
-                <a:gd fmla="val 50000" name="adj"/>
+                <a:gd name="adj" fmla="val 50000"/>
               </a:avLst>
             </a:prstGeom>
             <a:solidFill>
@@ -4385,12 +4389,12 @@
             </a:ln>
           </p:spPr>
           <p:txBody>
-            <a:bodyPr anchorCtr="0" anchor="ctr" bIns="91425" lIns="91425" spcFirstLastPara="1" rIns="91425" wrap="square" tIns="91425">
+            <a:bodyPr spcFirstLastPara="1" wrap="square" lIns="91425" tIns="91425" rIns="91425" bIns="91425" anchor="ctr" anchorCtr="0">
               <a:noAutofit/>
             </a:bodyPr>
             <a:lstStyle/>
             <a:p>
-              <a:pPr indent="0" lvl="0" marL="0" rtl="0" algn="l">
+              <a:pPr marL="0" lvl="0" indent="0" algn="l" rtl="0">
                 <a:spcBef>
                   <a:spcPts val="0"/>
                 </a:spcBef>
@@ -4399,9 +4403,6 @@
                 </a:spcAft>
                 <a:buNone/>
               </a:pPr>
-              <a:r>
-                <a:t/>
-              </a:r>
               <a:endParaRPr/>
             </a:p>
           </p:txBody>
@@ -4419,7 +4420,7 @@
             </a:xfrm>
             <a:prstGeom prst="diagStripe">
               <a:avLst>
-                <a:gd fmla="val 50000" name="adj"/>
+                <a:gd name="adj" fmla="val 50000"/>
               </a:avLst>
             </a:prstGeom>
             <a:solidFill>
@@ -4432,12 +4433,12 @@
             </a:ln>
           </p:spPr>
           <p:txBody>
-            <a:bodyPr anchorCtr="0" anchor="ctr" bIns="91425" lIns="91425" spcFirstLastPara="1" rIns="91425" wrap="square" tIns="91425">
+            <a:bodyPr spcFirstLastPara="1" wrap="square" lIns="91425" tIns="91425" rIns="91425" bIns="91425" anchor="ctr" anchorCtr="0">
               <a:noAutofit/>
             </a:bodyPr>
             <a:lstStyle/>
             <a:p>
-              <a:pPr indent="0" lvl="0" marL="0" rtl="0" algn="l">
+              <a:pPr marL="0" lvl="0" indent="0" algn="l" rtl="0">
                 <a:spcBef>
                   <a:spcPts val="0"/>
                 </a:spcBef>
@@ -4446,9 +4447,6 @@
                 </a:spcAft>
                 <a:buNone/>
               </a:pPr>
-              <a:r>
-                <a:t/>
-              </a:r>
               <a:endParaRPr/>
             </a:p>
           </p:txBody>
@@ -4466,7 +4464,7 @@
             </a:xfrm>
             <a:prstGeom prst="diagStripe">
               <a:avLst>
-                <a:gd fmla="val 50000" name="adj"/>
+                <a:gd name="adj" fmla="val 50000"/>
               </a:avLst>
             </a:prstGeom>
             <a:solidFill>
@@ -4479,12 +4477,12 @@
             </a:ln>
           </p:spPr>
           <p:txBody>
-            <a:bodyPr anchorCtr="0" anchor="ctr" bIns="91425" lIns="91425" spcFirstLastPara="1" rIns="91425" wrap="square" tIns="91425">
+            <a:bodyPr spcFirstLastPara="1" wrap="square" lIns="91425" tIns="91425" rIns="91425" bIns="91425" anchor="ctr" anchorCtr="0">
               <a:noAutofit/>
             </a:bodyPr>
             <a:lstStyle/>
             <a:p>
-              <a:pPr indent="0" lvl="0" marL="0" rtl="0" algn="l">
+              <a:pPr marL="0" lvl="0" indent="0" algn="l" rtl="0">
                 <a:spcBef>
                   <a:spcPts val="0"/>
                 </a:spcBef>
@@ -4493,9 +4491,6 @@
                 </a:spcAft>
                 <a:buNone/>
               </a:pPr>
-              <a:r>
-                <a:t/>
-              </a:r>
               <a:endParaRPr/>
             </a:p>
           </p:txBody>
@@ -4513,7 +4508,7 @@
             </a:xfrm>
             <a:prstGeom prst="diagStripe">
               <a:avLst>
-                <a:gd fmla="val 50000" name="adj"/>
+                <a:gd name="adj" fmla="val 50000"/>
               </a:avLst>
             </a:prstGeom>
             <a:solidFill>
@@ -4526,12 +4521,12 @@
             </a:ln>
           </p:spPr>
           <p:txBody>
-            <a:bodyPr anchorCtr="0" anchor="ctr" bIns="91425" lIns="91425" spcFirstLastPara="1" rIns="91425" wrap="square" tIns="91425">
+            <a:bodyPr spcFirstLastPara="1" wrap="square" lIns="91425" tIns="91425" rIns="91425" bIns="91425" anchor="ctr" anchorCtr="0">
               <a:noAutofit/>
             </a:bodyPr>
             <a:lstStyle/>
             <a:p>
-              <a:pPr indent="0" lvl="0" marL="0" rtl="0" algn="l">
+              <a:pPr marL="0" lvl="0" indent="0" algn="l" rtl="0">
                 <a:spcBef>
                   <a:spcPts val="0"/>
                 </a:spcBef>
@@ -4540,9 +4535,6 @@
                 </a:spcAft>
                 <a:buNone/>
               </a:pPr>
-              <a:r>
-                <a:t/>
-              </a:r>
               <a:endParaRPr/>
             </a:p>
           </p:txBody>
@@ -4560,7 +4552,7 @@
             </a:xfrm>
             <a:prstGeom prst="diagStripe">
               <a:avLst>
-                <a:gd fmla="val 50000" name="adj"/>
+                <a:gd name="adj" fmla="val 50000"/>
               </a:avLst>
             </a:prstGeom>
             <a:solidFill>
@@ -4571,12 +4563,12 @@
             </a:ln>
           </p:spPr>
           <p:txBody>
-            <a:bodyPr anchorCtr="0" anchor="ctr" bIns="91425" lIns="91425" spcFirstLastPara="1" rIns="91425" wrap="square" tIns="91425">
+            <a:bodyPr spcFirstLastPara="1" wrap="square" lIns="91425" tIns="91425" rIns="91425" bIns="91425" anchor="ctr" anchorCtr="0">
               <a:noAutofit/>
             </a:bodyPr>
             <a:lstStyle/>
             <a:p>
-              <a:pPr indent="0" lvl="0" marL="0" rtl="0" algn="l">
+              <a:pPr marL="0" lvl="0" indent="0" algn="l" rtl="0">
                 <a:spcBef>
                   <a:spcPts val="0"/>
                 </a:spcBef>
@@ -4585,9 +4577,6 @@
                 </a:spcAft>
                 <a:buNone/>
               </a:pPr>
-              <a:r>
-                <a:t/>
-              </a:r>
               <a:endParaRPr/>
             </a:p>
           </p:txBody>
@@ -4605,7 +4594,7 @@
             </a:xfrm>
             <a:prstGeom prst="diagStripe">
               <a:avLst>
-                <a:gd fmla="val 50000" name="adj"/>
+                <a:gd name="adj" fmla="val 50000"/>
               </a:avLst>
             </a:prstGeom>
             <a:solidFill>
@@ -4618,12 +4607,12 @@
             </a:ln>
           </p:spPr>
           <p:txBody>
-            <a:bodyPr anchorCtr="0" anchor="ctr" bIns="91425" lIns="91425" spcFirstLastPara="1" rIns="91425" wrap="square" tIns="91425">
+            <a:bodyPr spcFirstLastPara="1" wrap="square" lIns="91425" tIns="91425" rIns="91425" bIns="91425" anchor="ctr" anchorCtr="0">
               <a:noAutofit/>
             </a:bodyPr>
             <a:lstStyle/>
             <a:p>
-              <a:pPr indent="0" lvl="0" marL="0" rtl="0" algn="l">
+              <a:pPr marL="0" lvl="0" indent="0" algn="l" rtl="0">
                 <a:spcBef>
                   <a:spcPts val="0"/>
                 </a:spcBef>
@@ -4632,9 +4621,6 @@
                 </a:spcAft>
                 <a:buNone/>
               </a:pPr>
-              <a:r>
-                <a:t/>
-              </a:r>
               <a:endParaRPr/>
             </a:p>
           </p:txBody>
@@ -4652,7 +4638,7 @@
             </a:xfrm>
             <a:prstGeom prst="diagStripe">
               <a:avLst>
-                <a:gd fmla="val 50000" name="adj"/>
+                <a:gd name="adj" fmla="val 50000"/>
               </a:avLst>
             </a:prstGeom>
             <a:solidFill>
@@ -4665,12 +4651,12 @@
             </a:ln>
           </p:spPr>
           <p:txBody>
-            <a:bodyPr anchorCtr="0" anchor="ctr" bIns="91425" lIns="91425" spcFirstLastPara="1" rIns="91425" wrap="square" tIns="91425">
+            <a:bodyPr spcFirstLastPara="1" wrap="square" lIns="91425" tIns="91425" rIns="91425" bIns="91425" anchor="ctr" anchorCtr="0">
               <a:noAutofit/>
             </a:bodyPr>
             <a:lstStyle/>
             <a:p>
-              <a:pPr indent="0" lvl="0" marL="0" rtl="0" algn="l">
+              <a:pPr marL="0" lvl="0" indent="0" algn="l" rtl="0">
                 <a:spcBef>
                   <a:spcPts val="0"/>
                 </a:spcBef>
@@ -4679,9 +4665,6 @@
                 </a:spcAft>
                 <a:buNone/>
               </a:pPr>
-              <a:r>
-                <a:t/>
-              </a:r>
               <a:endParaRPr/>
             </a:p>
           </p:txBody>
@@ -4699,7 +4682,7 @@
             </a:xfrm>
             <a:prstGeom prst="diagStripe">
               <a:avLst>
-                <a:gd fmla="val 50000" name="adj"/>
+                <a:gd name="adj" fmla="val 50000"/>
               </a:avLst>
             </a:prstGeom>
             <a:solidFill>
@@ -4712,12 +4695,12 @@
             </a:ln>
           </p:spPr>
           <p:txBody>
-            <a:bodyPr anchorCtr="0" anchor="ctr" bIns="91425" lIns="91425" spcFirstLastPara="1" rIns="91425" wrap="square" tIns="91425">
+            <a:bodyPr spcFirstLastPara="1" wrap="square" lIns="91425" tIns="91425" rIns="91425" bIns="91425" anchor="ctr" anchorCtr="0">
               <a:noAutofit/>
             </a:bodyPr>
             <a:lstStyle/>
             <a:p>
-              <a:pPr indent="0" lvl="0" marL="0" rtl="0" algn="l">
+              <a:pPr marL="0" lvl="0" indent="0" algn="l" rtl="0">
                 <a:spcBef>
                   <a:spcPts val="0"/>
                 </a:spcBef>
@@ -4726,9 +4709,6 @@
                 </a:spcAft>
                 <a:buNone/>
               </a:pPr>
-              <a:r>
-                <a:t/>
-              </a:r>
               <a:endParaRPr/>
             </a:p>
           </p:txBody>
@@ -4746,7 +4726,7 @@
             </a:xfrm>
             <a:prstGeom prst="diagStripe">
               <a:avLst>
-                <a:gd fmla="val 50000" name="adj"/>
+                <a:gd name="adj" fmla="val 50000"/>
               </a:avLst>
             </a:prstGeom>
             <a:solidFill>
@@ -4759,12 +4739,12 @@
             </a:ln>
           </p:spPr>
           <p:txBody>
-            <a:bodyPr anchorCtr="0" anchor="ctr" bIns="91425" lIns="91425" spcFirstLastPara="1" rIns="91425" wrap="square" tIns="91425">
+            <a:bodyPr spcFirstLastPara="1" wrap="square" lIns="91425" tIns="91425" rIns="91425" bIns="91425" anchor="ctr" anchorCtr="0">
               <a:noAutofit/>
             </a:bodyPr>
             <a:lstStyle/>
             <a:p>
-              <a:pPr indent="0" lvl="0" marL="0" rtl="0" algn="l">
+              <a:pPr marL="0" lvl="0" indent="0" algn="l" rtl="0">
                 <a:spcBef>
                   <a:spcPts val="0"/>
                 </a:spcBef>
@@ -4773,9 +4753,6 @@
                 </a:spcAft>
                 <a:buNone/>
               </a:pPr>
-              <a:r>
-                <a:t/>
-              </a:r>
               <a:endParaRPr/>
             </a:p>
           </p:txBody>
@@ -4793,7 +4770,7 @@
             </a:xfrm>
             <a:prstGeom prst="diagStripe">
               <a:avLst>
-                <a:gd fmla="val 50000" name="adj"/>
+                <a:gd name="adj" fmla="val 50000"/>
               </a:avLst>
             </a:prstGeom>
             <a:solidFill>
@@ -4806,12 +4783,12 @@
             </a:ln>
           </p:spPr>
           <p:txBody>
-            <a:bodyPr anchorCtr="0" anchor="ctr" bIns="91425" lIns="91425" spcFirstLastPara="1" rIns="91425" wrap="square" tIns="91425">
+            <a:bodyPr spcFirstLastPara="1" wrap="square" lIns="91425" tIns="91425" rIns="91425" bIns="91425" anchor="ctr" anchorCtr="0">
               <a:noAutofit/>
             </a:bodyPr>
             <a:lstStyle/>
             <a:p>
-              <a:pPr indent="0" lvl="0" marL="0" rtl="0" algn="l">
+              <a:pPr marL="0" lvl="0" indent="0" algn="l" rtl="0">
                 <a:spcBef>
                   <a:spcPts val="0"/>
                 </a:spcBef>
@@ -4820,9 +4797,6 @@
                 </a:spcAft>
                 <a:buNone/>
               </a:pPr>
-              <a:r>
-                <a:t/>
-              </a:r>
               <a:endParaRPr/>
             </a:p>
           </p:txBody>
@@ -4840,7 +4814,7 @@
             </a:xfrm>
             <a:prstGeom prst="diagStripe">
               <a:avLst>
-                <a:gd fmla="val 50000" name="adj"/>
+                <a:gd name="adj" fmla="val 50000"/>
               </a:avLst>
             </a:prstGeom>
             <a:solidFill>
@@ -4851,12 +4825,12 @@
             </a:ln>
           </p:spPr>
           <p:txBody>
-            <a:bodyPr anchorCtr="0" anchor="ctr" bIns="91425" lIns="91425" spcFirstLastPara="1" rIns="91425" wrap="square" tIns="91425">
+            <a:bodyPr spcFirstLastPara="1" wrap="square" lIns="91425" tIns="91425" rIns="91425" bIns="91425" anchor="ctr" anchorCtr="0">
               <a:noAutofit/>
             </a:bodyPr>
             <a:lstStyle/>
             <a:p>
-              <a:pPr indent="0" lvl="0" marL="0" rtl="0" algn="l">
+              <a:pPr marL="0" lvl="0" indent="0" algn="l" rtl="0">
                 <a:spcBef>
                   <a:spcPts val="0"/>
                 </a:spcBef>
@@ -4865,9 +4839,6 @@
                 </a:spcAft>
                 <a:buNone/>
               </a:pPr>
-              <a:r>
-                <a:t/>
-              </a:r>
               <a:endParaRPr/>
             </a:p>
           </p:txBody>
@@ -4885,7 +4856,7 @@
             </a:xfrm>
             <a:prstGeom prst="diagStripe">
               <a:avLst>
-                <a:gd fmla="val 50000" name="adj"/>
+                <a:gd name="adj" fmla="val 50000"/>
               </a:avLst>
             </a:prstGeom>
             <a:solidFill>
@@ -4898,12 +4869,12 @@
             </a:ln>
           </p:spPr>
           <p:txBody>
-            <a:bodyPr anchorCtr="0" anchor="ctr" bIns="91425" lIns="91425" spcFirstLastPara="1" rIns="91425" wrap="square" tIns="91425">
+            <a:bodyPr spcFirstLastPara="1" wrap="square" lIns="91425" tIns="91425" rIns="91425" bIns="91425" anchor="ctr" anchorCtr="0">
               <a:noAutofit/>
             </a:bodyPr>
             <a:lstStyle/>
             <a:p>
-              <a:pPr indent="0" lvl="0" marL="0" rtl="0" algn="l">
+              <a:pPr marL="0" lvl="0" indent="0" algn="l" rtl="0">
                 <a:spcBef>
                   <a:spcPts val="0"/>
                 </a:spcBef>
@@ -4912,9 +4883,6 @@
                 </a:spcAft>
                 <a:buNone/>
               </a:pPr>
-              <a:r>
-                <a:t/>
-              </a:r>
               <a:endParaRPr/>
             </a:p>
           </p:txBody>
@@ -4932,7 +4900,7 @@
             </a:xfrm>
             <a:prstGeom prst="diagStripe">
               <a:avLst>
-                <a:gd fmla="val 50000" name="adj"/>
+                <a:gd name="adj" fmla="val 50000"/>
               </a:avLst>
             </a:prstGeom>
             <a:solidFill>
@@ -4945,12 +4913,12 @@
             </a:ln>
           </p:spPr>
           <p:txBody>
-            <a:bodyPr anchorCtr="0" anchor="ctr" bIns="91425" lIns="91425" spcFirstLastPara="1" rIns="91425" wrap="square" tIns="91425">
+            <a:bodyPr spcFirstLastPara="1" wrap="square" lIns="91425" tIns="91425" rIns="91425" bIns="91425" anchor="ctr" anchorCtr="0">
               <a:noAutofit/>
             </a:bodyPr>
             <a:lstStyle/>
             <a:p>
-              <a:pPr indent="0" lvl="0" marL="0" rtl="0" algn="l">
+              <a:pPr marL="0" lvl="0" indent="0" algn="l" rtl="0">
                 <a:spcBef>
                   <a:spcPts val="0"/>
                 </a:spcBef>
@@ -4959,9 +4927,6 @@
                 </a:spcAft>
                 <a:buNone/>
               </a:pPr>
-              <a:r>
-                <a:t/>
-              </a:r>
               <a:endParaRPr/>
             </a:p>
           </p:txBody>
@@ -4979,7 +4944,7 @@
             </a:xfrm>
             <a:prstGeom prst="diagStripe">
               <a:avLst>
-                <a:gd fmla="val 50000" name="adj"/>
+                <a:gd name="adj" fmla="val 50000"/>
               </a:avLst>
             </a:prstGeom>
             <a:solidFill>
@@ -4992,12 +4957,12 @@
             </a:ln>
           </p:spPr>
           <p:txBody>
-            <a:bodyPr anchorCtr="0" anchor="ctr" bIns="91425" lIns="91425" spcFirstLastPara="1" rIns="91425" wrap="square" tIns="91425">
+            <a:bodyPr spcFirstLastPara="1" wrap="square" lIns="91425" tIns="91425" rIns="91425" bIns="91425" anchor="ctr" anchorCtr="0">
               <a:noAutofit/>
             </a:bodyPr>
             <a:lstStyle/>
             <a:p>
-              <a:pPr indent="0" lvl="0" marL="0" rtl="0" algn="l">
+              <a:pPr marL="0" lvl="0" indent="0" algn="l" rtl="0">
                 <a:spcBef>
                   <a:spcPts val="0"/>
                 </a:spcBef>
@@ -5006,9 +4971,6 @@
                 </a:spcAft>
                 <a:buNone/>
               </a:pPr>
-              <a:r>
-                <a:t/>
-              </a:r>
               <a:endParaRPr/>
             </a:p>
           </p:txBody>
@@ -5026,7 +4988,7 @@
             </a:xfrm>
             <a:prstGeom prst="diagStripe">
               <a:avLst>
-                <a:gd fmla="val 50000" name="adj"/>
+                <a:gd name="adj" fmla="val 50000"/>
               </a:avLst>
             </a:prstGeom>
             <a:solidFill>
@@ -5039,12 +5001,12 @@
             </a:ln>
           </p:spPr>
           <p:txBody>
-            <a:bodyPr anchorCtr="0" anchor="ctr" bIns="91425" lIns="91425" spcFirstLastPara="1" rIns="91425" wrap="square" tIns="91425">
+            <a:bodyPr spcFirstLastPara="1" wrap="square" lIns="91425" tIns="91425" rIns="91425" bIns="91425" anchor="ctr" anchorCtr="0">
               <a:noAutofit/>
             </a:bodyPr>
             <a:lstStyle/>
             <a:p>
-              <a:pPr indent="0" lvl="0" marL="0" rtl="0" algn="l">
+              <a:pPr marL="0" lvl="0" indent="0" algn="l" rtl="0">
                 <a:spcBef>
                   <a:spcPts val="0"/>
                 </a:spcBef>
@@ -5053,9 +5015,6 @@
                 </a:spcAft>
                 <a:buNone/>
               </a:pPr>
-              <a:r>
-                <a:t/>
-              </a:r>
               <a:endParaRPr/>
             </a:p>
           </p:txBody>
@@ -5064,7 +5023,9 @@
       <p:sp>
         <p:nvSpPr>
           <p:cNvPr id="39" name="Google Shape;39;p3"/>
-          <p:cNvSpPr txBox="1"/>
+          <p:cNvSpPr txBox="1">
+            <a:spLocks noGrp="1"/>
+          </p:cNvSpPr>
           <p:nvPr>
             <p:ph type="title"/>
           </p:nvPr>
@@ -5079,7 +5040,7 @@
           </a:prstGeom>
         </p:spPr>
         <p:txBody>
-          <a:bodyPr anchorCtr="0" anchor="ctr" bIns="91425" lIns="91425" spcFirstLastPara="1" rIns="91425" wrap="square" tIns="91425"/>
+          <a:bodyPr spcFirstLastPara="1" wrap="square" lIns="91425" tIns="91425" rIns="91425" bIns="91425" anchor="ctr" anchorCtr="0"/>
           <a:lstStyle>
             <a:lvl1pPr lvl="0">
               <a:spcBef>
@@ -5181,15 +5142,19 @@
               <a:defRPr/>
             </a:lvl9pPr>
           </a:lstStyle>
-          <a:p/>
+          <a:p>
+            <a:endParaRPr/>
+          </a:p>
         </p:txBody>
       </p:sp>
       <p:sp>
         <p:nvSpPr>
           <p:cNvPr id="40" name="Google Shape;40;p3"/>
-          <p:cNvSpPr txBox="1"/>
+          <p:cNvSpPr txBox="1">
+            <a:spLocks noGrp="1"/>
+          </p:cNvSpPr>
           <p:nvPr>
-            <p:ph idx="12" type="sldNum"/>
+            <p:ph type="sldNum" idx="12"/>
           </p:nvPr>
         </p:nvSpPr>
         <p:spPr>
@@ -5202,7 +5167,7 @@
           </a:prstGeom>
         </p:spPr>
         <p:txBody>
-          <a:bodyPr anchorCtr="0" anchor="ctr" bIns="91425" lIns="91425" spcFirstLastPara="1" rIns="91425" wrap="square" tIns="91425">
+          <a:bodyPr spcFirstLastPara="1" wrap="square" lIns="91425" tIns="91425" rIns="91425" bIns="91425" anchor="ctr" anchorCtr="0">
             <a:noAutofit/>
           </a:bodyPr>
           <a:lstStyle>
@@ -5244,7 +5209,7 @@
             </a:lvl9pPr>
           </a:lstStyle>
           <a:p>
-            <a:pPr indent="0" lvl="0" marL="0" rtl="0" algn="r">
+            <a:pPr marL="0" lvl="0" indent="0" algn="r" rtl="0">
               <a:spcBef>
                 <a:spcPts val="0"/>
               </a:spcBef>
@@ -5255,7 +5220,7 @@
             </a:pPr>
             <a:fld id="{00000000-1234-1234-1234-123412341234}" type="slidenum">
               <a:rPr lang="nl"/>
-              <a:t>‹#›</a:t>
+              <a:t>‹nr.›</a:t>
             </a:fld>
             <a:endParaRPr/>
           </a:p>
@@ -5270,11 +5235,11 @@
 </file>
 
 <file path=ppt/slideLayouts/slideLayout3.xml><?xml version="1.0" encoding="utf-8"?>
-<p:sldLayout xmlns:a="http://schemas.openxmlformats.org/drawingml/2006/main" xmlns:r="http://schemas.openxmlformats.org/officeDocument/2006/relationships" xmlns:mc="http://schemas.openxmlformats.org/markup-compatibility/2006" xmlns:mv="urn:schemas-microsoft-com:mac:vml" xmlns:p="http://schemas.openxmlformats.org/presentationml/2006/main" xmlns:c="http://schemas.openxmlformats.org/drawingml/2006/chart" xmlns:dgm="http://schemas.openxmlformats.org/drawingml/2006/diagram" xmlns:o="urn:schemas-microsoft-com:office:office" xmlns:v="urn:schemas-microsoft-com:vml" xmlns:pvml="urn:schemas-microsoft-com:office:powerpoint" xmlns:com="http://schemas.openxmlformats.org/drawingml/2006/compatibility" xmlns:p14="http://schemas.microsoft.com/office/powerpoint/2010/main" xmlns:p15="http://schemas.microsoft.com/office/powerpoint/2012/main" matchingName="Title and body" type="tx">
+<p:sldLayout xmlns:a="http://schemas.openxmlformats.org/drawingml/2006/main" xmlns:r="http://schemas.openxmlformats.org/officeDocument/2006/relationships" xmlns:p="http://schemas.openxmlformats.org/presentationml/2006/main" matchingName="Title and body" type="tx">
   <p:cSld name="TITLE_AND_BODY">
     <p:spTree>
       <p:nvGrpSpPr>
-        <p:cNvPr id="41" name="Shape 41"/>
+        <p:cNvPr id="1" name="Shape 41"/>
         <p:cNvGrpSpPr/>
         <p:nvPr/>
       </p:nvGrpSpPr>
@@ -5313,7 +5278,7 @@
             </a:xfrm>
             <a:prstGeom prst="diagStripe">
               <a:avLst>
-                <a:gd fmla="val 50000" name="adj"/>
+                <a:gd name="adj" fmla="val 50000"/>
               </a:avLst>
             </a:prstGeom>
             <a:solidFill>
@@ -5324,12 +5289,12 @@
             </a:ln>
           </p:spPr>
           <p:txBody>
-            <a:bodyPr anchorCtr="0" anchor="ctr" bIns="91425" lIns="91425" spcFirstLastPara="1" rIns="91425" wrap="square" tIns="91425">
+            <a:bodyPr spcFirstLastPara="1" wrap="square" lIns="91425" tIns="91425" rIns="91425" bIns="91425" anchor="ctr" anchorCtr="0">
               <a:noAutofit/>
             </a:bodyPr>
             <a:lstStyle/>
             <a:p>
-              <a:pPr indent="0" lvl="0" marL="0" rtl="0" algn="l">
+              <a:pPr marL="0" lvl="0" indent="0" algn="l" rtl="0">
                 <a:spcBef>
                   <a:spcPts val="0"/>
                 </a:spcBef>
@@ -5338,9 +5303,6 @@
                 </a:spcAft>
                 <a:buNone/>
               </a:pPr>
-              <a:r>
-                <a:t/>
-              </a:r>
               <a:endParaRPr/>
             </a:p>
           </p:txBody>
@@ -5358,7 +5320,7 @@
             </a:xfrm>
             <a:prstGeom prst="diagStripe">
               <a:avLst>
-                <a:gd fmla="val 50000" name="adj"/>
+                <a:gd name="adj" fmla="val 50000"/>
               </a:avLst>
             </a:prstGeom>
             <a:solidFill>
@@ -5369,12 +5331,12 @@
             </a:ln>
           </p:spPr>
           <p:txBody>
-            <a:bodyPr anchorCtr="0" anchor="ctr" bIns="91425" lIns="91425" spcFirstLastPara="1" rIns="91425" wrap="square" tIns="91425">
+            <a:bodyPr spcFirstLastPara="1" wrap="square" lIns="91425" tIns="91425" rIns="91425" bIns="91425" anchor="ctr" anchorCtr="0">
               <a:noAutofit/>
             </a:bodyPr>
             <a:lstStyle/>
             <a:p>
-              <a:pPr indent="0" lvl="0" marL="0" rtl="0" algn="l">
+              <a:pPr marL="0" lvl="0" indent="0" algn="l" rtl="0">
                 <a:spcBef>
                   <a:spcPts val="0"/>
                 </a:spcBef>
@@ -5383,9 +5345,6 @@
                 </a:spcAft>
                 <a:buNone/>
               </a:pPr>
-              <a:r>
-                <a:t/>
-              </a:r>
               <a:endParaRPr/>
             </a:p>
           </p:txBody>
@@ -5394,7 +5353,9 @@
       <p:sp>
         <p:nvSpPr>
           <p:cNvPr id="45" name="Google Shape;45;p4"/>
-          <p:cNvSpPr txBox="1"/>
+          <p:cNvSpPr txBox="1">
+            <a:spLocks noGrp="1"/>
+          </p:cNvSpPr>
           <p:nvPr>
             <p:ph type="title"/>
           </p:nvPr>
@@ -5409,7 +5370,7 @@
           </a:prstGeom>
         </p:spPr>
         <p:txBody>
-          <a:bodyPr anchorCtr="0" anchor="t" bIns="91425" lIns="91425" spcFirstLastPara="1" rIns="91425" wrap="square" tIns="91425"/>
+          <a:bodyPr spcFirstLastPara="1" wrap="square" lIns="91425" tIns="91425" rIns="91425" bIns="91425" anchor="t" anchorCtr="0"/>
           <a:lstStyle>
             <a:lvl1pPr lvl="0">
               <a:spcBef>
@@ -5511,15 +5472,19 @@
               <a:defRPr sz="2400"/>
             </a:lvl9pPr>
           </a:lstStyle>
-          <a:p/>
+          <a:p>
+            <a:endParaRPr/>
+          </a:p>
         </p:txBody>
       </p:sp>
       <p:sp>
         <p:nvSpPr>
           <p:cNvPr id="46" name="Google Shape;46;p4"/>
-          <p:cNvSpPr txBox="1"/>
+          <p:cNvSpPr txBox="1">
+            <a:spLocks noGrp="1"/>
+          </p:cNvSpPr>
           <p:nvPr>
-            <p:ph idx="1" type="body"/>
+            <p:ph type="body" idx="1"/>
           </p:nvPr>
         </p:nvSpPr>
         <p:spPr>
@@ -5532,9 +5497,9 @@
           </a:prstGeom>
         </p:spPr>
         <p:txBody>
-          <a:bodyPr anchorCtr="0" anchor="t" bIns="91425" lIns="91425" spcFirstLastPara="1" rIns="91425" wrap="square" tIns="91425"/>
+          <a:bodyPr spcFirstLastPara="1" wrap="square" lIns="91425" tIns="91425" rIns="91425" bIns="91425" anchor="t" anchorCtr="0"/>
           <a:lstStyle>
-            <a:lvl1pPr indent="-311150" lvl="0" marL="457200">
+            <a:lvl1pPr marL="457200" lvl="0" indent="-311150">
               <a:spcBef>
                 <a:spcPts val="0"/>
               </a:spcBef>
@@ -5545,7 +5510,7 @@
               <a:buChar char="●"/>
               <a:defRPr/>
             </a:lvl1pPr>
-            <a:lvl2pPr indent="-298450" lvl="1" marL="914400">
+            <a:lvl2pPr marL="914400" lvl="1" indent="-298450">
               <a:spcBef>
                 <a:spcPts val="1600"/>
               </a:spcBef>
@@ -5556,7 +5521,7 @@
               <a:buChar char="○"/>
               <a:defRPr/>
             </a:lvl2pPr>
-            <a:lvl3pPr indent="-298450" lvl="2" marL="1371600">
+            <a:lvl3pPr marL="1371600" lvl="2" indent="-298450">
               <a:spcBef>
                 <a:spcPts val="1600"/>
               </a:spcBef>
@@ -5567,7 +5532,7 @@
               <a:buChar char="■"/>
               <a:defRPr/>
             </a:lvl3pPr>
-            <a:lvl4pPr indent="-298450" lvl="3" marL="1828800">
+            <a:lvl4pPr marL="1828800" lvl="3" indent="-298450">
               <a:spcBef>
                 <a:spcPts val="1600"/>
               </a:spcBef>
@@ -5578,7 +5543,7 @@
               <a:buChar char="●"/>
               <a:defRPr/>
             </a:lvl4pPr>
-            <a:lvl5pPr indent="-298450" lvl="4" marL="2286000">
+            <a:lvl5pPr marL="2286000" lvl="4" indent="-298450">
               <a:spcBef>
                 <a:spcPts val="1600"/>
               </a:spcBef>
@@ -5589,7 +5554,7 @@
               <a:buChar char="○"/>
               <a:defRPr/>
             </a:lvl5pPr>
-            <a:lvl6pPr indent="-298450" lvl="5" marL="2743200">
+            <a:lvl6pPr marL="2743200" lvl="5" indent="-298450">
               <a:spcBef>
                 <a:spcPts val="1600"/>
               </a:spcBef>
@@ -5600,7 +5565,7 @@
               <a:buChar char="■"/>
               <a:defRPr/>
             </a:lvl6pPr>
-            <a:lvl7pPr indent="-298450" lvl="6" marL="3200400">
+            <a:lvl7pPr marL="3200400" lvl="6" indent="-298450">
               <a:spcBef>
                 <a:spcPts val="1600"/>
               </a:spcBef>
@@ -5611,7 +5576,7 @@
               <a:buChar char="●"/>
               <a:defRPr/>
             </a:lvl7pPr>
-            <a:lvl8pPr indent="-298450" lvl="7" marL="3657600">
+            <a:lvl8pPr marL="3657600" lvl="7" indent="-298450">
               <a:spcBef>
                 <a:spcPts val="1600"/>
               </a:spcBef>
@@ -5622,7 +5587,7 @@
               <a:buChar char="○"/>
               <a:defRPr/>
             </a:lvl8pPr>
-            <a:lvl9pPr indent="-298450" lvl="8" marL="4114800">
+            <a:lvl9pPr marL="4114800" lvl="8" indent="-298450">
               <a:spcBef>
                 <a:spcPts val="1600"/>
               </a:spcBef>
@@ -5634,15 +5599,19 @@
               <a:defRPr/>
             </a:lvl9pPr>
           </a:lstStyle>
-          <a:p/>
+          <a:p>
+            <a:endParaRPr/>
+          </a:p>
         </p:txBody>
       </p:sp>
       <p:sp>
         <p:nvSpPr>
           <p:cNvPr id="47" name="Google Shape;47;p4"/>
-          <p:cNvSpPr txBox="1"/>
+          <p:cNvSpPr txBox="1">
+            <a:spLocks noGrp="1"/>
+          </p:cNvSpPr>
           <p:nvPr>
-            <p:ph idx="12" type="sldNum"/>
+            <p:ph type="sldNum" idx="12"/>
           </p:nvPr>
         </p:nvSpPr>
         <p:spPr>
@@ -5655,7 +5624,7 @@
           </a:prstGeom>
         </p:spPr>
         <p:txBody>
-          <a:bodyPr anchorCtr="0" anchor="ctr" bIns="91425" lIns="91425" spcFirstLastPara="1" rIns="91425" wrap="square" tIns="91425">
+          <a:bodyPr spcFirstLastPara="1" wrap="square" lIns="91425" tIns="91425" rIns="91425" bIns="91425" anchor="ctr" anchorCtr="0">
             <a:noAutofit/>
           </a:bodyPr>
           <a:lstStyle>
@@ -5697,7 +5666,7 @@
             </a:lvl9pPr>
           </a:lstStyle>
           <a:p>
-            <a:pPr indent="0" lvl="0" marL="0" rtl="0" algn="r">
+            <a:pPr marL="0" lvl="0" indent="0" algn="r" rtl="0">
               <a:spcBef>
                 <a:spcPts val="0"/>
               </a:spcBef>
@@ -5708,7 +5677,7 @@
             </a:pPr>
             <a:fld id="{00000000-1234-1234-1234-123412341234}" type="slidenum">
               <a:rPr lang="nl"/>
-              <a:t>‹#›</a:t>
+              <a:t>‹nr.›</a:t>
             </a:fld>
             <a:endParaRPr/>
           </a:p>
@@ -5723,11 +5692,11 @@
 </file>
 
 <file path=ppt/slideLayouts/slideLayout4.xml><?xml version="1.0" encoding="utf-8"?>
-<p:sldLayout xmlns:a="http://schemas.openxmlformats.org/drawingml/2006/main" xmlns:r="http://schemas.openxmlformats.org/officeDocument/2006/relationships" xmlns:mc="http://schemas.openxmlformats.org/markup-compatibility/2006" xmlns:mv="urn:schemas-microsoft-com:mac:vml" xmlns:p="http://schemas.openxmlformats.org/presentationml/2006/main" xmlns:c="http://schemas.openxmlformats.org/drawingml/2006/chart" xmlns:dgm="http://schemas.openxmlformats.org/drawingml/2006/diagram" xmlns:o="urn:schemas-microsoft-com:office:office" xmlns:v="urn:schemas-microsoft-com:vml" xmlns:pvml="urn:schemas-microsoft-com:office:powerpoint" xmlns:com="http://schemas.openxmlformats.org/drawingml/2006/compatibility" xmlns:p14="http://schemas.microsoft.com/office/powerpoint/2010/main" xmlns:p15="http://schemas.microsoft.com/office/powerpoint/2012/main" matchingName="Title and two columns" type="twoColTx">
+<p:sldLayout xmlns:a="http://schemas.openxmlformats.org/drawingml/2006/main" xmlns:r="http://schemas.openxmlformats.org/officeDocument/2006/relationships" xmlns:p="http://schemas.openxmlformats.org/presentationml/2006/main" matchingName="Title and two columns" type="twoColTx">
   <p:cSld name="TITLE_AND_TWO_COLUMNS">
     <p:spTree>
       <p:nvGrpSpPr>
-        <p:cNvPr id="48" name="Shape 48"/>
+        <p:cNvPr id="1" name="Shape 48"/>
         <p:cNvGrpSpPr/>
         <p:nvPr/>
       </p:nvGrpSpPr>
@@ -5766,7 +5735,7 @@
             </a:xfrm>
             <a:prstGeom prst="diagStripe">
               <a:avLst>
-                <a:gd fmla="val 50000" name="adj"/>
+                <a:gd name="adj" fmla="val 50000"/>
               </a:avLst>
             </a:prstGeom>
             <a:solidFill>
@@ -5777,12 +5746,12 @@
             </a:ln>
           </p:spPr>
           <p:txBody>
-            <a:bodyPr anchorCtr="0" anchor="ctr" bIns="91425" lIns="91425" spcFirstLastPara="1" rIns="91425" wrap="square" tIns="91425">
+            <a:bodyPr spcFirstLastPara="1" wrap="square" lIns="91425" tIns="91425" rIns="91425" bIns="91425" anchor="ctr" anchorCtr="0">
               <a:noAutofit/>
             </a:bodyPr>
             <a:lstStyle/>
             <a:p>
-              <a:pPr indent="0" lvl="0" marL="0" rtl="0" algn="l">
+              <a:pPr marL="0" lvl="0" indent="0" algn="l" rtl="0">
                 <a:spcBef>
                   <a:spcPts val="0"/>
                 </a:spcBef>
@@ -5791,9 +5760,6 @@
                 </a:spcAft>
                 <a:buNone/>
               </a:pPr>
-              <a:r>
-                <a:t/>
-              </a:r>
               <a:endParaRPr/>
             </a:p>
           </p:txBody>
@@ -5811,7 +5777,7 @@
             </a:xfrm>
             <a:prstGeom prst="diagStripe">
               <a:avLst>
-                <a:gd fmla="val 50000" name="adj"/>
+                <a:gd name="adj" fmla="val 50000"/>
               </a:avLst>
             </a:prstGeom>
             <a:solidFill>
@@ -5822,12 +5788,12 @@
             </a:ln>
           </p:spPr>
           <p:txBody>
-            <a:bodyPr anchorCtr="0" anchor="ctr" bIns="91425" lIns="91425" spcFirstLastPara="1" rIns="91425" wrap="square" tIns="91425">
+            <a:bodyPr spcFirstLastPara="1" wrap="square" lIns="91425" tIns="91425" rIns="91425" bIns="91425" anchor="ctr" anchorCtr="0">
               <a:noAutofit/>
             </a:bodyPr>
             <a:lstStyle/>
             <a:p>
-              <a:pPr indent="0" lvl="0" marL="0" rtl="0" algn="l">
+              <a:pPr marL="0" lvl="0" indent="0" algn="l" rtl="0">
                 <a:spcBef>
                   <a:spcPts val="0"/>
                 </a:spcBef>
@@ -5836,9 +5802,6 @@
                 </a:spcAft>
                 <a:buNone/>
               </a:pPr>
-              <a:r>
-                <a:t/>
-              </a:r>
               <a:endParaRPr/>
             </a:p>
           </p:txBody>
@@ -5847,7 +5810,9 @@
       <p:sp>
         <p:nvSpPr>
           <p:cNvPr id="52" name="Google Shape;52;p5"/>
-          <p:cNvSpPr txBox="1"/>
+          <p:cNvSpPr txBox="1">
+            <a:spLocks noGrp="1"/>
+          </p:cNvSpPr>
           <p:nvPr>
             <p:ph type="title"/>
           </p:nvPr>
@@ -5862,7 +5827,7 @@
           </a:prstGeom>
         </p:spPr>
         <p:txBody>
-          <a:bodyPr anchorCtr="0" anchor="t" bIns="91425" lIns="91425" spcFirstLastPara="1" rIns="91425" wrap="square" tIns="91425"/>
+          <a:bodyPr spcFirstLastPara="1" wrap="square" lIns="91425" tIns="91425" rIns="91425" bIns="91425" anchor="t" anchorCtr="0"/>
           <a:lstStyle>
             <a:lvl1pPr lvl="0">
               <a:spcBef>
@@ -5964,15 +5929,19 @@
               <a:defRPr sz="2400"/>
             </a:lvl9pPr>
           </a:lstStyle>
-          <a:p/>
+          <a:p>
+            <a:endParaRPr/>
+          </a:p>
         </p:txBody>
       </p:sp>
       <p:sp>
         <p:nvSpPr>
           <p:cNvPr id="53" name="Google Shape;53;p5"/>
-          <p:cNvSpPr txBox="1"/>
+          <p:cNvSpPr txBox="1">
+            <a:spLocks noGrp="1"/>
+          </p:cNvSpPr>
           <p:nvPr>
-            <p:ph idx="1" type="body"/>
+            <p:ph type="body" idx="1"/>
           </p:nvPr>
         </p:nvSpPr>
         <p:spPr>
@@ -5985,9 +5954,9 @@
           </a:prstGeom>
         </p:spPr>
         <p:txBody>
-          <a:bodyPr anchorCtr="0" anchor="t" bIns="91425" lIns="91425" spcFirstLastPara="1" rIns="91425" wrap="square" tIns="91425"/>
+          <a:bodyPr spcFirstLastPara="1" wrap="square" lIns="91425" tIns="91425" rIns="91425" bIns="91425" anchor="t" anchorCtr="0"/>
           <a:lstStyle>
-            <a:lvl1pPr indent="-311150" lvl="0" marL="457200">
+            <a:lvl1pPr marL="457200" lvl="0" indent="-311150">
               <a:spcBef>
                 <a:spcPts val="0"/>
               </a:spcBef>
@@ -5998,7 +5967,7 @@
               <a:buChar char="●"/>
               <a:defRPr/>
             </a:lvl1pPr>
-            <a:lvl2pPr indent="-298450" lvl="1" marL="914400">
+            <a:lvl2pPr marL="914400" lvl="1" indent="-298450">
               <a:spcBef>
                 <a:spcPts val="1600"/>
               </a:spcBef>
@@ -6009,7 +5978,7 @@
               <a:buChar char="○"/>
               <a:defRPr/>
             </a:lvl2pPr>
-            <a:lvl3pPr indent="-298450" lvl="2" marL="1371600">
+            <a:lvl3pPr marL="1371600" lvl="2" indent="-298450">
               <a:spcBef>
                 <a:spcPts val="1600"/>
               </a:spcBef>
@@ -6020,7 +5989,7 @@
               <a:buChar char="■"/>
               <a:defRPr/>
             </a:lvl3pPr>
-            <a:lvl4pPr indent="-298450" lvl="3" marL="1828800">
+            <a:lvl4pPr marL="1828800" lvl="3" indent="-298450">
               <a:spcBef>
                 <a:spcPts val="1600"/>
               </a:spcBef>
@@ -6031,7 +6000,7 @@
               <a:buChar char="●"/>
               <a:defRPr/>
             </a:lvl4pPr>
-            <a:lvl5pPr indent="-298450" lvl="4" marL="2286000">
+            <a:lvl5pPr marL="2286000" lvl="4" indent="-298450">
               <a:spcBef>
                 <a:spcPts val="1600"/>
               </a:spcBef>
@@ -6042,7 +6011,7 @@
               <a:buChar char="○"/>
               <a:defRPr/>
             </a:lvl5pPr>
-            <a:lvl6pPr indent="-298450" lvl="5" marL="2743200">
+            <a:lvl6pPr marL="2743200" lvl="5" indent="-298450">
               <a:spcBef>
                 <a:spcPts val="1600"/>
               </a:spcBef>
@@ -6053,7 +6022,7 @@
               <a:buChar char="■"/>
               <a:defRPr/>
             </a:lvl6pPr>
-            <a:lvl7pPr indent="-298450" lvl="6" marL="3200400">
+            <a:lvl7pPr marL="3200400" lvl="6" indent="-298450">
               <a:spcBef>
                 <a:spcPts val="1600"/>
               </a:spcBef>
@@ -6064,7 +6033,7 @@
               <a:buChar char="●"/>
               <a:defRPr/>
             </a:lvl7pPr>
-            <a:lvl8pPr indent="-298450" lvl="7" marL="3657600">
+            <a:lvl8pPr marL="3657600" lvl="7" indent="-298450">
               <a:spcBef>
                 <a:spcPts val="1600"/>
               </a:spcBef>
@@ -6075,7 +6044,7 @@
               <a:buChar char="○"/>
               <a:defRPr/>
             </a:lvl8pPr>
-            <a:lvl9pPr indent="-298450" lvl="8" marL="4114800">
+            <a:lvl9pPr marL="4114800" lvl="8" indent="-298450">
               <a:spcBef>
                 <a:spcPts val="1600"/>
               </a:spcBef>
@@ -6087,15 +6056,19 @@
               <a:defRPr/>
             </a:lvl9pPr>
           </a:lstStyle>
-          <a:p/>
+          <a:p>
+            <a:endParaRPr/>
+          </a:p>
         </p:txBody>
       </p:sp>
       <p:sp>
         <p:nvSpPr>
           <p:cNvPr id="54" name="Google Shape;54;p5"/>
-          <p:cNvSpPr txBox="1"/>
+          <p:cNvSpPr txBox="1">
+            <a:spLocks noGrp="1"/>
+          </p:cNvSpPr>
           <p:nvPr>
-            <p:ph idx="2" type="body"/>
+            <p:ph type="body" idx="2"/>
           </p:nvPr>
         </p:nvSpPr>
         <p:spPr>
@@ -6108,9 +6081,9 @@
           </a:prstGeom>
         </p:spPr>
         <p:txBody>
-          <a:bodyPr anchorCtr="0" anchor="t" bIns="91425" lIns="91425" spcFirstLastPara="1" rIns="91425" wrap="square" tIns="91425"/>
+          <a:bodyPr spcFirstLastPara="1" wrap="square" lIns="91425" tIns="91425" rIns="91425" bIns="91425" anchor="t" anchorCtr="0"/>
           <a:lstStyle>
-            <a:lvl1pPr indent="-311150" lvl="0" marL="457200">
+            <a:lvl1pPr marL="457200" lvl="0" indent="-311150">
               <a:spcBef>
                 <a:spcPts val="0"/>
               </a:spcBef>
@@ -6121,7 +6094,7 @@
               <a:buChar char="●"/>
               <a:defRPr/>
             </a:lvl1pPr>
-            <a:lvl2pPr indent="-298450" lvl="1" marL="914400">
+            <a:lvl2pPr marL="914400" lvl="1" indent="-298450">
               <a:spcBef>
                 <a:spcPts val="1600"/>
               </a:spcBef>
@@ -6132,7 +6105,7 @@
               <a:buChar char="○"/>
               <a:defRPr/>
             </a:lvl2pPr>
-            <a:lvl3pPr indent="-298450" lvl="2" marL="1371600">
+            <a:lvl3pPr marL="1371600" lvl="2" indent="-298450">
               <a:spcBef>
                 <a:spcPts val="1600"/>
               </a:spcBef>
@@ -6143,7 +6116,7 @@
               <a:buChar char="■"/>
               <a:defRPr/>
             </a:lvl3pPr>
-            <a:lvl4pPr indent="-298450" lvl="3" marL="1828800">
+            <a:lvl4pPr marL="1828800" lvl="3" indent="-298450">
               <a:spcBef>
                 <a:spcPts val="1600"/>
               </a:spcBef>
@@ -6154,7 +6127,7 @@
               <a:buChar char="●"/>
               <a:defRPr/>
             </a:lvl4pPr>
-            <a:lvl5pPr indent="-298450" lvl="4" marL="2286000">
+            <a:lvl5pPr marL="2286000" lvl="4" indent="-298450">
               <a:spcBef>
                 <a:spcPts val="1600"/>
               </a:spcBef>
@@ -6165,7 +6138,7 @@
               <a:buChar char="○"/>
               <a:defRPr/>
             </a:lvl5pPr>
-            <a:lvl6pPr indent="-298450" lvl="5" marL="2743200">
+            <a:lvl6pPr marL="2743200" lvl="5" indent="-298450">
               <a:spcBef>
                 <a:spcPts val="1600"/>
               </a:spcBef>
@@ -6176,7 +6149,7 @@
               <a:buChar char="■"/>
               <a:defRPr/>
             </a:lvl6pPr>
-            <a:lvl7pPr indent="-298450" lvl="6" marL="3200400">
+            <a:lvl7pPr marL="3200400" lvl="6" indent="-298450">
               <a:spcBef>
                 <a:spcPts val="1600"/>
               </a:spcBef>
@@ -6187,7 +6160,7 @@
               <a:buChar char="●"/>
               <a:defRPr/>
             </a:lvl7pPr>
-            <a:lvl8pPr indent="-298450" lvl="7" marL="3657600">
+            <a:lvl8pPr marL="3657600" lvl="7" indent="-298450">
               <a:spcBef>
                 <a:spcPts val="1600"/>
               </a:spcBef>
@@ -6198,7 +6171,7 @@
               <a:buChar char="○"/>
               <a:defRPr/>
             </a:lvl8pPr>
-            <a:lvl9pPr indent="-298450" lvl="8" marL="4114800">
+            <a:lvl9pPr marL="4114800" lvl="8" indent="-298450">
               <a:spcBef>
                 <a:spcPts val="1600"/>
               </a:spcBef>
@@ -6210,15 +6183,19 @@
               <a:defRPr/>
             </a:lvl9pPr>
           </a:lstStyle>
-          <a:p/>
+          <a:p>
+            <a:endParaRPr/>
+          </a:p>
         </p:txBody>
       </p:sp>
       <p:sp>
         <p:nvSpPr>
           <p:cNvPr id="55" name="Google Shape;55;p5"/>
-          <p:cNvSpPr txBox="1"/>
+          <p:cNvSpPr txBox="1">
+            <a:spLocks noGrp="1"/>
+          </p:cNvSpPr>
           <p:nvPr>
-            <p:ph idx="12" type="sldNum"/>
+            <p:ph type="sldNum" idx="12"/>
           </p:nvPr>
         </p:nvSpPr>
         <p:spPr>
@@ -6231,7 +6208,7 @@
           </a:prstGeom>
         </p:spPr>
         <p:txBody>
-          <a:bodyPr anchorCtr="0" anchor="ctr" bIns="91425" lIns="91425" spcFirstLastPara="1" rIns="91425" wrap="square" tIns="91425">
+          <a:bodyPr spcFirstLastPara="1" wrap="square" lIns="91425" tIns="91425" rIns="91425" bIns="91425" anchor="ctr" anchorCtr="0">
             <a:noAutofit/>
           </a:bodyPr>
           <a:lstStyle>
@@ -6273,7 +6250,7 @@
             </a:lvl9pPr>
           </a:lstStyle>
           <a:p>
-            <a:pPr indent="0" lvl="0" marL="0" rtl="0" algn="r">
+            <a:pPr marL="0" lvl="0" indent="0" algn="r" rtl="0">
               <a:spcBef>
                 <a:spcPts val="0"/>
               </a:spcBef>
@@ -6284,7 +6261,7 @@
             </a:pPr>
             <a:fld id="{00000000-1234-1234-1234-123412341234}" type="slidenum">
               <a:rPr lang="nl"/>
-              <a:t>‹#›</a:t>
+              <a:t>‹nr.›</a:t>
             </a:fld>
             <a:endParaRPr/>
           </a:p>
@@ -6299,11 +6276,11 @@
 </file>
 
 <file path=ppt/slideLayouts/slideLayout5.xml><?xml version="1.0" encoding="utf-8"?>
-<p:sldLayout xmlns:a="http://schemas.openxmlformats.org/drawingml/2006/main" xmlns:r="http://schemas.openxmlformats.org/officeDocument/2006/relationships" xmlns:mc="http://schemas.openxmlformats.org/markup-compatibility/2006" xmlns:mv="urn:schemas-microsoft-com:mac:vml" xmlns:p="http://schemas.openxmlformats.org/presentationml/2006/main" xmlns:c="http://schemas.openxmlformats.org/drawingml/2006/chart" xmlns:dgm="http://schemas.openxmlformats.org/drawingml/2006/diagram" xmlns:o="urn:schemas-microsoft-com:office:office" xmlns:v="urn:schemas-microsoft-com:vml" xmlns:pvml="urn:schemas-microsoft-com:office:powerpoint" xmlns:com="http://schemas.openxmlformats.org/drawingml/2006/compatibility" xmlns:p14="http://schemas.microsoft.com/office/powerpoint/2010/main" xmlns:p15="http://schemas.microsoft.com/office/powerpoint/2012/main" matchingName="Title only" type="titleOnly">
+<p:sldLayout xmlns:a="http://schemas.openxmlformats.org/drawingml/2006/main" xmlns:r="http://schemas.openxmlformats.org/officeDocument/2006/relationships" xmlns:p="http://schemas.openxmlformats.org/presentationml/2006/main" matchingName="Title only" type="titleOnly">
   <p:cSld name="TITLE_ONLY">
     <p:spTree>
       <p:nvGrpSpPr>
-        <p:cNvPr id="56" name="Shape 56"/>
+        <p:cNvPr id="1" name="Shape 56"/>
         <p:cNvGrpSpPr/>
         <p:nvPr/>
       </p:nvGrpSpPr>
@@ -6342,7 +6319,7 @@
             </a:xfrm>
             <a:prstGeom prst="diagStripe">
               <a:avLst>
-                <a:gd fmla="val 50000" name="adj"/>
+                <a:gd name="adj" fmla="val 50000"/>
               </a:avLst>
             </a:prstGeom>
             <a:solidFill>
@@ -6353,12 +6330,12 @@
             </a:ln>
           </p:spPr>
           <p:txBody>
-            <a:bodyPr anchorCtr="0" anchor="ctr" bIns="91425" lIns="91425" spcFirstLastPara="1" rIns="91425" wrap="square" tIns="91425">
+            <a:bodyPr spcFirstLastPara="1" wrap="square" lIns="91425" tIns="91425" rIns="91425" bIns="91425" anchor="ctr" anchorCtr="0">
               <a:noAutofit/>
             </a:bodyPr>
             <a:lstStyle/>
             <a:p>
-              <a:pPr indent="0" lvl="0" marL="0" rtl="0" algn="l">
+              <a:pPr marL="0" lvl="0" indent="0" algn="l" rtl="0">
                 <a:spcBef>
                   <a:spcPts val="0"/>
                 </a:spcBef>
@@ -6367,9 +6344,6 @@
                 </a:spcAft>
                 <a:buNone/>
               </a:pPr>
-              <a:r>
-                <a:t/>
-              </a:r>
               <a:endParaRPr/>
             </a:p>
           </p:txBody>
@@ -6387,7 +6361,7 @@
             </a:xfrm>
             <a:prstGeom prst="diagStripe">
               <a:avLst>
-                <a:gd fmla="val 50000" name="adj"/>
+                <a:gd name="adj" fmla="val 50000"/>
               </a:avLst>
             </a:prstGeom>
             <a:solidFill>
@@ -6398,12 +6372,12 @@
             </a:ln>
           </p:spPr>
           <p:txBody>
-            <a:bodyPr anchorCtr="0" anchor="ctr" bIns="91425" lIns="91425" spcFirstLastPara="1" rIns="91425" wrap="square" tIns="91425">
+            <a:bodyPr spcFirstLastPara="1" wrap="square" lIns="91425" tIns="91425" rIns="91425" bIns="91425" anchor="ctr" anchorCtr="0">
               <a:noAutofit/>
             </a:bodyPr>
             <a:lstStyle/>
             <a:p>
-              <a:pPr indent="0" lvl="0" marL="0" rtl="0" algn="l">
+              <a:pPr marL="0" lvl="0" indent="0" algn="l" rtl="0">
                 <a:spcBef>
                   <a:spcPts val="0"/>
                 </a:spcBef>
@@ -6412,9 +6386,6 @@
                 </a:spcAft>
                 <a:buNone/>
               </a:pPr>
-              <a:r>
-                <a:t/>
-              </a:r>
               <a:endParaRPr/>
             </a:p>
           </p:txBody>
@@ -6423,7 +6394,9 @@
       <p:sp>
         <p:nvSpPr>
           <p:cNvPr id="60" name="Google Shape;60;p6"/>
-          <p:cNvSpPr txBox="1"/>
+          <p:cNvSpPr txBox="1">
+            <a:spLocks noGrp="1"/>
+          </p:cNvSpPr>
           <p:nvPr>
             <p:ph type="title"/>
           </p:nvPr>
@@ -6438,7 +6411,7 @@
           </a:prstGeom>
         </p:spPr>
         <p:txBody>
-          <a:bodyPr anchorCtr="0" anchor="t" bIns="91425" lIns="91425" spcFirstLastPara="1" rIns="91425" wrap="square" tIns="91425"/>
+          <a:bodyPr spcFirstLastPara="1" wrap="square" lIns="91425" tIns="91425" rIns="91425" bIns="91425" anchor="t" anchorCtr="0"/>
           <a:lstStyle>
             <a:lvl1pPr lvl="0">
               <a:spcBef>
@@ -6540,15 +6513,19 @@
               <a:defRPr sz="2400"/>
             </a:lvl9pPr>
           </a:lstStyle>
-          <a:p/>
+          <a:p>
+            <a:endParaRPr/>
+          </a:p>
         </p:txBody>
       </p:sp>
       <p:sp>
         <p:nvSpPr>
           <p:cNvPr id="61" name="Google Shape;61;p6"/>
-          <p:cNvSpPr txBox="1"/>
+          <p:cNvSpPr txBox="1">
+            <a:spLocks noGrp="1"/>
+          </p:cNvSpPr>
           <p:nvPr>
-            <p:ph idx="12" type="sldNum"/>
+            <p:ph type="sldNum" idx="12"/>
           </p:nvPr>
         </p:nvSpPr>
         <p:spPr>
@@ -6561,7 +6538,7 @@
           </a:prstGeom>
         </p:spPr>
         <p:txBody>
-          <a:bodyPr anchorCtr="0" anchor="ctr" bIns="91425" lIns="91425" spcFirstLastPara="1" rIns="91425" wrap="square" tIns="91425">
+          <a:bodyPr spcFirstLastPara="1" wrap="square" lIns="91425" tIns="91425" rIns="91425" bIns="91425" anchor="ctr" anchorCtr="0">
             <a:noAutofit/>
           </a:bodyPr>
           <a:lstStyle>
@@ -6603,7 +6580,7 @@
             </a:lvl9pPr>
           </a:lstStyle>
           <a:p>
-            <a:pPr indent="0" lvl="0" marL="0" rtl="0" algn="r">
+            <a:pPr marL="0" lvl="0" indent="0" algn="r" rtl="0">
               <a:spcBef>
                 <a:spcPts val="0"/>
               </a:spcBef>
@@ -6614,7 +6591,7 @@
             </a:pPr>
             <a:fld id="{00000000-1234-1234-1234-123412341234}" type="slidenum">
               <a:rPr lang="nl"/>
-              <a:t>‹#›</a:t>
+              <a:t>‹nr.›</a:t>
             </a:fld>
             <a:endParaRPr/>
           </a:p>
@@ -6629,11 +6606,11 @@
 </file>
 
 <file path=ppt/slideLayouts/slideLayout6.xml><?xml version="1.0" encoding="utf-8"?>
-<p:sldLayout xmlns:a="http://schemas.openxmlformats.org/drawingml/2006/main" xmlns:r="http://schemas.openxmlformats.org/officeDocument/2006/relationships" xmlns:mc="http://schemas.openxmlformats.org/markup-compatibility/2006" xmlns:mv="urn:schemas-microsoft-com:mac:vml" xmlns:p="http://schemas.openxmlformats.org/presentationml/2006/main" xmlns:c="http://schemas.openxmlformats.org/drawingml/2006/chart" xmlns:dgm="http://schemas.openxmlformats.org/drawingml/2006/diagram" xmlns:o="urn:schemas-microsoft-com:office:office" xmlns:v="urn:schemas-microsoft-com:vml" xmlns:pvml="urn:schemas-microsoft-com:office:powerpoint" xmlns:com="http://schemas.openxmlformats.org/drawingml/2006/compatibility" xmlns:p14="http://schemas.microsoft.com/office/powerpoint/2010/main" xmlns:p15="http://schemas.microsoft.com/office/powerpoint/2012/main" matchingName="One column text">
+<p:sldLayout xmlns:a="http://schemas.openxmlformats.org/drawingml/2006/main" xmlns:r="http://schemas.openxmlformats.org/officeDocument/2006/relationships" xmlns:p="http://schemas.openxmlformats.org/presentationml/2006/main" matchingName="One column text">
   <p:cSld name="ONE_COLUMN_TEXT">
     <p:spTree>
       <p:nvGrpSpPr>
-        <p:cNvPr id="62" name="Shape 62"/>
+        <p:cNvPr id="1" name="Shape 62"/>
         <p:cNvGrpSpPr/>
         <p:nvPr/>
       </p:nvGrpSpPr>
@@ -6672,7 +6649,7 @@
             </a:xfrm>
             <a:prstGeom prst="diagStripe">
               <a:avLst>
-                <a:gd fmla="val 50000" name="adj"/>
+                <a:gd name="adj" fmla="val 50000"/>
               </a:avLst>
             </a:prstGeom>
             <a:solidFill>
@@ -6683,12 +6660,12 @@
             </a:ln>
           </p:spPr>
           <p:txBody>
-            <a:bodyPr anchorCtr="0" anchor="ctr" bIns="91425" lIns="91425" spcFirstLastPara="1" rIns="91425" wrap="square" tIns="91425">
+            <a:bodyPr spcFirstLastPara="1" wrap="square" lIns="91425" tIns="91425" rIns="91425" bIns="91425" anchor="ctr" anchorCtr="0">
               <a:noAutofit/>
             </a:bodyPr>
             <a:lstStyle/>
             <a:p>
-              <a:pPr indent="0" lvl="0" marL="0" rtl="0" algn="l">
+              <a:pPr marL="0" lvl="0" indent="0" algn="l" rtl="0">
                 <a:spcBef>
                   <a:spcPts val="0"/>
                 </a:spcBef>
@@ -6697,9 +6674,6 @@
                 </a:spcAft>
                 <a:buNone/>
               </a:pPr>
-              <a:r>
-                <a:t/>
-              </a:r>
               <a:endParaRPr/>
             </a:p>
           </p:txBody>
@@ -6717,7 +6691,7 @@
             </a:xfrm>
             <a:prstGeom prst="diagStripe">
               <a:avLst>
-                <a:gd fmla="val 50000" name="adj"/>
+                <a:gd name="adj" fmla="val 50000"/>
               </a:avLst>
             </a:prstGeom>
             <a:solidFill>
@@ -6728,12 +6702,12 @@
             </a:ln>
           </p:spPr>
           <p:txBody>
-            <a:bodyPr anchorCtr="0" anchor="ctr" bIns="91425" lIns="91425" spcFirstLastPara="1" rIns="91425" wrap="square" tIns="91425">
+            <a:bodyPr spcFirstLastPara="1" wrap="square" lIns="91425" tIns="91425" rIns="91425" bIns="91425" anchor="ctr" anchorCtr="0">
               <a:noAutofit/>
             </a:bodyPr>
             <a:lstStyle/>
             <a:p>
-              <a:pPr indent="0" lvl="0" marL="0" rtl="0" algn="l">
+              <a:pPr marL="0" lvl="0" indent="0" algn="l" rtl="0">
                 <a:spcBef>
                   <a:spcPts val="0"/>
                 </a:spcBef>
@@ -6742,9 +6716,6 @@
                 </a:spcAft>
                 <a:buNone/>
               </a:pPr>
-              <a:r>
-                <a:t/>
-              </a:r>
               <a:endParaRPr/>
             </a:p>
           </p:txBody>
@@ -6753,7 +6724,9 @@
       <p:sp>
         <p:nvSpPr>
           <p:cNvPr id="66" name="Google Shape;66;p7"/>
-          <p:cNvSpPr txBox="1"/>
+          <p:cNvSpPr txBox="1">
+            <a:spLocks noGrp="1"/>
+          </p:cNvSpPr>
           <p:nvPr>
             <p:ph type="title"/>
           </p:nvPr>
@@ -6768,7 +6741,7 @@
           </a:prstGeom>
         </p:spPr>
         <p:txBody>
-          <a:bodyPr anchorCtr="0" anchor="t" bIns="91425" lIns="91425" spcFirstLastPara="1" rIns="91425" wrap="square" tIns="91425"/>
+          <a:bodyPr spcFirstLastPara="1" wrap="square" lIns="91425" tIns="91425" rIns="91425" bIns="91425" anchor="t" anchorCtr="0"/>
           <a:lstStyle>
             <a:lvl1pPr lvl="0">
               <a:spcBef>
@@ -6870,15 +6843,19 @@
               <a:defRPr sz="2400"/>
             </a:lvl9pPr>
           </a:lstStyle>
-          <a:p/>
+          <a:p>
+            <a:endParaRPr/>
+          </a:p>
         </p:txBody>
       </p:sp>
       <p:sp>
         <p:nvSpPr>
           <p:cNvPr id="67" name="Google Shape;67;p7"/>
-          <p:cNvSpPr txBox="1"/>
+          <p:cNvSpPr txBox="1">
+            <a:spLocks noGrp="1"/>
+          </p:cNvSpPr>
           <p:nvPr>
-            <p:ph idx="1" type="body"/>
+            <p:ph type="body" idx="1"/>
           </p:nvPr>
         </p:nvSpPr>
         <p:spPr>
@@ -6891,9 +6868,9 @@
           </a:prstGeom>
         </p:spPr>
         <p:txBody>
-          <a:bodyPr anchorCtr="0" anchor="t" bIns="91425" lIns="91425" spcFirstLastPara="1" rIns="91425" wrap="square" tIns="91425"/>
+          <a:bodyPr spcFirstLastPara="1" wrap="square" lIns="91425" tIns="91425" rIns="91425" bIns="91425" anchor="t" anchorCtr="0"/>
           <a:lstStyle>
-            <a:lvl1pPr indent="-311150" lvl="0" marL="457200">
+            <a:lvl1pPr marL="457200" lvl="0" indent="-311150">
               <a:spcBef>
                 <a:spcPts val="0"/>
               </a:spcBef>
@@ -6904,7 +6881,7 @@
               <a:buChar char="●"/>
               <a:defRPr/>
             </a:lvl1pPr>
-            <a:lvl2pPr indent="-298450" lvl="1" marL="914400">
+            <a:lvl2pPr marL="914400" lvl="1" indent="-298450">
               <a:spcBef>
                 <a:spcPts val="1600"/>
               </a:spcBef>
@@ -6915,7 +6892,7 @@
               <a:buChar char="○"/>
               <a:defRPr/>
             </a:lvl2pPr>
-            <a:lvl3pPr indent="-298450" lvl="2" marL="1371600">
+            <a:lvl3pPr marL="1371600" lvl="2" indent="-298450">
               <a:spcBef>
                 <a:spcPts val="1600"/>
               </a:spcBef>
@@ -6926,7 +6903,7 @@
               <a:buChar char="■"/>
               <a:defRPr/>
             </a:lvl3pPr>
-            <a:lvl4pPr indent="-298450" lvl="3" marL="1828800">
+            <a:lvl4pPr marL="1828800" lvl="3" indent="-298450">
               <a:spcBef>
                 <a:spcPts val="1600"/>
               </a:spcBef>
@@ -6937,7 +6914,7 @@
               <a:buChar char="●"/>
               <a:defRPr/>
             </a:lvl4pPr>
-            <a:lvl5pPr indent="-298450" lvl="4" marL="2286000">
+            <a:lvl5pPr marL="2286000" lvl="4" indent="-298450">
               <a:spcBef>
                 <a:spcPts val="1600"/>
               </a:spcBef>
@@ -6948,7 +6925,7 @@
               <a:buChar char="○"/>
               <a:defRPr/>
             </a:lvl5pPr>
-            <a:lvl6pPr indent="-298450" lvl="5" marL="2743200">
+            <a:lvl6pPr marL="2743200" lvl="5" indent="-298450">
               <a:spcBef>
                 <a:spcPts val="1600"/>
               </a:spcBef>
@@ -6959,7 +6936,7 @@
               <a:buChar char="■"/>
               <a:defRPr/>
             </a:lvl6pPr>
-            <a:lvl7pPr indent="-298450" lvl="6" marL="3200400">
+            <a:lvl7pPr marL="3200400" lvl="6" indent="-298450">
               <a:spcBef>
                 <a:spcPts val="1600"/>
               </a:spcBef>
@@ -6970,7 +6947,7 @@
               <a:buChar char="●"/>
               <a:defRPr/>
             </a:lvl7pPr>
-            <a:lvl8pPr indent="-298450" lvl="7" marL="3657600">
+            <a:lvl8pPr marL="3657600" lvl="7" indent="-298450">
               <a:spcBef>
                 <a:spcPts val="1600"/>
               </a:spcBef>
@@ -6981,7 +6958,7 @@
               <a:buChar char="○"/>
               <a:defRPr/>
             </a:lvl8pPr>
-            <a:lvl9pPr indent="-298450" lvl="8" marL="4114800">
+            <a:lvl9pPr marL="4114800" lvl="8" indent="-298450">
               <a:spcBef>
                 <a:spcPts val="1600"/>
               </a:spcBef>
@@ -6993,15 +6970,19 @@
               <a:defRPr/>
             </a:lvl9pPr>
           </a:lstStyle>
-          <a:p/>
+          <a:p>
+            <a:endParaRPr/>
+          </a:p>
         </p:txBody>
       </p:sp>
       <p:sp>
         <p:nvSpPr>
           <p:cNvPr id="68" name="Google Shape;68;p7"/>
-          <p:cNvSpPr txBox="1"/>
+          <p:cNvSpPr txBox="1">
+            <a:spLocks noGrp="1"/>
+          </p:cNvSpPr>
           <p:nvPr>
-            <p:ph idx="12" type="sldNum"/>
+            <p:ph type="sldNum" idx="12"/>
           </p:nvPr>
         </p:nvSpPr>
         <p:spPr>
@@ -7014,7 +6995,7 @@
           </a:prstGeom>
         </p:spPr>
         <p:txBody>
-          <a:bodyPr anchorCtr="0" anchor="ctr" bIns="91425" lIns="91425" spcFirstLastPara="1" rIns="91425" wrap="square" tIns="91425">
+          <a:bodyPr spcFirstLastPara="1" wrap="square" lIns="91425" tIns="91425" rIns="91425" bIns="91425" anchor="ctr" anchorCtr="0">
             <a:noAutofit/>
           </a:bodyPr>
           <a:lstStyle>
@@ -7056,7 +7037,7 @@
             </a:lvl9pPr>
           </a:lstStyle>
           <a:p>
-            <a:pPr indent="0" lvl="0" marL="0" rtl="0" algn="r">
+            <a:pPr marL="0" lvl="0" indent="0" algn="r" rtl="0">
               <a:spcBef>
                 <a:spcPts val="0"/>
               </a:spcBef>
@@ -7067,7 +7048,7 @@
             </a:pPr>
             <a:fld id="{00000000-1234-1234-1234-123412341234}" type="slidenum">
               <a:rPr lang="nl"/>
-              <a:t>‹#›</a:t>
+              <a:t>‹nr.›</a:t>
             </a:fld>
             <a:endParaRPr/>
           </a:p>
@@ -7082,11 +7063,11 @@
 </file>
 
 <file path=ppt/slideLayouts/slideLayout7.xml><?xml version="1.0" encoding="utf-8"?>
-<p:sldLayout xmlns:a="http://schemas.openxmlformats.org/drawingml/2006/main" xmlns:r="http://schemas.openxmlformats.org/officeDocument/2006/relationships" xmlns:mc="http://schemas.openxmlformats.org/markup-compatibility/2006" xmlns:mv="urn:schemas-microsoft-com:mac:vml" xmlns:p="http://schemas.openxmlformats.org/presentationml/2006/main" xmlns:c="http://schemas.openxmlformats.org/drawingml/2006/chart" xmlns:dgm="http://schemas.openxmlformats.org/drawingml/2006/diagram" xmlns:o="urn:schemas-microsoft-com:office:office" xmlns:v="urn:schemas-microsoft-com:vml" xmlns:pvml="urn:schemas-microsoft-com:office:powerpoint" xmlns:com="http://schemas.openxmlformats.org/drawingml/2006/compatibility" xmlns:p14="http://schemas.microsoft.com/office/powerpoint/2010/main" xmlns:p15="http://schemas.microsoft.com/office/powerpoint/2012/main" matchingName="Main point">
+<p:sldLayout xmlns:a="http://schemas.openxmlformats.org/drawingml/2006/main" xmlns:r="http://schemas.openxmlformats.org/officeDocument/2006/relationships" xmlns:p="http://schemas.openxmlformats.org/presentationml/2006/main" matchingName="Main point">
   <p:cSld name="MAIN_POINT">
     <p:spTree>
       <p:nvGrpSpPr>
-        <p:cNvPr id="69" name="Shape 69"/>
+        <p:cNvPr id="1" name="Shape 69"/>
         <p:cNvGrpSpPr/>
         <p:nvPr/>
       </p:nvGrpSpPr>
@@ -7125,7 +7106,7 @@
             </a:xfrm>
             <a:prstGeom prst="diagStripe">
               <a:avLst>
-                <a:gd fmla="val 49469" name="adj"/>
+                <a:gd name="adj" fmla="val 49469"/>
               </a:avLst>
             </a:prstGeom>
             <a:solidFill>
@@ -7138,12 +7119,12 @@
             </a:ln>
           </p:spPr>
           <p:txBody>
-            <a:bodyPr anchorCtr="0" anchor="ctr" bIns="91425" lIns="91425" spcFirstLastPara="1" rIns="91425" wrap="square" tIns="91425">
+            <a:bodyPr spcFirstLastPara="1" wrap="square" lIns="91425" tIns="91425" rIns="91425" bIns="91425" anchor="ctr" anchorCtr="0">
               <a:noAutofit/>
             </a:bodyPr>
             <a:lstStyle/>
             <a:p>
-              <a:pPr indent="0" lvl="0" marL="0" rtl="0" algn="l">
+              <a:pPr marL="0" lvl="0" indent="0" algn="l" rtl="0">
                 <a:spcBef>
                   <a:spcPts val="0"/>
                 </a:spcBef>
@@ -7152,9 +7133,6 @@
                 </a:spcAft>
                 <a:buNone/>
               </a:pPr>
-              <a:r>
-                <a:t/>
-              </a:r>
               <a:endParaRPr/>
             </a:p>
           </p:txBody>
@@ -7172,7 +7150,7 @@
             </a:xfrm>
             <a:prstGeom prst="diagStripe">
               <a:avLst>
-                <a:gd fmla="val 0" name="adj"/>
+                <a:gd name="adj" fmla="val 0"/>
               </a:avLst>
             </a:prstGeom>
             <a:solidFill>
@@ -7185,12 +7163,12 @@
             </a:ln>
           </p:spPr>
           <p:txBody>
-            <a:bodyPr anchorCtr="0" anchor="ctr" bIns="91425" lIns="91425" spcFirstLastPara="1" rIns="91425" wrap="square" tIns="91425">
+            <a:bodyPr spcFirstLastPara="1" wrap="square" lIns="91425" tIns="91425" rIns="91425" bIns="91425" anchor="ctr" anchorCtr="0">
               <a:noAutofit/>
             </a:bodyPr>
             <a:lstStyle/>
             <a:p>
-              <a:pPr indent="0" lvl="0" marL="0" rtl="0" algn="l">
+              <a:pPr marL="0" lvl="0" indent="0" algn="l" rtl="0">
                 <a:spcBef>
                   <a:spcPts val="0"/>
                 </a:spcBef>
@@ -7199,9 +7177,6 @@
                 </a:spcAft>
                 <a:buNone/>
               </a:pPr>
-              <a:r>
-                <a:t/>
-              </a:r>
               <a:endParaRPr/>
             </a:p>
           </p:txBody>
@@ -7219,7 +7194,7 @@
             </a:xfrm>
             <a:prstGeom prst="diagStripe">
               <a:avLst>
-                <a:gd fmla="val 50000" name="adj"/>
+                <a:gd name="adj" fmla="val 50000"/>
               </a:avLst>
             </a:prstGeom>
             <a:solidFill>
@@ -7232,12 +7207,12 @@
             </a:ln>
           </p:spPr>
           <p:txBody>
-            <a:bodyPr anchorCtr="0" anchor="ctr" bIns="91425" lIns="91425" spcFirstLastPara="1" rIns="91425" wrap="square" tIns="91425">
+            <a:bodyPr spcFirstLastPara="1" wrap="square" lIns="91425" tIns="91425" rIns="91425" bIns="91425" anchor="ctr" anchorCtr="0">
               <a:noAutofit/>
             </a:bodyPr>
             <a:lstStyle/>
             <a:p>
-              <a:pPr indent="0" lvl="0" marL="0" rtl="0" algn="l">
+              <a:pPr marL="0" lvl="0" indent="0" algn="l" rtl="0">
                 <a:spcBef>
                   <a:spcPts val="0"/>
                 </a:spcBef>
@@ -7246,9 +7221,6 @@
                 </a:spcAft>
                 <a:buNone/>
               </a:pPr>
-              <a:r>
-                <a:t/>
-              </a:r>
               <a:endParaRPr/>
             </a:p>
           </p:txBody>
@@ -7266,7 +7238,7 @@
             </a:xfrm>
             <a:prstGeom prst="diagStripe">
               <a:avLst>
-                <a:gd fmla="val 50000" name="adj"/>
+                <a:gd name="adj" fmla="val 50000"/>
               </a:avLst>
             </a:prstGeom>
             <a:solidFill>
@@ -7279,12 +7251,12 @@
             </a:ln>
           </p:spPr>
           <p:txBody>
-            <a:bodyPr anchorCtr="0" anchor="ctr" bIns="91425" lIns="91425" spcFirstLastPara="1" rIns="91425" wrap="square" tIns="91425">
+            <a:bodyPr spcFirstLastPara="1" wrap="square" lIns="91425" tIns="91425" rIns="91425" bIns="91425" anchor="ctr" anchorCtr="0">
               <a:noAutofit/>
             </a:bodyPr>
             <a:lstStyle/>
             <a:p>
-              <a:pPr indent="0" lvl="0" marL="0" rtl="0" algn="l">
+              <a:pPr marL="0" lvl="0" indent="0" algn="l" rtl="0">
                 <a:spcBef>
                   <a:spcPts val="0"/>
                 </a:spcBef>
@@ -7293,9 +7265,6 @@
                 </a:spcAft>
                 <a:buNone/>
               </a:pPr>
-              <a:r>
-                <a:t/>
-              </a:r>
               <a:endParaRPr/>
             </a:p>
           </p:txBody>
@@ -7313,7 +7282,7 @@
             </a:xfrm>
             <a:prstGeom prst="diagStripe">
               <a:avLst>
-                <a:gd fmla="val 50000" name="adj"/>
+                <a:gd name="adj" fmla="val 50000"/>
               </a:avLst>
             </a:prstGeom>
             <a:solidFill>
@@ -7326,12 +7295,12 @@
             </a:ln>
           </p:spPr>
           <p:txBody>
-            <a:bodyPr anchorCtr="0" anchor="ctr" bIns="91425" lIns="91425" spcFirstLastPara="1" rIns="91425" wrap="square" tIns="91425">
+            <a:bodyPr spcFirstLastPara="1" wrap="square" lIns="91425" tIns="91425" rIns="91425" bIns="91425" anchor="ctr" anchorCtr="0">
               <a:noAutofit/>
             </a:bodyPr>
             <a:lstStyle/>
             <a:p>
-              <a:pPr indent="0" lvl="0" marL="0" rtl="0" algn="l">
+              <a:pPr marL="0" lvl="0" indent="0" algn="l" rtl="0">
                 <a:spcBef>
                   <a:spcPts val="0"/>
                 </a:spcBef>
@@ -7340,9 +7309,6 @@
                 </a:spcAft>
                 <a:buNone/>
               </a:pPr>
-              <a:r>
-                <a:t/>
-              </a:r>
               <a:endParaRPr/>
             </a:p>
           </p:txBody>
@@ -7360,7 +7326,7 @@
             </a:xfrm>
             <a:prstGeom prst="diagStripe">
               <a:avLst>
-                <a:gd fmla="val 50000" name="adj"/>
+                <a:gd name="adj" fmla="val 50000"/>
               </a:avLst>
             </a:prstGeom>
             <a:solidFill>
@@ -7373,12 +7339,12 @@
             </a:ln>
           </p:spPr>
           <p:txBody>
-            <a:bodyPr anchorCtr="0" anchor="ctr" bIns="91425" lIns="91425" spcFirstLastPara="1" rIns="91425" wrap="square" tIns="91425">
+            <a:bodyPr spcFirstLastPara="1" wrap="square" lIns="91425" tIns="91425" rIns="91425" bIns="91425" anchor="ctr" anchorCtr="0">
               <a:noAutofit/>
             </a:bodyPr>
             <a:lstStyle/>
             <a:p>
-              <a:pPr indent="0" lvl="0" marL="0" rtl="0" algn="l">
+              <a:pPr marL="0" lvl="0" indent="0" algn="l" rtl="0">
                 <a:spcBef>
                   <a:spcPts val="0"/>
                 </a:spcBef>
@@ -7387,9 +7353,6 @@
                 </a:spcAft>
                 <a:buNone/>
               </a:pPr>
-              <a:r>
-                <a:t/>
-              </a:r>
               <a:endParaRPr/>
             </a:p>
           </p:txBody>
@@ -7407,7 +7370,7 @@
             </a:xfrm>
             <a:prstGeom prst="diagStripe">
               <a:avLst>
-                <a:gd fmla="val 50000" name="adj"/>
+                <a:gd name="adj" fmla="val 50000"/>
               </a:avLst>
             </a:prstGeom>
             <a:solidFill>
@@ -7420,12 +7383,12 @@
             </a:ln>
           </p:spPr>
           <p:txBody>
-            <a:bodyPr anchorCtr="0" anchor="ctr" bIns="91425" lIns="91425" spcFirstLastPara="1" rIns="91425" wrap="square" tIns="91425">
+            <a:bodyPr spcFirstLastPara="1" wrap="square" lIns="91425" tIns="91425" rIns="91425" bIns="91425" anchor="ctr" anchorCtr="0">
               <a:noAutofit/>
             </a:bodyPr>
             <a:lstStyle/>
             <a:p>
-              <a:pPr indent="0" lvl="0" marL="0" rtl="0" algn="l">
+              <a:pPr marL="0" lvl="0" indent="0" algn="l" rtl="0">
                 <a:spcBef>
                   <a:spcPts val="0"/>
                 </a:spcBef>
@@ -7434,9 +7397,6 @@
                 </a:spcAft>
                 <a:buNone/>
               </a:pPr>
-              <a:r>
-                <a:t/>
-              </a:r>
               <a:endParaRPr/>
             </a:p>
           </p:txBody>
@@ -7454,7 +7414,7 @@
             </a:xfrm>
             <a:prstGeom prst="diagStripe">
               <a:avLst>
-                <a:gd fmla="val 50000" name="adj"/>
+                <a:gd name="adj" fmla="val 50000"/>
               </a:avLst>
             </a:prstGeom>
             <a:solidFill>
@@ -7465,12 +7425,12 @@
             </a:ln>
           </p:spPr>
           <p:txBody>
-            <a:bodyPr anchorCtr="0" anchor="ctr" bIns="91425" lIns="91425" spcFirstLastPara="1" rIns="91425" wrap="square" tIns="91425">
+            <a:bodyPr spcFirstLastPara="1" wrap="square" lIns="91425" tIns="91425" rIns="91425" bIns="91425" anchor="ctr" anchorCtr="0">
               <a:noAutofit/>
             </a:bodyPr>
             <a:lstStyle/>
             <a:p>
-              <a:pPr indent="0" lvl="0" marL="0" rtl="0" algn="l">
+              <a:pPr marL="0" lvl="0" indent="0" algn="l" rtl="0">
                 <a:spcBef>
                   <a:spcPts val="0"/>
                 </a:spcBef>
@@ -7479,9 +7439,6 @@
                 </a:spcAft>
                 <a:buNone/>
               </a:pPr>
-              <a:r>
-                <a:t/>
-              </a:r>
               <a:endParaRPr/>
             </a:p>
           </p:txBody>
@@ -7499,7 +7456,7 @@
             </a:xfrm>
             <a:prstGeom prst="diagStripe">
               <a:avLst>
-                <a:gd fmla="val 50000" name="adj"/>
+                <a:gd name="adj" fmla="val 50000"/>
               </a:avLst>
             </a:prstGeom>
             <a:solidFill>
@@ -7512,12 +7469,12 @@
             </a:ln>
           </p:spPr>
           <p:txBody>
-            <a:bodyPr anchorCtr="0" anchor="ctr" bIns="91425" lIns="91425" spcFirstLastPara="1" rIns="91425" wrap="square" tIns="91425">
+            <a:bodyPr spcFirstLastPara="1" wrap="square" lIns="91425" tIns="91425" rIns="91425" bIns="91425" anchor="ctr" anchorCtr="0">
               <a:noAutofit/>
             </a:bodyPr>
             <a:lstStyle/>
             <a:p>
-              <a:pPr indent="0" lvl="0" marL="0" rtl="0" algn="l">
+              <a:pPr marL="0" lvl="0" indent="0" algn="l" rtl="0">
                 <a:spcBef>
                   <a:spcPts val="0"/>
                 </a:spcBef>
@@ -7526,9 +7483,6 @@
                 </a:spcAft>
                 <a:buNone/>
               </a:pPr>
-              <a:r>
-                <a:t/>
-              </a:r>
               <a:endParaRPr/>
             </a:p>
           </p:txBody>
@@ -7546,7 +7500,7 @@
             </a:xfrm>
             <a:prstGeom prst="diagStripe">
               <a:avLst>
-                <a:gd fmla="val 50000" name="adj"/>
+                <a:gd name="adj" fmla="val 50000"/>
               </a:avLst>
             </a:prstGeom>
             <a:solidFill>
@@ -7559,12 +7513,12 @@
             </a:ln>
           </p:spPr>
           <p:txBody>
-            <a:bodyPr anchorCtr="0" anchor="ctr" bIns="91425" lIns="91425" spcFirstLastPara="1" rIns="91425" wrap="square" tIns="91425">
+            <a:bodyPr spcFirstLastPara="1" wrap="square" lIns="91425" tIns="91425" rIns="91425" bIns="91425" anchor="ctr" anchorCtr="0">
               <a:noAutofit/>
             </a:bodyPr>
             <a:lstStyle/>
             <a:p>
-              <a:pPr indent="0" lvl="0" marL="0" rtl="0" algn="l">
+              <a:pPr marL="0" lvl="0" indent="0" algn="l" rtl="0">
                 <a:spcBef>
                   <a:spcPts val="0"/>
                 </a:spcBef>
@@ -7573,9 +7527,6 @@
                 </a:spcAft>
                 <a:buNone/>
               </a:pPr>
-              <a:r>
-                <a:t/>
-              </a:r>
               <a:endParaRPr/>
             </a:p>
           </p:txBody>
@@ -7593,7 +7544,7 @@
             </a:xfrm>
             <a:prstGeom prst="diagStripe">
               <a:avLst>
-                <a:gd fmla="val 50000" name="adj"/>
+                <a:gd name="adj" fmla="val 50000"/>
               </a:avLst>
             </a:prstGeom>
             <a:solidFill>
@@ -7606,12 +7557,12 @@
             </a:ln>
           </p:spPr>
           <p:txBody>
-            <a:bodyPr anchorCtr="0" anchor="ctr" bIns="91425" lIns="91425" spcFirstLastPara="1" rIns="91425" wrap="square" tIns="91425">
+            <a:bodyPr spcFirstLastPara="1" wrap="square" lIns="91425" tIns="91425" rIns="91425" bIns="91425" anchor="ctr" anchorCtr="0">
               <a:noAutofit/>
             </a:bodyPr>
             <a:lstStyle/>
             <a:p>
-              <a:pPr indent="0" lvl="0" marL="0" rtl="0" algn="l">
+              <a:pPr marL="0" lvl="0" indent="0" algn="l" rtl="0">
                 <a:spcBef>
                   <a:spcPts val="0"/>
                 </a:spcBef>
@@ -7620,9 +7571,6 @@
                 </a:spcAft>
                 <a:buNone/>
               </a:pPr>
-              <a:r>
-                <a:t/>
-              </a:r>
               <a:endParaRPr/>
             </a:p>
           </p:txBody>
@@ -7640,7 +7588,7 @@
             </a:xfrm>
             <a:prstGeom prst="diagStripe">
               <a:avLst>
-                <a:gd fmla="val 50000" name="adj"/>
+                <a:gd name="adj" fmla="val 50000"/>
               </a:avLst>
             </a:prstGeom>
             <a:solidFill>
@@ -7653,12 +7601,12 @@
             </a:ln>
           </p:spPr>
           <p:txBody>
-            <a:bodyPr anchorCtr="0" anchor="ctr" bIns="91425" lIns="91425" spcFirstLastPara="1" rIns="91425" wrap="square" tIns="91425">
+            <a:bodyPr spcFirstLastPara="1" wrap="square" lIns="91425" tIns="91425" rIns="91425" bIns="91425" anchor="ctr" anchorCtr="0">
               <a:noAutofit/>
             </a:bodyPr>
             <a:lstStyle/>
             <a:p>
-              <a:pPr indent="0" lvl="0" marL="0" rtl="0" algn="l">
+              <a:pPr marL="0" lvl="0" indent="0" algn="l" rtl="0">
                 <a:spcBef>
                   <a:spcPts val="0"/>
                 </a:spcBef>
@@ -7667,9 +7615,6 @@
                 </a:spcAft>
                 <a:buNone/>
               </a:pPr>
-              <a:r>
-                <a:t/>
-              </a:r>
               <a:endParaRPr/>
             </a:p>
           </p:txBody>
@@ -7687,7 +7632,7 @@
             </a:xfrm>
             <a:prstGeom prst="diagStripe">
               <a:avLst>
-                <a:gd fmla="val 50000" name="adj"/>
+                <a:gd name="adj" fmla="val 50000"/>
               </a:avLst>
             </a:prstGeom>
             <a:solidFill>
@@ -7700,12 +7645,12 @@
             </a:ln>
           </p:spPr>
           <p:txBody>
-            <a:bodyPr anchorCtr="0" anchor="ctr" bIns="91425" lIns="91425" spcFirstLastPara="1" rIns="91425" wrap="square" tIns="91425">
+            <a:bodyPr spcFirstLastPara="1" wrap="square" lIns="91425" tIns="91425" rIns="91425" bIns="91425" anchor="ctr" anchorCtr="0">
               <a:noAutofit/>
             </a:bodyPr>
             <a:lstStyle/>
             <a:p>
-              <a:pPr indent="0" lvl="0" marL="0" rtl="0" algn="l">
+              <a:pPr marL="0" lvl="0" indent="0" algn="l" rtl="0">
                 <a:spcBef>
                   <a:spcPts val="0"/>
                 </a:spcBef>
@@ -7714,9 +7659,6 @@
                 </a:spcAft>
                 <a:buNone/>
               </a:pPr>
-              <a:r>
-                <a:t/>
-              </a:r>
               <a:endParaRPr/>
             </a:p>
           </p:txBody>
@@ -7734,7 +7676,7 @@
             </a:xfrm>
             <a:prstGeom prst="diagStripe">
               <a:avLst>
-                <a:gd fmla="val 50000" name="adj"/>
+                <a:gd name="adj" fmla="val 50000"/>
               </a:avLst>
             </a:prstGeom>
             <a:solidFill>
@@ -7745,12 +7687,12 @@
             </a:ln>
           </p:spPr>
           <p:txBody>
-            <a:bodyPr anchorCtr="0" anchor="ctr" bIns="91425" lIns="91425" spcFirstLastPara="1" rIns="91425" wrap="square" tIns="91425">
+            <a:bodyPr spcFirstLastPara="1" wrap="square" lIns="91425" tIns="91425" rIns="91425" bIns="91425" anchor="ctr" anchorCtr="0">
               <a:noAutofit/>
             </a:bodyPr>
             <a:lstStyle/>
             <a:p>
-              <a:pPr indent="0" lvl="0" marL="0" rtl="0" algn="l">
+              <a:pPr marL="0" lvl="0" indent="0" algn="l" rtl="0">
                 <a:spcBef>
                   <a:spcPts val="0"/>
                 </a:spcBef>
@@ -7759,9 +7701,6 @@
                 </a:spcAft>
                 <a:buNone/>
               </a:pPr>
-              <a:r>
-                <a:t/>
-              </a:r>
               <a:endParaRPr/>
             </a:p>
           </p:txBody>
@@ -7779,7 +7718,7 @@
             </a:xfrm>
             <a:prstGeom prst="diagStripe">
               <a:avLst>
-                <a:gd fmla="val 50000" name="adj"/>
+                <a:gd name="adj" fmla="val 50000"/>
               </a:avLst>
             </a:prstGeom>
             <a:solidFill>
@@ -7792,12 +7731,12 @@
             </a:ln>
           </p:spPr>
           <p:txBody>
-            <a:bodyPr anchorCtr="0" anchor="ctr" bIns="91425" lIns="91425" spcFirstLastPara="1" rIns="91425" wrap="square" tIns="91425">
+            <a:bodyPr spcFirstLastPara="1" wrap="square" lIns="91425" tIns="91425" rIns="91425" bIns="91425" anchor="ctr" anchorCtr="0">
               <a:noAutofit/>
             </a:bodyPr>
             <a:lstStyle/>
             <a:p>
-              <a:pPr indent="0" lvl="0" marL="0" rtl="0" algn="l">
+              <a:pPr marL="0" lvl="0" indent="0" algn="l" rtl="0">
                 <a:spcBef>
                   <a:spcPts val="0"/>
                 </a:spcBef>
@@ -7806,9 +7745,6 @@
                 </a:spcAft>
                 <a:buNone/>
               </a:pPr>
-              <a:r>
-                <a:t/>
-              </a:r>
               <a:endParaRPr/>
             </a:p>
           </p:txBody>
@@ -7826,7 +7762,7 @@
             </a:xfrm>
             <a:prstGeom prst="diagStripe">
               <a:avLst>
-                <a:gd fmla="val 50000" name="adj"/>
+                <a:gd name="adj" fmla="val 50000"/>
               </a:avLst>
             </a:prstGeom>
             <a:solidFill>
@@ -7839,12 +7775,12 @@
             </a:ln>
           </p:spPr>
           <p:txBody>
-            <a:bodyPr anchorCtr="0" anchor="ctr" bIns="91425" lIns="91425" spcFirstLastPara="1" rIns="91425" wrap="square" tIns="91425">
+            <a:bodyPr spcFirstLastPara="1" wrap="square" lIns="91425" tIns="91425" rIns="91425" bIns="91425" anchor="ctr" anchorCtr="0">
               <a:noAutofit/>
             </a:bodyPr>
             <a:lstStyle/>
             <a:p>
-              <a:pPr indent="0" lvl="0" marL="0" rtl="0" algn="l">
+              <a:pPr marL="0" lvl="0" indent="0" algn="l" rtl="0">
                 <a:spcBef>
                   <a:spcPts val="0"/>
                 </a:spcBef>
@@ -7853,9 +7789,6 @@
                 </a:spcAft>
                 <a:buNone/>
               </a:pPr>
-              <a:r>
-                <a:t/>
-              </a:r>
               <a:endParaRPr/>
             </a:p>
           </p:txBody>
@@ -7873,7 +7806,7 @@
             </a:xfrm>
             <a:prstGeom prst="diagStripe">
               <a:avLst>
-                <a:gd fmla="val 50000" name="adj"/>
+                <a:gd name="adj" fmla="val 50000"/>
               </a:avLst>
             </a:prstGeom>
             <a:solidFill>
@@ -7886,12 +7819,12 @@
             </a:ln>
           </p:spPr>
           <p:txBody>
-            <a:bodyPr anchorCtr="0" anchor="ctr" bIns="91425" lIns="91425" spcFirstLastPara="1" rIns="91425" wrap="square" tIns="91425">
+            <a:bodyPr spcFirstLastPara="1" wrap="square" lIns="91425" tIns="91425" rIns="91425" bIns="91425" anchor="ctr" anchorCtr="0">
               <a:noAutofit/>
             </a:bodyPr>
             <a:lstStyle/>
             <a:p>
-              <a:pPr indent="0" lvl="0" marL="0" rtl="0" algn="l">
+              <a:pPr marL="0" lvl="0" indent="0" algn="l" rtl="0">
                 <a:spcBef>
                   <a:spcPts val="0"/>
                 </a:spcBef>
@@ -7900,9 +7833,6 @@
                 </a:spcAft>
                 <a:buNone/>
               </a:pPr>
-              <a:r>
-                <a:t/>
-              </a:r>
               <a:endParaRPr/>
             </a:p>
           </p:txBody>
@@ -7920,7 +7850,7 @@
             </a:xfrm>
             <a:prstGeom prst="diagStripe">
               <a:avLst>
-                <a:gd fmla="val 50000" name="adj"/>
+                <a:gd name="adj" fmla="val 50000"/>
               </a:avLst>
             </a:prstGeom>
             <a:solidFill>
@@ -7933,12 +7863,12 @@
             </a:ln>
           </p:spPr>
           <p:txBody>
-            <a:bodyPr anchorCtr="0" anchor="ctr" bIns="91425" lIns="91425" spcFirstLastPara="1" rIns="91425" wrap="square" tIns="91425">
+            <a:bodyPr spcFirstLastPara="1" wrap="square" lIns="91425" tIns="91425" rIns="91425" bIns="91425" anchor="ctr" anchorCtr="0">
               <a:noAutofit/>
             </a:bodyPr>
             <a:lstStyle/>
             <a:p>
-              <a:pPr indent="0" lvl="0" marL="0" rtl="0" algn="l">
+              <a:pPr marL="0" lvl="0" indent="0" algn="l" rtl="0">
                 <a:spcBef>
                   <a:spcPts val="0"/>
                 </a:spcBef>
@@ -7947,9 +7877,6 @@
                 </a:spcAft>
                 <a:buNone/>
               </a:pPr>
-              <a:r>
-                <a:t/>
-              </a:r>
               <a:endParaRPr/>
             </a:p>
           </p:txBody>
@@ -7958,7 +7885,9 @@
       <p:sp>
         <p:nvSpPr>
           <p:cNvPr id="89" name="Google Shape;89;p8"/>
-          <p:cNvSpPr txBox="1"/>
+          <p:cNvSpPr txBox="1">
+            <a:spLocks noGrp="1"/>
+          </p:cNvSpPr>
           <p:nvPr>
             <p:ph type="title"/>
           </p:nvPr>
@@ -7973,7 +7902,7 @@
           </a:prstGeom>
         </p:spPr>
         <p:txBody>
-          <a:bodyPr anchorCtr="0" anchor="ctr" bIns="91425" lIns="91425" spcFirstLastPara="1" rIns="91425" wrap="square" tIns="91425"/>
+          <a:bodyPr spcFirstLastPara="1" wrap="square" lIns="91425" tIns="91425" rIns="91425" bIns="91425" anchor="ctr" anchorCtr="0"/>
           <a:lstStyle>
             <a:lvl1pPr lvl="0">
               <a:spcBef>
@@ -8075,15 +8004,19 @@
               <a:defRPr/>
             </a:lvl9pPr>
           </a:lstStyle>
-          <a:p/>
+          <a:p>
+            <a:endParaRPr/>
+          </a:p>
         </p:txBody>
       </p:sp>
       <p:sp>
         <p:nvSpPr>
           <p:cNvPr id="90" name="Google Shape;90;p8"/>
-          <p:cNvSpPr txBox="1"/>
+          <p:cNvSpPr txBox="1">
+            <a:spLocks noGrp="1"/>
+          </p:cNvSpPr>
           <p:nvPr>
-            <p:ph idx="12" type="sldNum"/>
+            <p:ph type="sldNum" idx="12"/>
           </p:nvPr>
         </p:nvSpPr>
         <p:spPr>
@@ -8096,7 +8029,7 @@
           </a:prstGeom>
         </p:spPr>
         <p:txBody>
-          <a:bodyPr anchorCtr="0" anchor="ctr" bIns="91425" lIns="91425" spcFirstLastPara="1" rIns="91425" wrap="square" tIns="91425">
+          <a:bodyPr spcFirstLastPara="1" wrap="square" lIns="91425" tIns="91425" rIns="91425" bIns="91425" anchor="ctr" anchorCtr="0">
             <a:noAutofit/>
           </a:bodyPr>
           <a:lstStyle>
@@ -8138,7 +8071,7 @@
             </a:lvl9pPr>
           </a:lstStyle>
           <a:p>
-            <a:pPr indent="0" lvl="0" marL="0" rtl="0" algn="r">
+            <a:pPr marL="0" lvl="0" indent="0" algn="r" rtl="0">
               <a:spcBef>
                 <a:spcPts val="0"/>
               </a:spcBef>
@@ -8149,7 +8082,7 @@
             </a:pPr>
             <a:fld id="{00000000-1234-1234-1234-123412341234}" type="slidenum">
               <a:rPr lang="nl"/>
-              <a:t>‹#›</a:t>
+              <a:t>‹nr.›</a:t>
             </a:fld>
             <a:endParaRPr/>
           </a:p>
@@ -8164,11 +8097,11 @@
 </file>
 
 <file path=ppt/slideLayouts/slideLayout8.xml><?xml version="1.0" encoding="utf-8"?>
-<p:sldLayout xmlns:a="http://schemas.openxmlformats.org/drawingml/2006/main" xmlns:r="http://schemas.openxmlformats.org/officeDocument/2006/relationships" xmlns:mc="http://schemas.openxmlformats.org/markup-compatibility/2006" xmlns:mv="urn:schemas-microsoft-com:mac:vml" xmlns:p="http://schemas.openxmlformats.org/presentationml/2006/main" xmlns:c="http://schemas.openxmlformats.org/drawingml/2006/chart" xmlns:dgm="http://schemas.openxmlformats.org/drawingml/2006/diagram" xmlns:o="urn:schemas-microsoft-com:office:office" xmlns:v="urn:schemas-microsoft-com:vml" xmlns:pvml="urn:schemas-microsoft-com:office:powerpoint" xmlns:com="http://schemas.openxmlformats.org/drawingml/2006/compatibility" xmlns:p14="http://schemas.microsoft.com/office/powerpoint/2010/main" xmlns:p15="http://schemas.microsoft.com/office/powerpoint/2012/main" matchingName="Section title and description">
+<p:sldLayout xmlns:a="http://schemas.openxmlformats.org/drawingml/2006/main" xmlns:r="http://schemas.openxmlformats.org/officeDocument/2006/relationships" xmlns:p="http://schemas.openxmlformats.org/presentationml/2006/main" matchingName="Section title and description">
   <p:cSld name="SECTION_TITLE_AND_DESCRIPTION">
     <p:spTree>
       <p:nvGrpSpPr>
-        <p:cNvPr id="91" name="Shape 91"/>
+        <p:cNvPr id="1" name="Shape 91"/>
         <p:cNvGrpSpPr/>
         <p:nvPr/>
       </p:nvGrpSpPr>
@@ -8207,7 +8140,7 @@
             </a:xfrm>
             <a:prstGeom prst="diagStripe">
               <a:avLst>
-                <a:gd fmla="val 50000" name="adj"/>
+                <a:gd name="adj" fmla="val 50000"/>
               </a:avLst>
             </a:prstGeom>
             <a:solidFill>
@@ -8218,12 +8151,12 @@
             </a:ln>
           </p:spPr>
           <p:txBody>
-            <a:bodyPr anchorCtr="0" anchor="ctr" bIns="91425" lIns="91425" spcFirstLastPara="1" rIns="91425" wrap="square" tIns="91425">
+            <a:bodyPr spcFirstLastPara="1" wrap="square" lIns="91425" tIns="91425" rIns="91425" bIns="91425" anchor="ctr" anchorCtr="0">
               <a:noAutofit/>
             </a:bodyPr>
             <a:lstStyle/>
             <a:p>
-              <a:pPr indent="0" lvl="0" marL="0" rtl="0" algn="l">
+              <a:pPr marL="0" lvl="0" indent="0" algn="l" rtl="0">
                 <a:spcBef>
                   <a:spcPts val="0"/>
                 </a:spcBef>
@@ -8232,9 +8165,6 @@
                 </a:spcAft>
                 <a:buNone/>
               </a:pPr>
-              <a:r>
-                <a:t/>
-              </a:r>
               <a:endParaRPr/>
             </a:p>
           </p:txBody>
@@ -8252,7 +8182,7 @@
             </a:xfrm>
             <a:prstGeom prst="diagStripe">
               <a:avLst>
-                <a:gd fmla="val 50000" name="adj"/>
+                <a:gd name="adj" fmla="val 50000"/>
               </a:avLst>
             </a:prstGeom>
             <a:solidFill>
@@ -8263,12 +8193,12 @@
             </a:ln>
           </p:spPr>
           <p:txBody>
-            <a:bodyPr anchorCtr="0" anchor="ctr" bIns="91425" lIns="91425" spcFirstLastPara="1" rIns="91425" wrap="square" tIns="91425">
+            <a:bodyPr spcFirstLastPara="1" wrap="square" lIns="91425" tIns="91425" rIns="91425" bIns="91425" anchor="ctr" anchorCtr="0">
               <a:noAutofit/>
             </a:bodyPr>
             <a:lstStyle/>
             <a:p>
-              <a:pPr indent="0" lvl="0" marL="0" rtl="0" algn="l">
+              <a:pPr marL="0" lvl="0" indent="0" algn="l" rtl="0">
                 <a:spcBef>
                   <a:spcPts val="0"/>
                 </a:spcBef>
@@ -8277,9 +8207,6 @@
                 </a:spcAft>
                 <a:buNone/>
               </a:pPr>
-              <a:r>
-                <a:t/>
-              </a:r>
               <a:endParaRPr/>
             </a:p>
           </p:txBody>
@@ -8288,7 +8215,9 @@
       <p:sp>
         <p:nvSpPr>
           <p:cNvPr id="95" name="Google Shape;95;p9"/>
-          <p:cNvSpPr txBox="1"/>
+          <p:cNvSpPr txBox="1">
+            <a:spLocks noGrp="1"/>
+          </p:cNvSpPr>
           <p:nvPr>
             <p:ph type="title"/>
           </p:nvPr>
@@ -8303,7 +8232,7 @@
           </a:prstGeom>
         </p:spPr>
         <p:txBody>
-          <a:bodyPr anchorCtr="0" anchor="t" bIns="91425" lIns="91425" spcFirstLastPara="1" rIns="91425" wrap="square" tIns="91425"/>
+          <a:bodyPr spcFirstLastPara="1" wrap="square" lIns="91425" tIns="91425" rIns="91425" bIns="91425" anchor="t" anchorCtr="0"/>
           <a:lstStyle>
             <a:lvl1pPr lvl="0">
               <a:spcBef>
@@ -8405,15 +8334,19 @@
               <a:defRPr sz="2400"/>
             </a:lvl9pPr>
           </a:lstStyle>
-          <a:p/>
+          <a:p>
+            <a:endParaRPr/>
+          </a:p>
         </p:txBody>
       </p:sp>
       <p:sp>
         <p:nvSpPr>
           <p:cNvPr id="96" name="Google Shape;96;p9"/>
-          <p:cNvSpPr txBox="1"/>
+          <p:cNvSpPr txBox="1">
+            <a:spLocks noGrp="1"/>
+          </p:cNvSpPr>
           <p:nvPr>
-            <p:ph idx="1" type="subTitle"/>
+            <p:ph type="subTitle" idx="1"/>
           </p:nvPr>
         </p:nvSpPr>
         <p:spPr>
@@ -8426,7 +8359,7 @@
           </a:prstGeom>
         </p:spPr>
         <p:txBody>
-          <a:bodyPr anchorCtr="0" anchor="t" bIns="91425" lIns="91425" spcFirstLastPara="1" rIns="91425" wrap="square" tIns="91425"/>
+          <a:bodyPr spcFirstLastPara="1" wrap="square" lIns="91425" tIns="91425" rIns="91425" bIns="91425" anchor="t" anchorCtr="0"/>
           <a:lstStyle>
             <a:lvl1pPr lvl="0">
               <a:lnSpc>
@@ -8555,15 +8488,19 @@
               <a:defRPr sz="1300"/>
             </a:lvl9pPr>
           </a:lstStyle>
-          <a:p/>
+          <a:p>
+            <a:endParaRPr/>
+          </a:p>
         </p:txBody>
       </p:sp>
       <p:sp>
         <p:nvSpPr>
           <p:cNvPr id="97" name="Google Shape;97;p9"/>
-          <p:cNvSpPr txBox="1"/>
+          <p:cNvSpPr txBox="1">
+            <a:spLocks noGrp="1"/>
+          </p:cNvSpPr>
           <p:nvPr>
-            <p:ph idx="2" type="body"/>
+            <p:ph type="body" idx="2"/>
           </p:nvPr>
         </p:nvSpPr>
         <p:spPr>
@@ -8576,9 +8513,9 @@
           </a:prstGeom>
         </p:spPr>
         <p:txBody>
-          <a:bodyPr anchorCtr="0" anchor="t" bIns="91425" lIns="91425" spcFirstLastPara="1" rIns="91425" wrap="square" tIns="91425"/>
+          <a:bodyPr spcFirstLastPara="1" wrap="square" lIns="91425" tIns="91425" rIns="91425" bIns="91425" anchor="t" anchorCtr="0"/>
           <a:lstStyle>
-            <a:lvl1pPr indent="-311150" lvl="0" marL="457200">
+            <a:lvl1pPr marL="457200" lvl="0" indent="-311150">
               <a:spcBef>
                 <a:spcPts val="0"/>
               </a:spcBef>
@@ -8589,7 +8526,7 @@
               <a:buChar char="●"/>
               <a:defRPr/>
             </a:lvl1pPr>
-            <a:lvl2pPr indent="-298450" lvl="1" marL="914400">
+            <a:lvl2pPr marL="914400" lvl="1" indent="-298450">
               <a:spcBef>
                 <a:spcPts val="1600"/>
               </a:spcBef>
@@ -8600,7 +8537,7 @@
               <a:buChar char="○"/>
               <a:defRPr/>
             </a:lvl2pPr>
-            <a:lvl3pPr indent="-298450" lvl="2" marL="1371600">
+            <a:lvl3pPr marL="1371600" lvl="2" indent="-298450">
               <a:spcBef>
                 <a:spcPts val="1600"/>
               </a:spcBef>
@@ -8611,7 +8548,7 @@
               <a:buChar char="■"/>
               <a:defRPr/>
             </a:lvl3pPr>
-            <a:lvl4pPr indent="-298450" lvl="3" marL="1828800">
+            <a:lvl4pPr marL="1828800" lvl="3" indent="-298450">
               <a:spcBef>
                 <a:spcPts val="1600"/>
               </a:spcBef>
@@ -8622,7 +8559,7 @@
               <a:buChar char="●"/>
               <a:defRPr/>
             </a:lvl4pPr>
-            <a:lvl5pPr indent="-298450" lvl="4" marL="2286000">
+            <a:lvl5pPr marL="2286000" lvl="4" indent="-298450">
               <a:spcBef>
                 <a:spcPts val="1600"/>
               </a:spcBef>
@@ -8633,7 +8570,7 @@
               <a:buChar char="○"/>
               <a:defRPr/>
             </a:lvl5pPr>
-            <a:lvl6pPr indent="-298450" lvl="5" marL="2743200">
+            <a:lvl6pPr marL="2743200" lvl="5" indent="-298450">
               <a:spcBef>
                 <a:spcPts val="1600"/>
               </a:spcBef>
@@ -8644,7 +8581,7 @@
               <a:buChar char="■"/>
               <a:defRPr/>
             </a:lvl6pPr>
-            <a:lvl7pPr indent="-298450" lvl="6" marL="3200400">
+            <a:lvl7pPr marL="3200400" lvl="6" indent="-298450">
               <a:spcBef>
                 <a:spcPts val="1600"/>
               </a:spcBef>
@@ -8655,7 +8592,7 @@
               <a:buChar char="●"/>
               <a:defRPr/>
             </a:lvl7pPr>
-            <a:lvl8pPr indent="-298450" lvl="7" marL="3657600">
+            <a:lvl8pPr marL="3657600" lvl="7" indent="-298450">
               <a:spcBef>
                 <a:spcPts val="1600"/>
               </a:spcBef>
@@ -8666,7 +8603,7 @@
               <a:buChar char="○"/>
               <a:defRPr/>
             </a:lvl8pPr>
-            <a:lvl9pPr indent="-298450" lvl="8" marL="4114800">
+            <a:lvl9pPr marL="4114800" lvl="8" indent="-298450">
               <a:spcBef>
                 <a:spcPts val="1600"/>
               </a:spcBef>
@@ -8678,15 +8615,19 @@
               <a:defRPr/>
             </a:lvl9pPr>
           </a:lstStyle>
-          <a:p/>
+          <a:p>
+            <a:endParaRPr/>
+          </a:p>
         </p:txBody>
       </p:sp>
       <p:sp>
         <p:nvSpPr>
           <p:cNvPr id="98" name="Google Shape;98;p9"/>
-          <p:cNvSpPr txBox="1"/>
+          <p:cNvSpPr txBox="1">
+            <a:spLocks noGrp="1"/>
+          </p:cNvSpPr>
           <p:nvPr>
-            <p:ph idx="12" type="sldNum"/>
+            <p:ph type="sldNum" idx="12"/>
           </p:nvPr>
         </p:nvSpPr>
         <p:spPr>
@@ -8699,7 +8640,7 @@
           </a:prstGeom>
         </p:spPr>
         <p:txBody>
-          <a:bodyPr anchorCtr="0" anchor="ctr" bIns="91425" lIns="91425" spcFirstLastPara="1" rIns="91425" wrap="square" tIns="91425">
+          <a:bodyPr spcFirstLastPara="1" wrap="square" lIns="91425" tIns="91425" rIns="91425" bIns="91425" anchor="ctr" anchorCtr="0">
             <a:noAutofit/>
           </a:bodyPr>
           <a:lstStyle>
@@ -8741,7 +8682,7 @@
             </a:lvl9pPr>
           </a:lstStyle>
           <a:p>
-            <a:pPr indent="0" lvl="0" marL="0" rtl="0" algn="r">
+            <a:pPr marL="0" lvl="0" indent="0" algn="r" rtl="0">
               <a:spcBef>
                 <a:spcPts val="0"/>
               </a:spcBef>
@@ -8752,7 +8693,7 @@
             </a:pPr>
             <a:fld id="{00000000-1234-1234-1234-123412341234}" type="slidenum">
               <a:rPr lang="nl"/>
-              <a:t>‹#›</a:t>
+              <a:t>‹nr.›</a:t>
             </a:fld>
             <a:endParaRPr/>
           </a:p>
@@ -8767,11 +8708,11 @@
 </file>
 
 <file path=ppt/slideLayouts/slideLayout9.xml><?xml version="1.0" encoding="utf-8"?>
-<p:sldLayout xmlns:a="http://schemas.openxmlformats.org/drawingml/2006/main" xmlns:r="http://schemas.openxmlformats.org/officeDocument/2006/relationships" xmlns:mc="http://schemas.openxmlformats.org/markup-compatibility/2006" xmlns:mv="urn:schemas-microsoft-com:mac:vml" xmlns:p="http://schemas.openxmlformats.org/presentationml/2006/main" xmlns:c="http://schemas.openxmlformats.org/drawingml/2006/chart" xmlns:dgm="http://schemas.openxmlformats.org/drawingml/2006/diagram" xmlns:o="urn:schemas-microsoft-com:office:office" xmlns:v="urn:schemas-microsoft-com:vml" xmlns:pvml="urn:schemas-microsoft-com:office:powerpoint" xmlns:com="http://schemas.openxmlformats.org/drawingml/2006/compatibility" xmlns:p14="http://schemas.microsoft.com/office/powerpoint/2010/main" xmlns:p15="http://schemas.microsoft.com/office/powerpoint/2012/main" matchingName="Caption">
+<p:sldLayout xmlns:a="http://schemas.openxmlformats.org/drawingml/2006/main" xmlns:r="http://schemas.openxmlformats.org/officeDocument/2006/relationships" xmlns:p="http://schemas.openxmlformats.org/presentationml/2006/main" matchingName="Caption">
   <p:cSld name="CAPTION_ONLY">
     <p:spTree>
       <p:nvGrpSpPr>
-        <p:cNvPr id="99" name="Shape 99"/>
+        <p:cNvPr id="1" name="Shape 99"/>
         <p:cNvGrpSpPr/>
         <p:nvPr/>
       </p:nvGrpSpPr>
@@ -8810,7 +8751,7 @@
             </a:xfrm>
             <a:prstGeom prst="diagStripe">
               <a:avLst>
-                <a:gd fmla="val 50000" name="adj"/>
+                <a:gd name="adj" fmla="val 50000"/>
               </a:avLst>
             </a:prstGeom>
             <a:solidFill>
@@ -8823,12 +8764,12 @@
             </a:ln>
           </p:spPr>
           <p:txBody>
-            <a:bodyPr anchorCtr="0" anchor="ctr" bIns="91425" lIns="91425" spcFirstLastPara="1" rIns="91425" wrap="square" tIns="91425">
+            <a:bodyPr spcFirstLastPara="1" wrap="square" lIns="91425" tIns="91425" rIns="91425" bIns="91425" anchor="ctr" anchorCtr="0">
               <a:noAutofit/>
             </a:bodyPr>
             <a:lstStyle/>
             <a:p>
-              <a:pPr indent="0" lvl="0" marL="0" rtl="0" algn="l">
+              <a:pPr marL="0" lvl="0" indent="0" algn="l" rtl="0">
                 <a:spcBef>
                   <a:spcPts val="0"/>
                 </a:spcBef>
@@ -8837,9 +8778,6 @@
                 </a:spcAft>
                 <a:buNone/>
               </a:pPr>
-              <a:r>
-                <a:t/>
-              </a:r>
               <a:endParaRPr/>
             </a:p>
           </p:txBody>
@@ -8857,7 +8795,7 @@
             </a:xfrm>
             <a:prstGeom prst="diagStripe">
               <a:avLst>
-                <a:gd fmla="val 50000" name="adj"/>
+                <a:gd name="adj" fmla="val 50000"/>
               </a:avLst>
             </a:prstGeom>
             <a:solidFill>
@@ -8870,12 +8808,12 @@
             </a:ln>
           </p:spPr>
           <p:txBody>
-            <a:bodyPr anchorCtr="0" anchor="ctr" bIns="91425" lIns="91425" spcFirstLastPara="1" rIns="91425" wrap="square" tIns="91425">
+            <a:bodyPr spcFirstLastPara="1" wrap="square" lIns="91425" tIns="91425" rIns="91425" bIns="91425" anchor="ctr" anchorCtr="0">
               <a:noAutofit/>
             </a:bodyPr>
             <a:lstStyle/>
             <a:p>
-              <a:pPr indent="0" lvl="0" marL="0" rtl="0" algn="l">
+              <a:pPr marL="0" lvl="0" indent="0" algn="l" rtl="0">
                 <a:spcBef>
                   <a:spcPts val="0"/>
                 </a:spcBef>
@@ -8884,9 +8822,6 @@
                 </a:spcAft>
                 <a:buNone/>
               </a:pPr>
-              <a:r>
-                <a:t/>
-              </a:r>
               <a:endParaRPr/>
             </a:p>
           </p:txBody>
@@ -8895,9 +8830,11 @@
       <p:sp>
         <p:nvSpPr>
           <p:cNvPr id="103" name="Google Shape;103;p10"/>
-          <p:cNvSpPr txBox="1"/>
+          <p:cNvSpPr txBox="1">
+            <a:spLocks noGrp="1"/>
+          </p:cNvSpPr>
           <p:nvPr>
-            <p:ph idx="1" type="body"/>
+            <p:ph type="body" idx="1"/>
           </p:nvPr>
         </p:nvSpPr>
         <p:spPr>
@@ -8910,9 +8847,9 @@
           </a:prstGeom>
         </p:spPr>
         <p:txBody>
-          <a:bodyPr anchorCtr="0" anchor="ctr" bIns="91425" lIns="91425" spcFirstLastPara="1" rIns="91425" wrap="square" tIns="91425"/>
+          <a:bodyPr spcFirstLastPara="1" wrap="square" lIns="91425" tIns="91425" rIns="91425" bIns="91425" anchor="ctr" anchorCtr="0"/>
           <a:lstStyle>
-            <a:lvl1pPr indent="-228600" lvl="0" marL="457200">
+            <a:lvl1pPr marL="457200" lvl="0" indent="-228600">
               <a:lnSpc>
                 <a:spcPct val="100000"/>
               </a:lnSpc>
@@ -8927,15 +8864,19 @@
               <a:defRPr/>
             </a:lvl1pPr>
           </a:lstStyle>
-          <a:p/>
+          <a:p>
+            <a:endParaRPr/>
+          </a:p>
         </p:txBody>
       </p:sp>
       <p:sp>
         <p:nvSpPr>
           <p:cNvPr id="104" name="Google Shape;104;p10"/>
-          <p:cNvSpPr txBox="1"/>
+          <p:cNvSpPr txBox="1">
+            <a:spLocks noGrp="1"/>
+          </p:cNvSpPr>
           <p:nvPr>
-            <p:ph idx="12" type="sldNum"/>
+            <p:ph type="sldNum" idx="12"/>
           </p:nvPr>
         </p:nvSpPr>
         <p:spPr>
@@ -8948,7 +8889,7 @@
           </a:prstGeom>
         </p:spPr>
         <p:txBody>
-          <a:bodyPr anchorCtr="0" anchor="ctr" bIns="91425" lIns="91425" spcFirstLastPara="1" rIns="91425" wrap="square" tIns="91425">
+          <a:bodyPr spcFirstLastPara="1" wrap="square" lIns="91425" tIns="91425" rIns="91425" bIns="91425" anchor="ctr" anchorCtr="0">
             <a:noAutofit/>
           </a:bodyPr>
           <a:lstStyle>
@@ -8990,7 +8931,7 @@
             </a:lvl9pPr>
           </a:lstStyle>
           <a:p>
-            <a:pPr indent="0" lvl="0" marL="0" rtl="0" algn="r">
+            <a:pPr marL="0" lvl="0" indent="0" algn="r" rtl="0">
               <a:spcBef>
                 <a:spcPts val="0"/>
               </a:spcBef>
@@ -9001,7 +8942,7 @@
             </a:pPr>
             <a:fld id="{00000000-1234-1234-1234-123412341234}" type="slidenum">
               <a:rPr lang="nl"/>
-              <a:t>‹#›</a:t>
+              <a:t>‹nr.›</a:t>
             </a:fld>
             <a:endParaRPr/>
           </a:p>
@@ -9016,18 +8957,19 @@
 </file>
 
 <file path=ppt/slideMasters/slideMaster1.xml><?xml version="1.0" encoding="utf-8"?>
-<p:sldMaster xmlns:a="http://schemas.openxmlformats.org/drawingml/2006/main" xmlns:r="http://schemas.openxmlformats.org/officeDocument/2006/relationships" xmlns:mc="http://schemas.openxmlformats.org/markup-compatibility/2006" xmlns:mv="urn:schemas-microsoft-com:mac:vml" xmlns:p="http://schemas.openxmlformats.org/presentationml/2006/main" xmlns:c="http://schemas.openxmlformats.org/drawingml/2006/chart" xmlns:dgm="http://schemas.openxmlformats.org/drawingml/2006/diagram" xmlns:o="urn:schemas-microsoft-com:office:office" xmlns:v="urn:schemas-microsoft-com:vml" xmlns:pvml="urn:schemas-microsoft-com:office:powerpoint" xmlns:com="http://schemas.openxmlformats.org/drawingml/2006/compatibility" xmlns:p14="http://schemas.microsoft.com/office/powerpoint/2010/main" xmlns:p15="http://schemas.microsoft.com/office/powerpoint/2012/main">
+<p:sldMaster xmlns:a="http://schemas.openxmlformats.org/drawingml/2006/main" xmlns:r="http://schemas.openxmlformats.org/officeDocument/2006/relationships" xmlns:p="http://schemas.openxmlformats.org/presentationml/2006/main">
   <p:cSld name="focus">
     <p:bg>
       <p:bgPr>
         <a:solidFill>
           <a:schemeClr val="dk1"/>
         </a:solidFill>
+        <a:effectLst/>
       </p:bgPr>
     </p:bg>
     <p:spTree>
       <p:nvGrpSpPr>
-        <p:cNvPr id="5" name="Shape 5"/>
+        <p:cNvPr id="1" name="Shape 5"/>
         <p:cNvGrpSpPr/>
         <p:nvPr/>
       </p:nvGrpSpPr>
@@ -9042,7 +8984,9 @@
       <p:sp>
         <p:nvSpPr>
           <p:cNvPr id="6" name="Google Shape;6;p1"/>
-          <p:cNvSpPr txBox="1"/>
+          <p:cNvSpPr txBox="1">
+            <a:spLocks noGrp="1"/>
+          </p:cNvSpPr>
           <p:nvPr>
             <p:ph type="title"/>
           </p:nvPr>
@@ -9061,7 +9005,7 @@
           </a:ln>
         </p:spPr>
         <p:txBody>
-          <a:bodyPr anchorCtr="0" anchor="t" bIns="91425" lIns="91425" spcFirstLastPara="1" rIns="91425" wrap="square" tIns="91425"/>
+          <a:bodyPr spcFirstLastPara="1" wrap="square" lIns="91425" tIns="91425" rIns="91425" bIns="91425" anchor="t" anchorCtr="0"/>
           <a:lstStyle>
             <a:lvl1pPr lvl="0">
               <a:spcBef>
@@ -9271,15 +9215,19 @@
               </a:defRPr>
             </a:lvl9pPr>
           </a:lstStyle>
-          <a:p/>
+          <a:p>
+            <a:endParaRPr/>
+          </a:p>
         </p:txBody>
       </p:sp>
       <p:sp>
         <p:nvSpPr>
           <p:cNvPr id="7" name="Google Shape;7;p1"/>
-          <p:cNvSpPr txBox="1"/>
+          <p:cNvSpPr txBox="1">
+            <a:spLocks noGrp="1"/>
+          </p:cNvSpPr>
           <p:nvPr>
-            <p:ph idx="1" type="body"/>
+            <p:ph type="body" idx="1"/>
           </p:nvPr>
         </p:nvSpPr>
         <p:spPr>
@@ -9296,9 +9244,9 @@
           </a:ln>
         </p:spPr>
         <p:txBody>
-          <a:bodyPr anchorCtr="0" anchor="t" bIns="91425" lIns="91425" spcFirstLastPara="1" rIns="91425" wrap="square" tIns="91425"/>
+          <a:bodyPr spcFirstLastPara="1" wrap="square" lIns="91425" tIns="91425" rIns="91425" bIns="91425" anchor="t" anchorCtr="0"/>
           <a:lstStyle>
-            <a:lvl1pPr indent="-311150" lvl="0" marL="457200">
+            <a:lvl1pPr marL="457200" lvl="0" indent="-311150">
               <a:lnSpc>
                 <a:spcPct val="115000"/>
               </a:lnSpc>
@@ -9324,7 +9272,7 @@
                 <a:sym typeface="Lato"/>
               </a:defRPr>
             </a:lvl1pPr>
-            <a:lvl2pPr indent="-298450" lvl="1" marL="914400">
+            <a:lvl2pPr marL="914400" lvl="1" indent="-298450">
               <a:lnSpc>
                 <a:spcPct val="115000"/>
               </a:lnSpc>
@@ -9350,7 +9298,7 @@
                 <a:sym typeface="Lato"/>
               </a:defRPr>
             </a:lvl2pPr>
-            <a:lvl3pPr indent="-298450" lvl="2" marL="1371600">
+            <a:lvl3pPr marL="1371600" lvl="2" indent="-298450">
               <a:lnSpc>
                 <a:spcPct val="115000"/>
               </a:lnSpc>
@@ -9376,7 +9324,7 @@
                 <a:sym typeface="Lato"/>
               </a:defRPr>
             </a:lvl3pPr>
-            <a:lvl4pPr indent="-298450" lvl="3" marL="1828800">
+            <a:lvl4pPr marL="1828800" lvl="3" indent="-298450">
               <a:lnSpc>
                 <a:spcPct val="115000"/>
               </a:lnSpc>
@@ -9402,7 +9350,7 @@
                 <a:sym typeface="Lato"/>
               </a:defRPr>
             </a:lvl4pPr>
-            <a:lvl5pPr indent="-298450" lvl="4" marL="2286000">
+            <a:lvl5pPr marL="2286000" lvl="4" indent="-298450">
               <a:lnSpc>
                 <a:spcPct val="115000"/>
               </a:lnSpc>
@@ -9428,7 +9376,7 @@
                 <a:sym typeface="Lato"/>
               </a:defRPr>
             </a:lvl5pPr>
-            <a:lvl6pPr indent="-298450" lvl="5" marL="2743200">
+            <a:lvl6pPr marL="2743200" lvl="5" indent="-298450">
               <a:lnSpc>
                 <a:spcPct val="115000"/>
               </a:lnSpc>
@@ -9454,7 +9402,7 @@
                 <a:sym typeface="Lato"/>
               </a:defRPr>
             </a:lvl6pPr>
-            <a:lvl7pPr indent="-298450" lvl="6" marL="3200400">
+            <a:lvl7pPr marL="3200400" lvl="6" indent="-298450">
               <a:lnSpc>
                 <a:spcPct val="115000"/>
               </a:lnSpc>
@@ -9480,7 +9428,7 @@
                 <a:sym typeface="Lato"/>
               </a:defRPr>
             </a:lvl7pPr>
-            <a:lvl8pPr indent="-298450" lvl="7" marL="3657600">
+            <a:lvl8pPr marL="3657600" lvl="7" indent="-298450">
               <a:lnSpc>
                 <a:spcPct val="115000"/>
               </a:lnSpc>
@@ -9506,7 +9454,7 @@
                 <a:sym typeface="Lato"/>
               </a:defRPr>
             </a:lvl8pPr>
-            <a:lvl9pPr indent="-298450" lvl="8" marL="4114800">
+            <a:lvl9pPr marL="4114800" lvl="8" indent="-298450">
               <a:lnSpc>
                 <a:spcPct val="115000"/>
               </a:lnSpc>
@@ -9533,15 +9481,19 @@
               </a:defRPr>
             </a:lvl9pPr>
           </a:lstStyle>
-          <a:p/>
+          <a:p>
+            <a:endParaRPr/>
+          </a:p>
         </p:txBody>
       </p:sp>
       <p:sp>
         <p:nvSpPr>
           <p:cNvPr id="8" name="Google Shape;8;p1"/>
-          <p:cNvSpPr txBox="1"/>
+          <p:cNvSpPr txBox="1">
+            <a:spLocks noGrp="1"/>
+          </p:cNvSpPr>
           <p:nvPr>
-            <p:ph idx="12" type="sldNum"/>
+            <p:ph type="sldNum" idx="12"/>
           </p:nvPr>
         </p:nvSpPr>
         <p:spPr>
@@ -9558,7 +9510,7 @@
           </a:ln>
         </p:spPr>
         <p:txBody>
-          <a:bodyPr anchorCtr="0" anchor="ctr" bIns="91425" lIns="91425" spcFirstLastPara="1" rIns="91425" wrap="square" tIns="91425">
+          <a:bodyPr spcFirstLastPara="1" wrap="square" lIns="91425" tIns="91425" rIns="91425" bIns="91425" anchor="ctr" anchorCtr="0">
             <a:noAutofit/>
           </a:bodyPr>
           <a:lstStyle>
@@ -9672,7 +9624,7 @@
             </a:lvl9pPr>
           </a:lstStyle>
           <a:p>
-            <a:pPr indent="0" lvl="0" marL="0" rtl="0" algn="r">
+            <a:pPr marL="0" lvl="0" indent="0" algn="r" rtl="0">
               <a:spcBef>
                 <a:spcPts val="0"/>
               </a:spcBef>
@@ -9683,7 +9635,7 @@
             </a:pPr>
             <a:fld id="{00000000-1234-1234-1234-123412341234}" type="slidenum">
               <a:rPr lang="nl"/>
-              <a:t>‹#›</a:t>
+              <a:t>‹nr.›</a:t>
             </a:fld>
             <a:endParaRPr/>
           </a:p>
@@ -9691,7 +9643,7 @@
       </p:sp>
     </p:spTree>
   </p:cSld>
-  <p:clrMap accent1="accent1" accent2="accent2" accent3="accent3" accent4="accent4" accent5="accent5" accent6="accent6" bg1="lt1" bg2="dk2" tx1="dk1" tx2="lt2" folHlink="folHlink" hlink="hlink"/>
+  <p:clrMap bg1="lt1" tx1="dk1" bg2="dk2" tx2="lt2" accent1="accent1" accent2="accent2" accent3="accent3" accent4="accent4" accent5="accent5" accent6="accent6" hlink="hlink" folHlink="folHlink"/>
   <p:sldLayoutIdLst>
     <p:sldLayoutId id="2147483648" r:id="rId1"/>
     <p:sldLayoutId id="2147483649" r:id="rId2"/>
@@ -9705,10 +9657,10 @@
     <p:sldLayoutId id="2147483657" r:id="rId10"/>
     <p:sldLayoutId id="2147483658" r:id="rId11"/>
   </p:sldLayoutIdLst>
-  <p:hf dt="0" ftr="0" hdr="0" sldNum="0"/>
+  <p:hf sldNum="0" hdr="0" ftr="0" dt="0"/>
   <p:txStyles>
     <p:titleStyle>
-      <a:defPPr lvl="0" marR="0" rtl="0" algn="l">
+      <a:defPPr marR="0" lvl="0" algn="l" rtl="0">
         <a:lnSpc>
           <a:spcPct val="100000"/>
         </a:lnSpc>
@@ -9719,7 +9671,7 @@
           <a:spcPts val="0"/>
         </a:spcAft>
       </a:defPPr>
-      <a:lvl1pPr lvl="0" marR="0" rtl="0" algn="l">
+      <a:lvl1pPr marR="0" lvl="0" algn="l" rtl="0">
         <a:lnSpc>
           <a:spcPct val="100000"/>
         </a:lnSpc>
@@ -9733,7 +9685,7 @@
           <a:srgbClr val="000000"/>
         </a:buClr>
         <a:buFont typeface="Arial"/>
-        <a:defRPr b="0" i="0" sz="1400" u="none" cap="none" strike="noStrike">
+        <a:defRPr sz="1400" b="0" i="0" u="none" strike="noStrike" cap="none">
           <a:solidFill>
             <a:srgbClr val="000000"/>
           </a:solidFill>
@@ -9743,7 +9695,7 @@
           <a:sym typeface="Arial"/>
         </a:defRPr>
       </a:lvl1pPr>
-      <a:lvl2pPr lvl="1" marR="0" rtl="0" algn="l">
+      <a:lvl2pPr marR="0" lvl="1" algn="l" rtl="0">
         <a:lnSpc>
           <a:spcPct val="100000"/>
         </a:lnSpc>
@@ -9757,7 +9709,7 @@
           <a:srgbClr val="000000"/>
         </a:buClr>
         <a:buFont typeface="Arial"/>
-        <a:defRPr b="0" i="0" sz="1400" u="none" cap="none" strike="noStrike">
+        <a:defRPr sz="1400" b="0" i="0" u="none" strike="noStrike" cap="none">
           <a:solidFill>
             <a:srgbClr val="000000"/>
           </a:solidFill>
@@ -9767,7 +9719,7 @@
           <a:sym typeface="Arial"/>
         </a:defRPr>
       </a:lvl2pPr>
-      <a:lvl3pPr lvl="2" marR="0" rtl="0" algn="l">
+      <a:lvl3pPr marR="0" lvl="2" algn="l" rtl="0">
         <a:lnSpc>
           <a:spcPct val="100000"/>
         </a:lnSpc>
@@ -9781,7 +9733,7 @@
           <a:srgbClr val="000000"/>
         </a:buClr>
         <a:buFont typeface="Arial"/>
-        <a:defRPr b="0" i="0" sz="1400" u="none" cap="none" strike="noStrike">
+        <a:defRPr sz="1400" b="0" i="0" u="none" strike="noStrike" cap="none">
           <a:solidFill>
             <a:srgbClr val="000000"/>
           </a:solidFill>
@@ -9791,7 +9743,7 @@
           <a:sym typeface="Arial"/>
         </a:defRPr>
       </a:lvl3pPr>
-      <a:lvl4pPr lvl="3" marR="0" rtl="0" algn="l">
+      <a:lvl4pPr marR="0" lvl="3" algn="l" rtl="0">
         <a:lnSpc>
           <a:spcPct val="100000"/>
         </a:lnSpc>
@@ -9805,7 +9757,7 @@
           <a:srgbClr val="000000"/>
         </a:buClr>
         <a:buFont typeface="Arial"/>
-        <a:defRPr b="0" i="0" sz="1400" u="none" cap="none" strike="noStrike">
+        <a:defRPr sz="1400" b="0" i="0" u="none" strike="noStrike" cap="none">
           <a:solidFill>
             <a:srgbClr val="000000"/>
           </a:solidFill>
@@ -9815,7 +9767,7 @@
           <a:sym typeface="Arial"/>
         </a:defRPr>
       </a:lvl4pPr>
-      <a:lvl5pPr lvl="4" marR="0" rtl="0" algn="l">
+      <a:lvl5pPr marR="0" lvl="4" algn="l" rtl="0">
         <a:lnSpc>
           <a:spcPct val="100000"/>
         </a:lnSpc>
@@ -9829,7 +9781,7 @@
           <a:srgbClr val="000000"/>
         </a:buClr>
         <a:buFont typeface="Arial"/>
-        <a:defRPr b="0" i="0" sz="1400" u="none" cap="none" strike="noStrike">
+        <a:defRPr sz="1400" b="0" i="0" u="none" strike="noStrike" cap="none">
           <a:solidFill>
             <a:srgbClr val="000000"/>
           </a:solidFill>
@@ -9839,7 +9791,7 @@
           <a:sym typeface="Arial"/>
         </a:defRPr>
       </a:lvl5pPr>
-      <a:lvl6pPr lvl="5" marR="0" rtl="0" algn="l">
+      <a:lvl6pPr marR="0" lvl="5" algn="l" rtl="0">
         <a:lnSpc>
           <a:spcPct val="100000"/>
         </a:lnSpc>
@@ -9853,7 +9805,7 @@
           <a:srgbClr val="000000"/>
         </a:buClr>
         <a:buFont typeface="Arial"/>
-        <a:defRPr b="0" i="0" sz="1400" u="none" cap="none" strike="noStrike">
+        <a:defRPr sz="1400" b="0" i="0" u="none" strike="noStrike" cap="none">
           <a:solidFill>
             <a:srgbClr val="000000"/>
           </a:solidFill>
@@ -9863,7 +9815,7 @@
           <a:sym typeface="Arial"/>
         </a:defRPr>
       </a:lvl6pPr>
-      <a:lvl7pPr lvl="6" marR="0" rtl="0" algn="l">
+      <a:lvl7pPr marR="0" lvl="6" algn="l" rtl="0">
         <a:lnSpc>
           <a:spcPct val="100000"/>
         </a:lnSpc>
@@ -9877,7 +9829,7 @@
           <a:srgbClr val="000000"/>
         </a:buClr>
         <a:buFont typeface="Arial"/>
-        <a:defRPr b="0" i="0" sz="1400" u="none" cap="none" strike="noStrike">
+        <a:defRPr sz="1400" b="0" i="0" u="none" strike="noStrike" cap="none">
           <a:solidFill>
             <a:srgbClr val="000000"/>
           </a:solidFill>
@@ -9887,7 +9839,7 @@
           <a:sym typeface="Arial"/>
         </a:defRPr>
       </a:lvl7pPr>
-      <a:lvl8pPr lvl="7" marR="0" rtl="0" algn="l">
+      <a:lvl8pPr marR="0" lvl="7" algn="l" rtl="0">
         <a:lnSpc>
           <a:spcPct val="100000"/>
         </a:lnSpc>
@@ -9901,7 +9853,7 @@
           <a:srgbClr val="000000"/>
         </a:buClr>
         <a:buFont typeface="Arial"/>
-        <a:defRPr b="0" i="0" sz="1400" u="none" cap="none" strike="noStrike">
+        <a:defRPr sz="1400" b="0" i="0" u="none" strike="noStrike" cap="none">
           <a:solidFill>
             <a:srgbClr val="000000"/>
           </a:solidFill>
@@ -9911,7 +9863,7 @@
           <a:sym typeface="Arial"/>
         </a:defRPr>
       </a:lvl8pPr>
-      <a:lvl9pPr lvl="8" marR="0" rtl="0" algn="l">
+      <a:lvl9pPr marR="0" lvl="8" algn="l" rtl="0">
         <a:lnSpc>
           <a:spcPct val="100000"/>
         </a:lnSpc>
@@ -9925,7 +9877,7 @@
           <a:srgbClr val="000000"/>
         </a:buClr>
         <a:buFont typeface="Arial"/>
-        <a:defRPr b="0" i="0" sz="1400" u="none" cap="none" strike="noStrike">
+        <a:defRPr sz="1400" b="0" i="0" u="none" strike="noStrike" cap="none">
           <a:solidFill>
             <a:srgbClr val="000000"/>
           </a:solidFill>
@@ -9937,7 +9889,7 @@
       </a:lvl9pPr>
     </p:titleStyle>
     <p:bodyStyle>
-      <a:defPPr lvl="0" marR="0" rtl="0" algn="l">
+      <a:defPPr marR="0" lvl="0" algn="l" rtl="0">
         <a:lnSpc>
           <a:spcPct val="100000"/>
         </a:lnSpc>
@@ -9948,7 +9900,7 @@
           <a:spcPts val="0"/>
         </a:spcAft>
       </a:defPPr>
-      <a:lvl1pPr lvl="0" marR="0" rtl="0" algn="l">
+      <a:lvl1pPr marR="0" lvl="0" algn="l" rtl="0">
         <a:lnSpc>
           <a:spcPct val="100000"/>
         </a:lnSpc>
@@ -9962,7 +9914,7 @@
           <a:srgbClr val="000000"/>
         </a:buClr>
         <a:buFont typeface="Arial"/>
-        <a:defRPr b="0" i="0" sz="1400" u="none" cap="none" strike="noStrike">
+        <a:defRPr sz="1400" b="0" i="0" u="none" strike="noStrike" cap="none">
           <a:solidFill>
             <a:srgbClr val="000000"/>
           </a:solidFill>
@@ -9972,7 +9924,7 @@
           <a:sym typeface="Arial"/>
         </a:defRPr>
       </a:lvl1pPr>
-      <a:lvl2pPr lvl="1" marR="0" rtl="0" algn="l">
+      <a:lvl2pPr marR="0" lvl="1" algn="l" rtl="0">
         <a:lnSpc>
           <a:spcPct val="100000"/>
         </a:lnSpc>
@@ -9986,7 +9938,7 @@
           <a:srgbClr val="000000"/>
         </a:buClr>
         <a:buFont typeface="Arial"/>
-        <a:defRPr b="0" i="0" sz="1400" u="none" cap="none" strike="noStrike">
+        <a:defRPr sz="1400" b="0" i="0" u="none" strike="noStrike" cap="none">
           <a:solidFill>
             <a:srgbClr val="000000"/>
           </a:solidFill>
@@ -9996,7 +9948,7 @@
           <a:sym typeface="Arial"/>
         </a:defRPr>
       </a:lvl2pPr>
-      <a:lvl3pPr lvl="2" marR="0" rtl="0" algn="l">
+      <a:lvl3pPr marR="0" lvl="2" algn="l" rtl="0">
         <a:lnSpc>
           <a:spcPct val="100000"/>
         </a:lnSpc>
@@ -10010,7 +9962,7 @@
           <a:srgbClr val="000000"/>
         </a:buClr>
         <a:buFont typeface="Arial"/>
-        <a:defRPr b="0" i="0" sz="1400" u="none" cap="none" strike="noStrike">
+        <a:defRPr sz="1400" b="0" i="0" u="none" strike="noStrike" cap="none">
           <a:solidFill>
             <a:srgbClr val="000000"/>
           </a:solidFill>
@@ -10020,7 +9972,7 @@
           <a:sym typeface="Arial"/>
         </a:defRPr>
       </a:lvl3pPr>
-      <a:lvl4pPr lvl="3" marR="0" rtl="0" algn="l">
+      <a:lvl4pPr marR="0" lvl="3" algn="l" rtl="0">
         <a:lnSpc>
           <a:spcPct val="100000"/>
         </a:lnSpc>
@@ -10034,7 +9986,7 @@
           <a:srgbClr val="000000"/>
         </a:buClr>
         <a:buFont typeface="Arial"/>
-        <a:defRPr b="0" i="0" sz="1400" u="none" cap="none" strike="noStrike">
+        <a:defRPr sz="1400" b="0" i="0" u="none" strike="noStrike" cap="none">
           <a:solidFill>
             <a:srgbClr val="000000"/>
           </a:solidFill>
@@ -10044,7 +9996,7 @@
           <a:sym typeface="Arial"/>
         </a:defRPr>
       </a:lvl4pPr>
-      <a:lvl5pPr lvl="4" marR="0" rtl="0" algn="l">
+      <a:lvl5pPr marR="0" lvl="4" algn="l" rtl="0">
         <a:lnSpc>
           <a:spcPct val="100000"/>
         </a:lnSpc>
@@ -10058,7 +10010,7 @@
           <a:srgbClr val="000000"/>
         </a:buClr>
         <a:buFont typeface="Arial"/>
-        <a:defRPr b="0" i="0" sz="1400" u="none" cap="none" strike="noStrike">
+        <a:defRPr sz="1400" b="0" i="0" u="none" strike="noStrike" cap="none">
           <a:solidFill>
             <a:srgbClr val="000000"/>
           </a:solidFill>
@@ -10068,7 +10020,7 @@
           <a:sym typeface="Arial"/>
         </a:defRPr>
       </a:lvl5pPr>
-      <a:lvl6pPr lvl="5" marR="0" rtl="0" algn="l">
+      <a:lvl6pPr marR="0" lvl="5" algn="l" rtl="0">
         <a:lnSpc>
           <a:spcPct val="100000"/>
         </a:lnSpc>
@@ -10082,7 +10034,7 @@
           <a:srgbClr val="000000"/>
         </a:buClr>
         <a:buFont typeface="Arial"/>
-        <a:defRPr b="0" i="0" sz="1400" u="none" cap="none" strike="noStrike">
+        <a:defRPr sz="1400" b="0" i="0" u="none" strike="noStrike" cap="none">
           <a:solidFill>
             <a:srgbClr val="000000"/>
           </a:solidFill>
@@ -10092,7 +10044,7 @@
           <a:sym typeface="Arial"/>
         </a:defRPr>
       </a:lvl6pPr>
-      <a:lvl7pPr lvl="6" marR="0" rtl="0" algn="l">
+      <a:lvl7pPr marR="0" lvl="6" algn="l" rtl="0">
         <a:lnSpc>
           <a:spcPct val="100000"/>
         </a:lnSpc>
@@ -10106,7 +10058,7 @@
           <a:srgbClr val="000000"/>
         </a:buClr>
         <a:buFont typeface="Arial"/>
-        <a:defRPr b="0" i="0" sz="1400" u="none" cap="none" strike="noStrike">
+        <a:defRPr sz="1400" b="0" i="0" u="none" strike="noStrike" cap="none">
           <a:solidFill>
             <a:srgbClr val="000000"/>
           </a:solidFill>
@@ -10116,7 +10068,7 @@
           <a:sym typeface="Arial"/>
         </a:defRPr>
       </a:lvl7pPr>
-      <a:lvl8pPr lvl="7" marR="0" rtl="0" algn="l">
+      <a:lvl8pPr marR="0" lvl="7" algn="l" rtl="0">
         <a:lnSpc>
           <a:spcPct val="100000"/>
         </a:lnSpc>
@@ -10130,7 +10082,7 @@
           <a:srgbClr val="000000"/>
         </a:buClr>
         <a:buFont typeface="Arial"/>
-        <a:defRPr b="0" i="0" sz="1400" u="none" cap="none" strike="noStrike">
+        <a:defRPr sz="1400" b="0" i="0" u="none" strike="noStrike" cap="none">
           <a:solidFill>
             <a:srgbClr val="000000"/>
           </a:solidFill>
@@ -10140,7 +10092,7 @@
           <a:sym typeface="Arial"/>
         </a:defRPr>
       </a:lvl8pPr>
-      <a:lvl9pPr lvl="8" marR="0" rtl="0" algn="l">
+      <a:lvl9pPr marR="0" lvl="8" algn="l" rtl="0">
         <a:lnSpc>
           <a:spcPct val="100000"/>
         </a:lnSpc>
@@ -10154,7 +10106,7 @@
           <a:srgbClr val="000000"/>
         </a:buClr>
         <a:buFont typeface="Arial"/>
-        <a:defRPr b="0" i="0" sz="1400" u="none" cap="none" strike="noStrike">
+        <a:defRPr sz="1400" b="0" i="0" u="none" strike="noStrike" cap="none">
           <a:solidFill>
             <a:srgbClr val="000000"/>
           </a:solidFill>
@@ -10166,7 +10118,7 @@
       </a:lvl9pPr>
     </p:bodyStyle>
     <p:otherStyle>
-      <a:defPPr lvl="0" marR="0" rtl="0" algn="l">
+      <a:defPPr marR="0" lvl="0" algn="l" rtl="0">
         <a:lnSpc>
           <a:spcPct val="100000"/>
         </a:lnSpc>
@@ -10177,7 +10129,7 @@
           <a:spcPts val="0"/>
         </a:spcAft>
       </a:defPPr>
-      <a:lvl1pPr lvl="0" marR="0" rtl="0" algn="l">
+      <a:lvl1pPr marR="0" lvl="0" algn="l" rtl="0">
         <a:lnSpc>
           <a:spcPct val="100000"/>
         </a:lnSpc>
@@ -10191,7 +10143,7 @@
           <a:srgbClr val="000000"/>
         </a:buClr>
         <a:buFont typeface="Arial"/>
-        <a:defRPr b="0" i="0" sz="1400" u="none" cap="none" strike="noStrike">
+        <a:defRPr sz="1400" b="0" i="0" u="none" strike="noStrike" cap="none">
           <a:solidFill>
             <a:srgbClr val="000000"/>
           </a:solidFill>
@@ -10201,7 +10153,7 @@
           <a:sym typeface="Arial"/>
         </a:defRPr>
       </a:lvl1pPr>
-      <a:lvl2pPr lvl="1" marR="0" rtl="0" algn="l">
+      <a:lvl2pPr marR="0" lvl="1" algn="l" rtl="0">
         <a:lnSpc>
           <a:spcPct val="100000"/>
         </a:lnSpc>
@@ -10215,7 +10167,7 @@
           <a:srgbClr val="000000"/>
         </a:buClr>
         <a:buFont typeface="Arial"/>
-        <a:defRPr b="0" i="0" sz="1400" u="none" cap="none" strike="noStrike">
+        <a:defRPr sz="1400" b="0" i="0" u="none" strike="noStrike" cap="none">
           <a:solidFill>
             <a:srgbClr val="000000"/>
           </a:solidFill>
@@ -10225,7 +10177,7 @@
           <a:sym typeface="Arial"/>
         </a:defRPr>
       </a:lvl2pPr>
-      <a:lvl3pPr lvl="2" marR="0" rtl="0" algn="l">
+      <a:lvl3pPr marR="0" lvl="2" algn="l" rtl="0">
         <a:lnSpc>
           <a:spcPct val="100000"/>
         </a:lnSpc>
@@ -10239,7 +10191,7 @@
           <a:srgbClr val="000000"/>
         </a:buClr>
         <a:buFont typeface="Arial"/>
-        <a:defRPr b="0" i="0" sz="1400" u="none" cap="none" strike="noStrike">
+        <a:defRPr sz="1400" b="0" i="0" u="none" strike="noStrike" cap="none">
           <a:solidFill>
             <a:srgbClr val="000000"/>
           </a:solidFill>
@@ -10249,7 +10201,7 @@
           <a:sym typeface="Arial"/>
         </a:defRPr>
       </a:lvl3pPr>
-      <a:lvl4pPr lvl="3" marR="0" rtl="0" algn="l">
+      <a:lvl4pPr marR="0" lvl="3" algn="l" rtl="0">
         <a:lnSpc>
           <a:spcPct val="100000"/>
         </a:lnSpc>
@@ -10263,7 +10215,7 @@
           <a:srgbClr val="000000"/>
         </a:buClr>
         <a:buFont typeface="Arial"/>
-        <a:defRPr b="0" i="0" sz="1400" u="none" cap="none" strike="noStrike">
+        <a:defRPr sz="1400" b="0" i="0" u="none" strike="noStrike" cap="none">
           <a:solidFill>
             <a:srgbClr val="000000"/>
           </a:solidFill>
@@ -10273,7 +10225,7 @@
           <a:sym typeface="Arial"/>
         </a:defRPr>
       </a:lvl4pPr>
-      <a:lvl5pPr lvl="4" marR="0" rtl="0" algn="l">
+      <a:lvl5pPr marR="0" lvl="4" algn="l" rtl="0">
         <a:lnSpc>
           <a:spcPct val="100000"/>
         </a:lnSpc>
@@ -10287,7 +10239,7 @@
           <a:srgbClr val="000000"/>
         </a:buClr>
         <a:buFont typeface="Arial"/>
-        <a:defRPr b="0" i="0" sz="1400" u="none" cap="none" strike="noStrike">
+        <a:defRPr sz="1400" b="0" i="0" u="none" strike="noStrike" cap="none">
           <a:solidFill>
             <a:srgbClr val="000000"/>
           </a:solidFill>
@@ -10297,7 +10249,7 @@
           <a:sym typeface="Arial"/>
         </a:defRPr>
       </a:lvl5pPr>
-      <a:lvl6pPr lvl="5" marR="0" rtl="0" algn="l">
+      <a:lvl6pPr marR="0" lvl="5" algn="l" rtl="0">
         <a:lnSpc>
           <a:spcPct val="100000"/>
         </a:lnSpc>
@@ -10311,7 +10263,7 @@
           <a:srgbClr val="000000"/>
         </a:buClr>
         <a:buFont typeface="Arial"/>
-        <a:defRPr b="0" i="0" sz="1400" u="none" cap="none" strike="noStrike">
+        <a:defRPr sz="1400" b="0" i="0" u="none" strike="noStrike" cap="none">
           <a:solidFill>
             <a:srgbClr val="000000"/>
           </a:solidFill>
@@ -10321,7 +10273,7 @@
           <a:sym typeface="Arial"/>
         </a:defRPr>
       </a:lvl6pPr>
-      <a:lvl7pPr lvl="6" marR="0" rtl="0" algn="l">
+      <a:lvl7pPr marR="0" lvl="6" algn="l" rtl="0">
         <a:lnSpc>
           <a:spcPct val="100000"/>
         </a:lnSpc>
@@ -10335,7 +10287,7 @@
           <a:srgbClr val="000000"/>
         </a:buClr>
         <a:buFont typeface="Arial"/>
-        <a:defRPr b="0" i="0" sz="1400" u="none" cap="none" strike="noStrike">
+        <a:defRPr sz="1400" b="0" i="0" u="none" strike="noStrike" cap="none">
           <a:solidFill>
             <a:srgbClr val="000000"/>
           </a:solidFill>
@@ -10345,7 +10297,7 @@
           <a:sym typeface="Arial"/>
         </a:defRPr>
       </a:lvl7pPr>
-      <a:lvl8pPr lvl="7" marR="0" rtl="0" algn="l">
+      <a:lvl8pPr marR="0" lvl="7" algn="l" rtl="0">
         <a:lnSpc>
           <a:spcPct val="100000"/>
         </a:lnSpc>
@@ -10359,7 +10311,7 @@
           <a:srgbClr val="000000"/>
         </a:buClr>
         <a:buFont typeface="Arial"/>
-        <a:defRPr b="0" i="0" sz="1400" u="none" cap="none" strike="noStrike">
+        <a:defRPr sz="1400" b="0" i="0" u="none" strike="noStrike" cap="none">
           <a:solidFill>
             <a:srgbClr val="000000"/>
           </a:solidFill>
@@ -10369,7 +10321,7 @@
           <a:sym typeface="Arial"/>
         </a:defRPr>
       </a:lvl8pPr>
-      <a:lvl9pPr lvl="8" marR="0" rtl="0" algn="l">
+      <a:lvl9pPr marR="0" lvl="8" algn="l" rtl="0">
         <a:lnSpc>
           <a:spcPct val="100000"/>
         </a:lnSpc>
@@ -10383,7 +10335,7 @@
           <a:srgbClr val="000000"/>
         </a:buClr>
         <a:buFont typeface="Arial"/>
-        <a:defRPr b="0" i="0" sz="1400" u="none" cap="none" strike="noStrike">
+        <a:defRPr sz="1400" b="0" i="0" u="none" strike="noStrike" cap="none">
           <a:solidFill>
             <a:srgbClr val="000000"/>
           </a:solidFill>
@@ -10399,11 +10351,11 @@
 </file>
 
 <file path=ppt/slides/slide1.xml><?xml version="1.0" encoding="utf-8"?>
-<p:sld xmlns:a="http://schemas.openxmlformats.org/drawingml/2006/main" xmlns:r="http://schemas.openxmlformats.org/officeDocument/2006/relationships" xmlns:mc="http://schemas.openxmlformats.org/markup-compatibility/2006" xmlns:mv="urn:schemas-microsoft-com:mac:vml" xmlns:p="http://schemas.openxmlformats.org/presentationml/2006/main" xmlns:c="http://schemas.openxmlformats.org/drawingml/2006/chart" xmlns:dgm="http://schemas.openxmlformats.org/drawingml/2006/diagram" xmlns:o="urn:schemas-microsoft-com:office:office" xmlns:v="urn:schemas-microsoft-com:vml" xmlns:pvml="urn:schemas-microsoft-com:office:powerpoint" xmlns:com="http://schemas.openxmlformats.org/drawingml/2006/compatibility" xmlns:p14="http://schemas.microsoft.com/office/powerpoint/2010/main" xmlns:p15="http://schemas.microsoft.com/office/powerpoint/2012/main">
+<p:sld xmlns:a="http://schemas.openxmlformats.org/drawingml/2006/main" xmlns:r="http://schemas.openxmlformats.org/officeDocument/2006/relationships" xmlns:p="http://schemas.openxmlformats.org/presentationml/2006/main">
   <p:cSld>
     <p:spTree>
       <p:nvGrpSpPr>
-        <p:cNvPr id="133" name="Shape 133"/>
+        <p:cNvPr id="1" name="Shape 133"/>
         <p:cNvGrpSpPr/>
         <p:nvPr/>
       </p:nvGrpSpPr>
@@ -10418,7 +10370,9 @@
       <p:sp>
         <p:nvSpPr>
           <p:cNvPr id="134" name="Google Shape;134;p13"/>
-          <p:cNvSpPr txBox="1"/>
+          <p:cNvSpPr txBox="1">
+            <a:spLocks noGrp="1"/>
+          </p:cNvSpPr>
           <p:nvPr>
             <p:ph type="ctrTitle"/>
           </p:nvPr>
@@ -10433,12 +10387,12 @@
           </a:prstGeom>
         </p:spPr>
         <p:txBody>
-          <a:bodyPr anchorCtr="0" anchor="t" bIns="91425" lIns="91425" spcFirstLastPara="1" rIns="91425" wrap="square" tIns="91425">
+          <a:bodyPr spcFirstLastPara="1" wrap="square" lIns="91425" tIns="91425" rIns="91425" bIns="91425" anchor="t" anchorCtr="0">
             <a:noAutofit/>
           </a:bodyPr>
           <a:lstStyle/>
           <a:p>
-            <a:pPr indent="0" lvl="0" marL="0" rtl="0" algn="l">
+            <a:pPr marL="0" lvl="0" indent="0" algn="l" rtl="0">
               <a:spcBef>
                 <a:spcPts val="0"/>
               </a:spcBef>
@@ -10458,9 +10412,11 @@
       <p:sp>
         <p:nvSpPr>
           <p:cNvPr id="135" name="Google Shape;135;p13"/>
-          <p:cNvSpPr txBox="1"/>
+          <p:cNvSpPr txBox="1">
+            <a:spLocks noGrp="1"/>
+          </p:cNvSpPr>
           <p:nvPr>
-            <p:ph idx="1" type="subTitle"/>
+            <p:ph type="subTitle" idx="1"/>
           </p:nvPr>
         </p:nvSpPr>
         <p:spPr>
@@ -10473,12 +10429,12 @@
           </a:prstGeom>
         </p:spPr>
         <p:txBody>
-          <a:bodyPr anchorCtr="0" anchor="t" bIns="91425" lIns="91425" spcFirstLastPara="1" rIns="91425" wrap="square" tIns="91425">
+          <a:bodyPr spcFirstLastPara="1" wrap="square" lIns="91425" tIns="91425" rIns="91425" bIns="91425" anchor="t" anchorCtr="0">
             <a:noAutofit/>
           </a:bodyPr>
           <a:lstStyle/>
           <a:p>
-            <a:pPr indent="0" lvl="0" marL="0" rtl="0" algn="l">
+            <a:pPr marL="0" lvl="0" indent="0" algn="l" rtl="0">
               <a:spcBef>
                 <a:spcPts val="0"/>
               </a:spcBef>
@@ -10504,11 +10460,11 @@
 </file>
 
 <file path=ppt/slides/slide10.xml><?xml version="1.0" encoding="utf-8"?>
-<p:sld xmlns:a="http://schemas.openxmlformats.org/drawingml/2006/main" xmlns:r="http://schemas.openxmlformats.org/officeDocument/2006/relationships" xmlns:mc="http://schemas.openxmlformats.org/markup-compatibility/2006" xmlns:mv="urn:schemas-microsoft-com:mac:vml" xmlns:p="http://schemas.openxmlformats.org/presentationml/2006/main" xmlns:c="http://schemas.openxmlformats.org/drawingml/2006/chart" xmlns:dgm="http://schemas.openxmlformats.org/drawingml/2006/diagram" xmlns:o="urn:schemas-microsoft-com:office:office" xmlns:v="urn:schemas-microsoft-com:vml" xmlns:pvml="urn:schemas-microsoft-com:office:powerpoint" xmlns:com="http://schemas.openxmlformats.org/drawingml/2006/compatibility" xmlns:p14="http://schemas.microsoft.com/office/powerpoint/2010/main" xmlns:p15="http://schemas.microsoft.com/office/powerpoint/2012/main">
+<p:sld xmlns:a="http://schemas.openxmlformats.org/drawingml/2006/main" xmlns:r="http://schemas.openxmlformats.org/officeDocument/2006/relationships" xmlns:p="http://schemas.openxmlformats.org/presentationml/2006/main">
   <p:cSld>
     <p:spTree>
       <p:nvGrpSpPr>
-        <p:cNvPr id="191" name="Shape 191"/>
+        <p:cNvPr id="1" name="Shape 191"/>
         <p:cNvGrpSpPr/>
         <p:nvPr/>
       </p:nvGrpSpPr>
@@ -10523,7 +10479,9 @@
       <p:sp>
         <p:nvSpPr>
           <p:cNvPr id="192" name="Google Shape;192;p22"/>
-          <p:cNvSpPr txBox="1"/>
+          <p:cNvSpPr txBox="1">
+            <a:spLocks noGrp="1"/>
+          </p:cNvSpPr>
           <p:nvPr>
             <p:ph type="title"/>
           </p:nvPr>
@@ -10538,12 +10496,12 @@
           </a:prstGeom>
         </p:spPr>
         <p:txBody>
-          <a:bodyPr anchorCtr="0" anchor="t" bIns="91425" lIns="91425" spcFirstLastPara="1" rIns="91425" wrap="square" tIns="91425">
+          <a:bodyPr spcFirstLastPara="1" wrap="square" lIns="91425" tIns="91425" rIns="91425" bIns="91425" anchor="t" anchorCtr="0">
             <a:noAutofit/>
           </a:bodyPr>
           <a:lstStyle/>
           <a:p>
-            <a:pPr indent="0" lvl="0" marL="0" rtl="0" algn="l">
+            <a:pPr marL="0" lvl="0" indent="0" algn="l" rtl="0">
               <a:spcBef>
                 <a:spcPts val="0"/>
               </a:spcBef>
@@ -10563,9 +10521,11 @@
       <p:sp>
         <p:nvSpPr>
           <p:cNvPr id="193" name="Google Shape;193;p22"/>
-          <p:cNvSpPr txBox="1"/>
+          <p:cNvSpPr txBox="1">
+            <a:spLocks noGrp="1"/>
+          </p:cNvSpPr>
           <p:nvPr>
-            <p:ph idx="1" type="body"/>
+            <p:ph type="body" idx="1"/>
           </p:nvPr>
         </p:nvSpPr>
         <p:spPr>
@@ -10578,12 +10538,12 @@
           </a:prstGeom>
         </p:spPr>
         <p:txBody>
-          <a:bodyPr anchorCtr="0" anchor="t" bIns="91425" lIns="91425" spcFirstLastPara="1" rIns="91425" wrap="square" tIns="91425">
+          <a:bodyPr spcFirstLastPara="1" wrap="square" lIns="91425" tIns="91425" rIns="91425" bIns="91425" anchor="t" anchorCtr="0">
             <a:noAutofit/>
           </a:bodyPr>
           <a:lstStyle/>
           <a:p>
-            <a:pPr indent="0" lvl="0" marL="0" rtl="0" algn="l">
+            <a:pPr marL="0" lvl="0" indent="0" algn="l" rtl="0">
               <a:spcBef>
                 <a:spcPts val="0"/>
               </a:spcBef>
@@ -10592,9 +10552,6 @@
               </a:spcAft>
               <a:buNone/>
             </a:pPr>
-            <a:r>
-              <a:t/>
-            </a:r>
             <a:endParaRPr/>
           </a:p>
         </p:txBody>
@@ -10608,11 +10565,11 @@
 </file>
 
 <file path=ppt/slides/slide2.xml><?xml version="1.0" encoding="utf-8"?>
-<p:sld xmlns:a="http://schemas.openxmlformats.org/drawingml/2006/main" xmlns:r="http://schemas.openxmlformats.org/officeDocument/2006/relationships" xmlns:mc="http://schemas.openxmlformats.org/markup-compatibility/2006" xmlns:mv="urn:schemas-microsoft-com:mac:vml" xmlns:p="http://schemas.openxmlformats.org/presentationml/2006/main" xmlns:c="http://schemas.openxmlformats.org/drawingml/2006/chart" xmlns:dgm="http://schemas.openxmlformats.org/drawingml/2006/diagram" xmlns:o="urn:schemas-microsoft-com:office:office" xmlns:v="urn:schemas-microsoft-com:vml" xmlns:pvml="urn:schemas-microsoft-com:office:powerpoint" xmlns:com="http://schemas.openxmlformats.org/drawingml/2006/compatibility" xmlns:p14="http://schemas.microsoft.com/office/powerpoint/2010/main" xmlns:p15="http://schemas.microsoft.com/office/powerpoint/2012/main">
+<p:sld xmlns:a="http://schemas.openxmlformats.org/drawingml/2006/main" xmlns:r="http://schemas.openxmlformats.org/officeDocument/2006/relationships" xmlns:p="http://schemas.openxmlformats.org/presentationml/2006/main">
   <p:cSld>
     <p:spTree>
       <p:nvGrpSpPr>
-        <p:cNvPr id="139" name="Shape 139"/>
+        <p:cNvPr id="1" name="Shape 139"/>
         <p:cNvGrpSpPr/>
         <p:nvPr/>
       </p:nvGrpSpPr>
@@ -10627,7 +10584,9 @@
       <p:sp>
         <p:nvSpPr>
           <p:cNvPr id="140" name="Google Shape;140;p14"/>
-          <p:cNvSpPr txBox="1"/>
+          <p:cNvSpPr txBox="1">
+            <a:spLocks noGrp="1"/>
+          </p:cNvSpPr>
           <p:nvPr>
             <p:ph type="title"/>
           </p:nvPr>
@@ -10642,12 +10601,12 @@
           </a:prstGeom>
         </p:spPr>
         <p:txBody>
-          <a:bodyPr anchorCtr="0" anchor="t" bIns="91425" lIns="91425" spcFirstLastPara="1" rIns="91425" wrap="square" tIns="91425">
+          <a:bodyPr spcFirstLastPara="1" wrap="square" lIns="91425" tIns="91425" rIns="91425" bIns="91425" anchor="t" anchorCtr="0">
             <a:noAutofit/>
           </a:bodyPr>
           <a:lstStyle/>
           <a:p>
-            <a:pPr indent="0" lvl="0" marL="0" rtl="0" algn="l">
+            <a:pPr marL="0" lvl="0" indent="0" algn="l" rtl="0">
               <a:spcBef>
                 <a:spcPts val="0"/>
               </a:spcBef>
@@ -10667,9 +10626,11 @@
       <p:sp>
         <p:nvSpPr>
           <p:cNvPr id="141" name="Google Shape;141;p14"/>
-          <p:cNvSpPr txBox="1"/>
+          <p:cNvSpPr txBox="1">
+            <a:spLocks noGrp="1"/>
+          </p:cNvSpPr>
           <p:nvPr>
-            <p:ph idx="1" type="body"/>
+            <p:ph type="body" idx="1"/>
           </p:nvPr>
         </p:nvSpPr>
         <p:spPr>
@@ -10682,12 +10643,12 @@
           </a:prstGeom>
         </p:spPr>
         <p:txBody>
-          <a:bodyPr anchorCtr="0" anchor="t" bIns="91425" lIns="91425" spcFirstLastPara="1" rIns="91425" wrap="square" tIns="91425">
+          <a:bodyPr spcFirstLastPara="1" wrap="square" lIns="91425" tIns="91425" rIns="91425" bIns="91425" anchor="t" anchorCtr="0">
             <a:noAutofit/>
           </a:bodyPr>
           <a:lstStyle/>
           <a:p>
-            <a:pPr indent="-311150" lvl="0" marL="457200" rtl="0" algn="l">
+            <a:pPr marL="457200" lvl="0" indent="-311150" algn="l" rtl="0">
               <a:spcBef>
                 <a:spcPts val="0"/>
               </a:spcBef>
@@ -10704,7 +10665,7 @@
             <a:endParaRPr/>
           </a:p>
           <a:p>
-            <a:pPr indent="-311150" lvl="0" marL="457200" rtl="0" algn="l">
+            <a:pPr marL="457200" lvl="0" indent="-311150" algn="l" rtl="0">
               <a:spcBef>
                 <a:spcPts val="0"/>
               </a:spcBef>
@@ -10721,7 +10682,7 @@
             <a:endParaRPr/>
           </a:p>
           <a:p>
-            <a:pPr indent="-311150" lvl="0" marL="457200" rtl="0" algn="l">
+            <a:pPr marL="457200" lvl="0" indent="-311150" algn="l" rtl="0">
               <a:spcBef>
                 <a:spcPts val="0"/>
               </a:spcBef>
@@ -10738,7 +10699,7 @@
             <a:endParaRPr/>
           </a:p>
           <a:p>
-            <a:pPr indent="-311150" lvl="0" marL="457200" rtl="0" algn="l">
+            <a:pPr marL="457200" lvl="0" indent="-311150" algn="l" rtl="0">
               <a:spcBef>
                 <a:spcPts val="0"/>
               </a:spcBef>
@@ -10755,7 +10716,7 @@
             <a:endParaRPr/>
           </a:p>
           <a:p>
-            <a:pPr indent="-311150" lvl="0" marL="457200" rtl="0" algn="l">
+            <a:pPr marL="457200" lvl="0" indent="-311150" algn="l" rtl="0">
               <a:spcBef>
                 <a:spcPts val="0"/>
               </a:spcBef>
@@ -10772,7 +10733,7 @@
             <a:endParaRPr/>
           </a:p>
           <a:p>
-            <a:pPr indent="-311150" lvl="0" marL="457200" rtl="0" algn="l">
+            <a:pPr marL="457200" lvl="0" indent="-311150" algn="l" rtl="0">
               <a:spcBef>
                 <a:spcPts val="0"/>
               </a:spcBef>
@@ -10799,11 +10760,11 @@
 </file>
 
 <file path=ppt/slides/slide3.xml><?xml version="1.0" encoding="utf-8"?>
-<p:sld xmlns:a="http://schemas.openxmlformats.org/drawingml/2006/main" xmlns:r="http://schemas.openxmlformats.org/officeDocument/2006/relationships" xmlns:mc="http://schemas.openxmlformats.org/markup-compatibility/2006" xmlns:mv="urn:schemas-microsoft-com:mac:vml" xmlns:p="http://schemas.openxmlformats.org/presentationml/2006/main" xmlns:c="http://schemas.openxmlformats.org/drawingml/2006/chart" xmlns:dgm="http://schemas.openxmlformats.org/drawingml/2006/diagram" xmlns:o="urn:schemas-microsoft-com:office:office" xmlns:v="urn:schemas-microsoft-com:vml" xmlns:pvml="urn:schemas-microsoft-com:office:powerpoint" xmlns:com="http://schemas.openxmlformats.org/drawingml/2006/compatibility" xmlns:p14="http://schemas.microsoft.com/office/powerpoint/2010/main" xmlns:p15="http://schemas.microsoft.com/office/powerpoint/2012/main">
+<p:sld xmlns:a="http://schemas.openxmlformats.org/drawingml/2006/main" xmlns:r="http://schemas.openxmlformats.org/officeDocument/2006/relationships" xmlns:p="http://schemas.openxmlformats.org/presentationml/2006/main">
   <p:cSld>
     <p:spTree>
       <p:nvGrpSpPr>
-        <p:cNvPr id="145" name="Shape 145"/>
+        <p:cNvPr id="1" name="Shape 145"/>
         <p:cNvGrpSpPr/>
         <p:nvPr/>
       </p:nvGrpSpPr>
@@ -10818,7 +10779,9 @@
       <p:sp>
         <p:nvSpPr>
           <p:cNvPr id="146" name="Google Shape;146;p15"/>
-          <p:cNvSpPr txBox="1"/>
+          <p:cNvSpPr txBox="1">
+            <a:spLocks noGrp="1"/>
+          </p:cNvSpPr>
           <p:nvPr>
             <p:ph type="title"/>
           </p:nvPr>
@@ -10833,12 +10796,12 @@
           </a:prstGeom>
         </p:spPr>
         <p:txBody>
-          <a:bodyPr anchorCtr="0" anchor="t" bIns="91425" lIns="91425" spcFirstLastPara="1" rIns="91425" wrap="square" tIns="91425">
+          <a:bodyPr spcFirstLastPara="1" wrap="square" lIns="91425" tIns="91425" rIns="91425" bIns="91425" anchor="t" anchorCtr="0">
             <a:noAutofit/>
           </a:bodyPr>
           <a:lstStyle/>
           <a:p>
-            <a:pPr indent="0" lvl="0" marL="0" rtl="0" algn="l">
+            <a:pPr marL="0" lvl="0" indent="0" algn="l" rtl="0">
               <a:spcBef>
                 <a:spcPts val="0"/>
               </a:spcBef>
@@ -10858,9 +10821,11 @@
       <p:sp>
         <p:nvSpPr>
           <p:cNvPr id="147" name="Google Shape;147;p15"/>
-          <p:cNvSpPr txBox="1"/>
+          <p:cNvSpPr txBox="1">
+            <a:spLocks noGrp="1"/>
+          </p:cNvSpPr>
           <p:nvPr>
-            <p:ph idx="1" type="body"/>
+            <p:ph type="body" idx="1"/>
           </p:nvPr>
         </p:nvSpPr>
         <p:spPr>
@@ -10873,12 +10838,12 @@
           </a:prstGeom>
         </p:spPr>
         <p:txBody>
-          <a:bodyPr anchorCtr="0" anchor="t" bIns="91425" lIns="91425" spcFirstLastPara="1" rIns="91425" wrap="square" tIns="91425">
+          <a:bodyPr spcFirstLastPara="1" wrap="square" lIns="91425" tIns="91425" rIns="91425" bIns="91425" anchor="t" anchorCtr="0">
             <a:noAutofit/>
           </a:bodyPr>
           <a:lstStyle/>
           <a:p>
-            <a:pPr indent="0" lvl="0" marL="0" rtl="0" algn="l">
+            <a:pPr marL="0" lvl="0" indent="0" algn="l" rtl="0">
               <a:spcBef>
                 <a:spcPts val="0"/>
               </a:spcBef>
@@ -10887,9 +10852,6 @@
               </a:spcAft>
               <a:buNone/>
             </a:pPr>
-            <a:r>
-              <a:t/>
-            </a:r>
             <a:endParaRPr/>
           </a:p>
         </p:txBody>
@@ -10931,11 +10893,11 @@
 </file>
 
 <file path=ppt/slides/slide4.xml><?xml version="1.0" encoding="utf-8"?>
-<p:sld xmlns:a="http://schemas.openxmlformats.org/drawingml/2006/main" xmlns:r="http://schemas.openxmlformats.org/officeDocument/2006/relationships" xmlns:mc="http://schemas.openxmlformats.org/markup-compatibility/2006" xmlns:mv="urn:schemas-microsoft-com:mac:vml" xmlns:p="http://schemas.openxmlformats.org/presentationml/2006/main" xmlns:c="http://schemas.openxmlformats.org/drawingml/2006/chart" xmlns:dgm="http://schemas.openxmlformats.org/drawingml/2006/diagram" xmlns:o="urn:schemas-microsoft-com:office:office" xmlns:v="urn:schemas-microsoft-com:vml" xmlns:pvml="urn:schemas-microsoft-com:office:powerpoint" xmlns:com="http://schemas.openxmlformats.org/drawingml/2006/compatibility" xmlns:p14="http://schemas.microsoft.com/office/powerpoint/2010/main" xmlns:p15="http://schemas.microsoft.com/office/powerpoint/2012/main">
+<p:sld xmlns:a="http://schemas.openxmlformats.org/drawingml/2006/main" xmlns:r="http://schemas.openxmlformats.org/officeDocument/2006/relationships" xmlns:p="http://schemas.openxmlformats.org/presentationml/2006/main">
   <p:cSld>
     <p:spTree>
       <p:nvGrpSpPr>
-        <p:cNvPr id="152" name="Shape 152"/>
+        <p:cNvPr id="1" name="Shape 152"/>
         <p:cNvGrpSpPr/>
         <p:nvPr/>
       </p:nvGrpSpPr>
@@ -10950,7 +10912,9 @@
       <p:sp>
         <p:nvSpPr>
           <p:cNvPr id="153" name="Google Shape;153;p16"/>
-          <p:cNvSpPr txBox="1"/>
+          <p:cNvSpPr txBox="1">
+            <a:spLocks noGrp="1"/>
+          </p:cNvSpPr>
           <p:nvPr>
             <p:ph type="title"/>
           </p:nvPr>
@@ -10965,12 +10929,12 @@
           </a:prstGeom>
         </p:spPr>
         <p:txBody>
-          <a:bodyPr anchorCtr="0" anchor="t" bIns="91425" lIns="91425" spcFirstLastPara="1" rIns="91425" wrap="square" tIns="91425">
+          <a:bodyPr spcFirstLastPara="1" wrap="square" lIns="91425" tIns="91425" rIns="91425" bIns="91425" anchor="t" anchorCtr="0">
             <a:noAutofit/>
           </a:bodyPr>
           <a:lstStyle/>
           <a:p>
-            <a:pPr indent="0" lvl="0" marL="0" rtl="0" algn="l">
+            <a:pPr marL="0" lvl="0" indent="0" algn="l" rtl="0">
               <a:spcBef>
                 <a:spcPts val="0"/>
               </a:spcBef>
@@ -10986,7 +10950,7 @@
             <a:endParaRPr/>
           </a:p>
           <a:p>
-            <a:pPr indent="0" lvl="0" marL="0" rtl="0" algn="l">
+            <a:pPr marL="0" lvl="0" indent="0" algn="l" rtl="0">
               <a:spcBef>
                 <a:spcPts val="0"/>
               </a:spcBef>
@@ -10995,9 +10959,6 @@
               </a:spcAft>
               <a:buNone/>
             </a:pPr>
-            <a:r>
-              <a:t/>
-            </a:r>
             <a:endParaRPr/>
           </a:p>
         </p:txBody>
@@ -11039,11 +11000,11 @@
 </file>
 
 <file path=ppt/slides/slide5.xml><?xml version="1.0" encoding="utf-8"?>
-<p:sld xmlns:a="http://schemas.openxmlformats.org/drawingml/2006/main" xmlns:r="http://schemas.openxmlformats.org/officeDocument/2006/relationships" xmlns:mc="http://schemas.openxmlformats.org/markup-compatibility/2006" xmlns:mv="urn:schemas-microsoft-com:mac:vml" xmlns:p="http://schemas.openxmlformats.org/presentationml/2006/main" xmlns:c="http://schemas.openxmlformats.org/drawingml/2006/chart" xmlns:dgm="http://schemas.openxmlformats.org/drawingml/2006/diagram" xmlns:o="urn:schemas-microsoft-com:office:office" xmlns:v="urn:schemas-microsoft-com:vml" xmlns:pvml="urn:schemas-microsoft-com:office:powerpoint" xmlns:com="http://schemas.openxmlformats.org/drawingml/2006/compatibility" xmlns:p14="http://schemas.microsoft.com/office/powerpoint/2010/main" xmlns:p15="http://schemas.microsoft.com/office/powerpoint/2012/main">
+<p:sld xmlns:a="http://schemas.openxmlformats.org/drawingml/2006/main" xmlns:r="http://schemas.openxmlformats.org/officeDocument/2006/relationships" xmlns:p="http://schemas.openxmlformats.org/presentationml/2006/main">
   <p:cSld>
     <p:spTree>
       <p:nvGrpSpPr>
-        <p:cNvPr id="158" name="Shape 158"/>
+        <p:cNvPr id="1" name="Shape 158"/>
         <p:cNvGrpSpPr/>
         <p:nvPr/>
       </p:nvGrpSpPr>
@@ -11058,7 +11019,9 @@
       <p:sp>
         <p:nvSpPr>
           <p:cNvPr id="159" name="Google Shape;159;p17"/>
-          <p:cNvSpPr txBox="1"/>
+          <p:cNvSpPr txBox="1">
+            <a:spLocks noGrp="1"/>
+          </p:cNvSpPr>
           <p:nvPr>
             <p:ph type="title"/>
           </p:nvPr>
@@ -11073,12 +11036,12 @@
           </a:prstGeom>
         </p:spPr>
         <p:txBody>
-          <a:bodyPr anchorCtr="0" anchor="t" bIns="91425" lIns="91425" spcFirstLastPara="1" rIns="91425" wrap="square" tIns="91425">
+          <a:bodyPr spcFirstLastPara="1" wrap="square" lIns="91425" tIns="91425" rIns="91425" bIns="91425" anchor="t" anchorCtr="0">
             <a:noAutofit/>
           </a:bodyPr>
           <a:lstStyle/>
           <a:p>
-            <a:pPr indent="0" lvl="0" marL="0" rtl="0" algn="l">
+            <a:pPr marL="0" lvl="0" indent="0" algn="l" rtl="0">
               <a:spcBef>
                 <a:spcPts val="0"/>
               </a:spcBef>
@@ -11089,16 +11052,12 @@
             </a:pPr>
             <a:r>
               <a:rPr lang="nl"/>
-              <a:t>Sequence diagram - </a:t>
-            </a:r>
-            <a:r>
-              <a:rPr lang="nl"/>
-              <a:t>spelverloop</a:t>
+              <a:t>Sequence diagram - spelverloop</a:t>
             </a:r>
             <a:endParaRPr/>
           </a:p>
           <a:p>
-            <a:pPr indent="0" lvl="0" marL="0" rtl="0" algn="l">
+            <a:pPr marL="0" lvl="0" indent="0" algn="l" rtl="0">
               <a:spcBef>
                 <a:spcPts val="0"/>
               </a:spcBef>
@@ -11107,9 +11066,6 @@
               </a:spcAft>
               <a:buNone/>
             </a:pPr>
-            <a:r>
-              <a:t/>
-            </a:r>
             <a:endParaRPr/>
           </a:p>
         </p:txBody>
@@ -11151,11 +11107,11 @@
 </file>
 
 <file path=ppt/slides/slide6.xml><?xml version="1.0" encoding="utf-8"?>
-<p:sld xmlns:a="http://schemas.openxmlformats.org/drawingml/2006/main" xmlns:r="http://schemas.openxmlformats.org/officeDocument/2006/relationships" xmlns:mc="http://schemas.openxmlformats.org/markup-compatibility/2006" xmlns:mv="urn:schemas-microsoft-com:mac:vml" xmlns:p="http://schemas.openxmlformats.org/presentationml/2006/main" xmlns:c="http://schemas.openxmlformats.org/drawingml/2006/chart" xmlns:dgm="http://schemas.openxmlformats.org/drawingml/2006/diagram" xmlns:o="urn:schemas-microsoft-com:office:office" xmlns:v="urn:schemas-microsoft-com:vml" xmlns:pvml="urn:schemas-microsoft-com:office:powerpoint" xmlns:com="http://schemas.openxmlformats.org/drawingml/2006/compatibility" xmlns:p14="http://schemas.microsoft.com/office/powerpoint/2010/main" xmlns:p15="http://schemas.microsoft.com/office/powerpoint/2012/main">
+<p:sld xmlns:a="http://schemas.openxmlformats.org/drawingml/2006/main" xmlns:r="http://schemas.openxmlformats.org/officeDocument/2006/relationships" xmlns:p="http://schemas.openxmlformats.org/presentationml/2006/main">
   <p:cSld>
     <p:spTree>
       <p:nvGrpSpPr>
-        <p:cNvPr id="164" name="Shape 164"/>
+        <p:cNvPr id="1" name="Shape 164"/>
         <p:cNvGrpSpPr/>
         <p:nvPr/>
       </p:nvGrpSpPr>
@@ -11170,7 +11126,9 @@
       <p:sp>
         <p:nvSpPr>
           <p:cNvPr id="165" name="Google Shape;165;p18"/>
-          <p:cNvSpPr txBox="1"/>
+          <p:cNvSpPr txBox="1">
+            <a:spLocks noGrp="1"/>
+          </p:cNvSpPr>
           <p:nvPr>
             <p:ph type="title"/>
           </p:nvPr>
@@ -11185,12 +11143,12 @@
           </a:prstGeom>
         </p:spPr>
         <p:txBody>
-          <a:bodyPr anchorCtr="0" anchor="t" bIns="91425" lIns="91425" spcFirstLastPara="1" rIns="91425" wrap="square" tIns="91425">
+          <a:bodyPr spcFirstLastPara="1" wrap="square" lIns="91425" tIns="91425" rIns="91425" bIns="91425" anchor="t" anchorCtr="0">
             <a:noAutofit/>
           </a:bodyPr>
           <a:lstStyle/>
           <a:p>
-            <a:pPr indent="0" lvl="0" marL="0" rtl="0" algn="l">
+            <a:pPr marL="0" lvl="0" indent="0" algn="l" rtl="0">
               <a:spcBef>
                 <a:spcPts val="0"/>
               </a:spcBef>
@@ -11206,7 +11164,7 @@
             <a:endParaRPr/>
           </a:p>
           <a:p>
-            <a:pPr indent="0" lvl="0" marL="0" rtl="0" algn="l">
+            <a:pPr marL="0" lvl="0" indent="0" algn="l" rtl="0">
               <a:spcBef>
                 <a:spcPts val="0"/>
               </a:spcBef>
@@ -11215,13 +11173,10 @@
               </a:spcAft>
               <a:buNone/>
             </a:pPr>
-            <a:r>
-              <a:t/>
-            </a:r>
             <a:endParaRPr/>
           </a:p>
           <a:p>
-            <a:pPr indent="0" lvl="0" marL="0" rtl="0" algn="l">
+            <a:pPr marL="0" lvl="0" indent="0" algn="l" rtl="0">
               <a:spcBef>
                 <a:spcPts val="0"/>
               </a:spcBef>
@@ -11230,9 +11185,6 @@
               </a:spcAft>
               <a:buNone/>
             </a:pPr>
-            <a:r>
-              <a:t/>
-            </a:r>
             <a:endParaRPr/>
           </a:p>
         </p:txBody>
@@ -11274,11 +11226,11 @@
 </file>
 
 <file path=ppt/slides/slide7.xml><?xml version="1.0" encoding="utf-8"?>
-<p:sld xmlns:a="http://schemas.openxmlformats.org/drawingml/2006/main" xmlns:r="http://schemas.openxmlformats.org/officeDocument/2006/relationships" xmlns:mc="http://schemas.openxmlformats.org/markup-compatibility/2006" xmlns:mv="urn:schemas-microsoft-com:mac:vml" xmlns:p="http://schemas.openxmlformats.org/presentationml/2006/main" xmlns:c="http://schemas.openxmlformats.org/drawingml/2006/chart" xmlns:dgm="http://schemas.openxmlformats.org/drawingml/2006/diagram" xmlns:o="urn:schemas-microsoft-com:office:office" xmlns:v="urn:schemas-microsoft-com:vml" xmlns:pvml="urn:schemas-microsoft-com:office:powerpoint" xmlns:com="http://schemas.openxmlformats.org/drawingml/2006/compatibility" xmlns:p14="http://schemas.microsoft.com/office/powerpoint/2010/main" xmlns:p15="http://schemas.microsoft.com/office/powerpoint/2012/main">
+<p:sld xmlns:a="http://schemas.openxmlformats.org/drawingml/2006/main" xmlns:r="http://schemas.openxmlformats.org/officeDocument/2006/relationships" xmlns:p="http://schemas.openxmlformats.org/presentationml/2006/main">
   <p:cSld>
     <p:spTree>
       <p:nvGrpSpPr>
-        <p:cNvPr id="170" name="Shape 170"/>
+        <p:cNvPr id="1" name="Shape 170"/>
         <p:cNvGrpSpPr/>
         <p:nvPr/>
       </p:nvGrpSpPr>
@@ -11293,7 +11245,9 @@
       <p:sp>
         <p:nvSpPr>
           <p:cNvPr id="171" name="Google Shape;171;p19"/>
-          <p:cNvSpPr txBox="1"/>
+          <p:cNvSpPr txBox="1">
+            <a:spLocks noGrp="1"/>
+          </p:cNvSpPr>
           <p:nvPr>
             <p:ph type="title"/>
           </p:nvPr>
@@ -11308,12 +11262,12 @@
           </a:prstGeom>
         </p:spPr>
         <p:txBody>
-          <a:bodyPr anchorCtr="0" anchor="t" bIns="91425" lIns="91425" spcFirstLastPara="1" rIns="91425" wrap="square" tIns="91425">
+          <a:bodyPr spcFirstLastPara="1" wrap="square" lIns="91425" tIns="91425" rIns="91425" bIns="91425" anchor="t" anchorCtr="0">
             <a:noAutofit/>
           </a:bodyPr>
           <a:lstStyle/>
           <a:p>
-            <a:pPr indent="0" lvl="0" marL="0" rtl="0" algn="l">
+            <a:pPr marL="0" lvl="0" indent="0" algn="l" rtl="0">
               <a:spcBef>
                 <a:spcPts val="0"/>
               </a:spcBef>
@@ -11333,9 +11287,11 @@
       <p:sp>
         <p:nvSpPr>
           <p:cNvPr id="172" name="Google Shape;172;p19"/>
-          <p:cNvSpPr txBox="1"/>
+          <p:cNvSpPr txBox="1">
+            <a:spLocks noGrp="1"/>
+          </p:cNvSpPr>
           <p:nvPr>
-            <p:ph idx="1" type="body"/>
+            <p:ph type="body" idx="1"/>
           </p:nvPr>
         </p:nvSpPr>
         <p:spPr>
@@ -11348,12 +11304,12 @@
           </a:prstGeom>
         </p:spPr>
         <p:txBody>
-          <a:bodyPr anchorCtr="0" anchor="t" bIns="91425" lIns="91425" spcFirstLastPara="1" rIns="91425" wrap="square" tIns="91425">
+          <a:bodyPr spcFirstLastPara="1" wrap="square" lIns="91425" tIns="91425" rIns="91425" bIns="91425" anchor="t" anchorCtr="0">
             <a:noAutofit/>
           </a:bodyPr>
           <a:lstStyle/>
           <a:p>
-            <a:pPr indent="0" lvl="0" marL="0" rtl="0" algn="l">
+            <a:pPr marL="0" lvl="0" indent="0" algn="l" rtl="0">
               <a:spcBef>
                 <a:spcPts val="0"/>
               </a:spcBef>
@@ -11369,7 +11325,7 @@
             <a:endParaRPr/>
           </a:p>
           <a:p>
-            <a:pPr indent="0" lvl="0" marL="0" rtl="0" algn="l">
+            <a:pPr marL="0" lvl="0" indent="0" algn="l" rtl="0">
               <a:spcBef>
                 <a:spcPts val="1600"/>
               </a:spcBef>
@@ -11385,7 +11341,7 @@
             <a:endParaRPr/>
           </a:p>
           <a:p>
-            <a:pPr indent="0" lvl="0" marL="0" rtl="0" algn="l">
+            <a:pPr marL="0" lvl="0" indent="0" algn="l" rtl="0">
               <a:spcBef>
                 <a:spcPts val="1600"/>
               </a:spcBef>
@@ -11396,11 +11352,7 @@
             </a:pPr>
             <a:r>
               <a:rPr lang="nl"/>
-              <a:t>Enum klass</a:t>
-            </a:r>
-            <a:r>
-              <a:rPr lang="nl"/>
-              <a:t>en</a:t>
+              <a:t>Enum klassen</a:t>
             </a:r>
             <a:endParaRPr/>
           </a:p>
@@ -11443,11 +11395,11 @@
 </file>
 
 <file path=ppt/slides/slide8.xml><?xml version="1.0" encoding="utf-8"?>
-<p:sld xmlns:a="http://schemas.openxmlformats.org/drawingml/2006/main" xmlns:r="http://schemas.openxmlformats.org/officeDocument/2006/relationships" xmlns:mc="http://schemas.openxmlformats.org/markup-compatibility/2006" xmlns:mv="urn:schemas-microsoft-com:mac:vml" xmlns:p="http://schemas.openxmlformats.org/presentationml/2006/main" xmlns:c="http://schemas.openxmlformats.org/drawingml/2006/chart" xmlns:dgm="http://schemas.openxmlformats.org/drawingml/2006/diagram" xmlns:o="urn:schemas-microsoft-com:office:office" xmlns:v="urn:schemas-microsoft-com:vml" xmlns:pvml="urn:schemas-microsoft-com:office:powerpoint" xmlns:com="http://schemas.openxmlformats.org/drawingml/2006/compatibility" xmlns:p14="http://schemas.microsoft.com/office/powerpoint/2010/main" xmlns:p15="http://schemas.microsoft.com/office/powerpoint/2012/main">
+<p:sld xmlns:a="http://schemas.openxmlformats.org/drawingml/2006/main" xmlns:r="http://schemas.openxmlformats.org/officeDocument/2006/relationships" xmlns:p="http://schemas.openxmlformats.org/presentationml/2006/main">
   <p:cSld>
     <p:spTree>
       <p:nvGrpSpPr>
-        <p:cNvPr id="177" name="Shape 177"/>
+        <p:cNvPr id="1" name="Shape 177"/>
         <p:cNvGrpSpPr/>
         <p:nvPr/>
       </p:nvGrpSpPr>
@@ -11462,7 +11414,9 @@
       <p:sp>
         <p:nvSpPr>
           <p:cNvPr id="178" name="Google Shape;178;p20"/>
-          <p:cNvSpPr txBox="1"/>
+          <p:cNvSpPr txBox="1">
+            <a:spLocks noGrp="1"/>
+          </p:cNvSpPr>
           <p:nvPr>
             <p:ph type="title"/>
           </p:nvPr>
@@ -11477,12 +11431,12 @@
           </a:prstGeom>
         </p:spPr>
         <p:txBody>
-          <a:bodyPr anchorCtr="0" anchor="t" bIns="91425" lIns="91425" spcFirstLastPara="1" rIns="91425" wrap="square" tIns="91425">
+          <a:bodyPr spcFirstLastPara="1" wrap="square" lIns="91425" tIns="91425" rIns="91425" bIns="91425" anchor="t" anchorCtr="0">
             <a:noAutofit/>
           </a:bodyPr>
           <a:lstStyle/>
           <a:p>
-            <a:pPr indent="0" lvl="0" marL="0" rtl="0" algn="l">
+            <a:pPr marL="0" lvl="0" indent="0" algn="l" rtl="0">
               <a:spcBef>
                 <a:spcPts val="0"/>
               </a:spcBef>
@@ -11498,7 +11452,7 @@
             <a:endParaRPr/>
           </a:p>
           <a:p>
-            <a:pPr indent="0" lvl="0" marL="0" rtl="0" algn="l">
+            <a:pPr marL="0" lvl="0" indent="0" algn="l" rtl="0">
               <a:spcBef>
                 <a:spcPts val="0"/>
               </a:spcBef>
@@ -11507,9 +11461,6 @@
               </a:spcAft>
               <a:buNone/>
             </a:pPr>
-            <a:r>
-              <a:t/>
-            </a:r>
             <a:endParaRPr/>
           </a:p>
         </p:txBody>
@@ -11517,9 +11468,11 @@
       <p:sp>
         <p:nvSpPr>
           <p:cNvPr id="179" name="Google Shape;179;p20"/>
-          <p:cNvSpPr txBox="1"/>
+          <p:cNvSpPr txBox="1">
+            <a:spLocks noGrp="1"/>
+          </p:cNvSpPr>
           <p:nvPr>
-            <p:ph idx="1" type="body"/>
+            <p:ph type="body" idx="1"/>
           </p:nvPr>
         </p:nvSpPr>
         <p:spPr>
@@ -11532,12 +11485,12 @@
           </a:prstGeom>
         </p:spPr>
         <p:txBody>
-          <a:bodyPr anchorCtr="0" anchor="t" bIns="91425" lIns="91425" spcFirstLastPara="1" rIns="91425" wrap="square" tIns="91425">
+          <a:bodyPr spcFirstLastPara="1" wrap="square" lIns="91425" tIns="91425" rIns="91425" bIns="91425" anchor="t" anchorCtr="0">
             <a:noAutofit/>
           </a:bodyPr>
           <a:lstStyle/>
           <a:p>
-            <a:pPr indent="0" lvl="0" marL="0" rtl="0" algn="l">
+            <a:pPr marL="0" lvl="0" indent="0" algn="l" rtl="0">
               <a:spcBef>
                 <a:spcPts val="0"/>
               </a:spcBef>
@@ -11546,11 +11499,7 @@
               </a:spcAft>
               <a:buNone/>
             </a:pPr>
-            <a:r>
-              <a:rPr lang="nl"/>
-              <a:t>Linked list</a:t>
-            </a:r>
-            <a:endParaRPr/>
+            <a:endParaRPr dirty="0"/>
           </a:p>
         </p:txBody>
       </p:sp>
@@ -11570,8 +11519,8 @@
         </p:blipFill>
         <p:spPr>
           <a:xfrm>
-            <a:off x="2414613" y="1706573"/>
-            <a:ext cx="6607762" cy="3259475"/>
+            <a:off x="1394961" y="1307851"/>
+            <a:ext cx="7627414" cy="3658198"/>
           </a:xfrm>
           <a:prstGeom prst="rect">
             <a:avLst/>
@@ -11591,11 +11540,11 @@
 </file>
 
 <file path=ppt/slides/slide9.xml><?xml version="1.0" encoding="utf-8"?>
-<p:sld xmlns:a="http://schemas.openxmlformats.org/drawingml/2006/main" xmlns:r="http://schemas.openxmlformats.org/officeDocument/2006/relationships" xmlns:mc="http://schemas.openxmlformats.org/markup-compatibility/2006" xmlns:mv="urn:schemas-microsoft-com:mac:vml" xmlns:p="http://schemas.openxmlformats.org/presentationml/2006/main" xmlns:c="http://schemas.openxmlformats.org/drawingml/2006/chart" xmlns:dgm="http://schemas.openxmlformats.org/drawingml/2006/diagram" xmlns:o="urn:schemas-microsoft-com:office:office" xmlns:v="urn:schemas-microsoft-com:vml" xmlns:pvml="urn:schemas-microsoft-com:office:powerpoint" xmlns:com="http://schemas.openxmlformats.org/drawingml/2006/compatibility" xmlns:p14="http://schemas.microsoft.com/office/powerpoint/2010/main" xmlns:p15="http://schemas.microsoft.com/office/powerpoint/2012/main">
+<p:sld xmlns:a="http://schemas.openxmlformats.org/drawingml/2006/main" xmlns:r="http://schemas.openxmlformats.org/officeDocument/2006/relationships" xmlns:p="http://schemas.openxmlformats.org/presentationml/2006/main">
   <p:cSld>
     <p:spTree>
       <p:nvGrpSpPr>
-        <p:cNvPr id="184" name="Shape 184"/>
+        <p:cNvPr id="1" name="Shape 184"/>
         <p:cNvGrpSpPr/>
         <p:nvPr/>
       </p:nvGrpSpPr>
@@ -11610,7 +11559,9 @@
       <p:sp>
         <p:nvSpPr>
           <p:cNvPr id="185" name="Google Shape;185;p21"/>
-          <p:cNvSpPr txBox="1"/>
+          <p:cNvSpPr txBox="1">
+            <a:spLocks noGrp="1"/>
+          </p:cNvSpPr>
           <p:nvPr>
             <p:ph type="title"/>
           </p:nvPr>
@@ -11625,12 +11576,12 @@
           </a:prstGeom>
         </p:spPr>
         <p:txBody>
-          <a:bodyPr anchorCtr="0" anchor="t" bIns="91425" lIns="91425" spcFirstLastPara="1" rIns="91425" wrap="square" tIns="91425">
+          <a:bodyPr spcFirstLastPara="1" wrap="square" lIns="91425" tIns="91425" rIns="91425" bIns="91425" anchor="t" anchorCtr="0">
             <a:noAutofit/>
           </a:bodyPr>
           <a:lstStyle/>
           <a:p>
-            <a:pPr indent="0" lvl="0" marL="0" rtl="0" algn="l">
+            <a:pPr marL="0" lvl="0" indent="0" algn="l" rtl="0">
               <a:spcBef>
                 <a:spcPts val="0"/>
               </a:spcBef>
@@ -11650,9 +11601,11 @@
       <p:sp>
         <p:nvSpPr>
           <p:cNvPr id="186" name="Google Shape;186;p21"/>
-          <p:cNvSpPr txBox="1"/>
+          <p:cNvSpPr txBox="1">
+            <a:spLocks noGrp="1"/>
+          </p:cNvSpPr>
           <p:nvPr>
-            <p:ph idx="1" type="body"/>
+            <p:ph type="body" idx="1"/>
           </p:nvPr>
         </p:nvSpPr>
         <p:spPr>
@@ -11665,12 +11618,12 @@
           </a:prstGeom>
         </p:spPr>
         <p:txBody>
-          <a:bodyPr anchorCtr="0" anchor="t" bIns="91425" lIns="91425" spcFirstLastPara="1" rIns="91425" wrap="square" tIns="91425">
+          <a:bodyPr spcFirstLastPara="1" wrap="square" lIns="91425" tIns="91425" rIns="91425" bIns="91425" anchor="t" anchorCtr="0">
             <a:noAutofit/>
           </a:bodyPr>
           <a:lstStyle/>
           <a:p>
-            <a:pPr indent="0" lvl="0" marL="0" rtl="0" algn="l">
+            <a:pPr marL="0" lvl="0" indent="0" algn="l" rtl="0">
               <a:spcBef>
                 <a:spcPts val="0"/>
               </a:spcBef>
@@ -11679,9 +11632,6 @@
               </a:spcAft>
               <a:buNone/>
             </a:pPr>
-            <a:r>
-              <a:t/>
-            </a:r>
             <a:endParaRPr/>
           </a:p>
         </p:txBody>
@@ -11723,7 +11673,7 @@
 </file>
 
 <file path=ppt/theme/theme1.xml><?xml version="1.0" encoding="utf-8"?>
-<a:theme xmlns:a="http://schemas.openxmlformats.org/drawingml/2006/main" xmlns:r="http://schemas.openxmlformats.org/officeDocument/2006/relationships" name="Focus">
+<a:theme xmlns:a="http://schemas.openxmlformats.org/drawingml/2006/main" name="Focus">
   <a:themeElements>
     <a:clrScheme name="Focus">
       <a:dk1>
@@ -11998,11 +11948,13 @@
       </a:bgFillStyleLst>
     </a:fmtScheme>
   </a:themeElements>
+  <a:objectDefaults/>
+  <a:extraClrSchemeLst/>
 </a:theme>
 </file>
 
 <file path=ppt/theme/theme2.xml><?xml version="1.0" encoding="utf-8"?>
-<a:theme xmlns:a="http://schemas.openxmlformats.org/drawingml/2006/main" xmlns:r="http://schemas.openxmlformats.org/officeDocument/2006/relationships">
+<a:theme xmlns:a="http://schemas.openxmlformats.org/drawingml/2006/main">
   <a:themeElements>
     <a:clrScheme name="Default">
       <a:dk1>
@@ -12277,5 +12229,7 @@
       </a:bgFillStyleLst>
     </a:fmtScheme>
   </a:themeElements>
+  <a:objectDefaults/>
+  <a:extraClrSchemeLst/>
 </a:theme>
 </file>